--- a/Documents/Final Presentation/Ilija's Parts.pptx
+++ b/Documents/Final Presentation/Ilija's Parts.pptx
@@ -1,23 +1,26 @@
 
 <file path=ppt/presentation.xml><?xml version="1.0" encoding="utf-8"?>
-<p:presentation xmlns:a="http://schemas.openxmlformats.org/drawingml/2006/main" xmlns:r="http://schemas.openxmlformats.org/officeDocument/2006/relationships" xmlns:mc="http://schemas.openxmlformats.org/markup-compatibility/2006" xmlns:mv="urn:schemas-microsoft-com:mac:vml" xmlns:p="http://schemas.openxmlformats.org/presentationml/2006/main" xmlns:c="http://schemas.openxmlformats.org/drawingml/2006/chart" xmlns:dgm="http://schemas.openxmlformats.org/drawingml/2006/diagram" xmlns:o="urn:schemas-microsoft-com:office:office" xmlns:v="urn:schemas-microsoft-com:vml" xmlns:pvml="urn:schemas-microsoft-com:office:powerpoint" xmlns:com="http://schemas.openxmlformats.org/drawingml/2006/compatibility" xmlns:p14="http://schemas.microsoft.com/office/powerpoint/2010/main" xmlns:p15="http://schemas.microsoft.com/office/powerpoint/2012/main" autoCompressPictures="0" strictFirstAndLastChars="0" saveSubsetFonts="1">
+<p:presentation xmlns:a="http://schemas.openxmlformats.org/drawingml/2006/main" xmlns:r="http://schemas.openxmlformats.org/officeDocument/2006/relationships" xmlns:p="http://schemas.openxmlformats.org/presentationml/2006/main" strictFirstAndLastChars="0" saveSubsetFonts="1" autoCompressPictures="0">
   <p:sldMasterIdLst>
-    <p:sldMasterId id="2147483659" r:id="rId4"/>
+    <p:sldMasterId id="2147483659" r:id="rId1"/>
   </p:sldMasterIdLst>
   <p:notesMasterIdLst>
-    <p:notesMasterId r:id="rId5"/>
+    <p:notesMasterId r:id="rId10"/>
   </p:notesMasterIdLst>
   <p:sldIdLst>
-    <p:sldId id="256" r:id="rId6"/>
-    <p:sldId id="257" r:id="rId7"/>
-    <p:sldId id="258" r:id="rId8"/>
-    <p:sldId id="259" r:id="rId9"/>
-    <p:sldId id="260" r:id="rId10"/>
+    <p:sldId id="256" r:id="rId2"/>
+    <p:sldId id="257" r:id="rId3"/>
+    <p:sldId id="258" r:id="rId4"/>
+    <p:sldId id="259" r:id="rId5"/>
+    <p:sldId id="260" r:id="rId6"/>
+    <p:sldId id="261" r:id="rId7"/>
+    <p:sldId id="262" r:id="rId8"/>
+    <p:sldId id="263" r:id="rId9"/>
   </p:sldIdLst>
-  <p:sldSz cy="5143500" cx="9144000"/>
+  <p:sldSz cx="9144000" cy="5143500" type="screen16x9"/>
   <p:notesSz cx="6858000" cy="9144000"/>
   <p:defaultTextStyle>
-    <a:defPPr lvl="0" marR="0" rtl="0" algn="l">
+    <a:defPPr marR="0" lvl="0" algn="l" rtl="0">
       <a:lnSpc>
         <a:spcPct val="100000"/>
       </a:lnSpc>
@@ -28,7 +31,7 @@
         <a:spcPts val="0"/>
       </a:spcAft>
     </a:defPPr>
-    <a:lvl1pPr lvl="0" marR="0" rtl="0" algn="l">
+    <a:lvl1pPr marR="0" lvl="0" algn="l" rtl="0">
       <a:lnSpc>
         <a:spcPct val="100000"/>
       </a:lnSpc>
@@ -42,7 +45,7 @@
         <a:srgbClr val="000000"/>
       </a:buClr>
       <a:buFont typeface="Arial"/>
-      <a:defRPr b="0" i="0" sz="1400" u="none" cap="none" strike="noStrike">
+      <a:defRPr sz="1400" b="0" i="0" u="none" strike="noStrike" cap="none">
         <a:solidFill>
           <a:srgbClr val="000000"/>
         </a:solidFill>
@@ -52,7 +55,7 @@
         <a:sym typeface="Arial"/>
       </a:defRPr>
     </a:lvl1pPr>
-    <a:lvl2pPr lvl="1" marR="0" rtl="0" algn="l">
+    <a:lvl2pPr marR="0" lvl="1" algn="l" rtl="0">
       <a:lnSpc>
         <a:spcPct val="100000"/>
       </a:lnSpc>
@@ -66,7 +69,7 @@
         <a:srgbClr val="000000"/>
       </a:buClr>
       <a:buFont typeface="Arial"/>
-      <a:defRPr b="0" i="0" sz="1400" u="none" cap="none" strike="noStrike">
+      <a:defRPr sz="1400" b="0" i="0" u="none" strike="noStrike" cap="none">
         <a:solidFill>
           <a:srgbClr val="000000"/>
         </a:solidFill>
@@ -76,7 +79,7 @@
         <a:sym typeface="Arial"/>
       </a:defRPr>
     </a:lvl2pPr>
-    <a:lvl3pPr lvl="2" marR="0" rtl="0" algn="l">
+    <a:lvl3pPr marR="0" lvl="2" algn="l" rtl="0">
       <a:lnSpc>
         <a:spcPct val="100000"/>
       </a:lnSpc>
@@ -90,7 +93,7 @@
         <a:srgbClr val="000000"/>
       </a:buClr>
       <a:buFont typeface="Arial"/>
-      <a:defRPr b="0" i="0" sz="1400" u="none" cap="none" strike="noStrike">
+      <a:defRPr sz="1400" b="0" i="0" u="none" strike="noStrike" cap="none">
         <a:solidFill>
           <a:srgbClr val="000000"/>
         </a:solidFill>
@@ -100,7 +103,7 @@
         <a:sym typeface="Arial"/>
       </a:defRPr>
     </a:lvl3pPr>
-    <a:lvl4pPr lvl="3" marR="0" rtl="0" algn="l">
+    <a:lvl4pPr marR="0" lvl="3" algn="l" rtl="0">
       <a:lnSpc>
         <a:spcPct val="100000"/>
       </a:lnSpc>
@@ -114,7 +117,7 @@
         <a:srgbClr val="000000"/>
       </a:buClr>
       <a:buFont typeface="Arial"/>
-      <a:defRPr b="0" i="0" sz="1400" u="none" cap="none" strike="noStrike">
+      <a:defRPr sz="1400" b="0" i="0" u="none" strike="noStrike" cap="none">
         <a:solidFill>
           <a:srgbClr val="000000"/>
         </a:solidFill>
@@ -124,7 +127,7 @@
         <a:sym typeface="Arial"/>
       </a:defRPr>
     </a:lvl4pPr>
-    <a:lvl5pPr lvl="4" marR="0" rtl="0" algn="l">
+    <a:lvl5pPr marR="0" lvl="4" algn="l" rtl="0">
       <a:lnSpc>
         <a:spcPct val="100000"/>
       </a:lnSpc>
@@ -138,7 +141,7 @@
         <a:srgbClr val="000000"/>
       </a:buClr>
       <a:buFont typeface="Arial"/>
-      <a:defRPr b="0" i="0" sz="1400" u="none" cap="none" strike="noStrike">
+      <a:defRPr sz="1400" b="0" i="0" u="none" strike="noStrike" cap="none">
         <a:solidFill>
           <a:srgbClr val="000000"/>
         </a:solidFill>
@@ -148,7 +151,7 @@
         <a:sym typeface="Arial"/>
       </a:defRPr>
     </a:lvl5pPr>
-    <a:lvl6pPr lvl="5" marR="0" rtl="0" algn="l">
+    <a:lvl6pPr marR="0" lvl="5" algn="l" rtl="0">
       <a:lnSpc>
         <a:spcPct val="100000"/>
       </a:lnSpc>
@@ -162,7 +165,7 @@
         <a:srgbClr val="000000"/>
       </a:buClr>
       <a:buFont typeface="Arial"/>
-      <a:defRPr b="0" i="0" sz="1400" u="none" cap="none" strike="noStrike">
+      <a:defRPr sz="1400" b="0" i="0" u="none" strike="noStrike" cap="none">
         <a:solidFill>
           <a:srgbClr val="000000"/>
         </a:solidFill>
@@ -172,7 +175,7 @@
         <a:sym typeface="Arial"/>
       </a:defRPr>
     </a:lvl6pPr>
-    <a:lvl7pPr lvl="6" marR="0" rtl="0" algn="l">
+    <a:lvl7pPr marR="0" lvl="6" algn="l" rtl="0">
       <a:lnSpc>
         <a:spcPct val="100000"/>
       </a:lnSpc>
@@ -186,7 +189,7 @@
         <a:srgbClr val="000000"/>
       </a:buClr>
       <a:buFont typeface="Arial"/>
-      <a:defRPr b="0" i="0" sz="1400" u="none" cap="none" strike="noStrike">
+      <a:defRPr sz="1400" b="0" i="0" u="none" strike="noStrike" cap="none">
         <a:solidFill>
           <a:srgbClr val="000000"/>
         </a:solidFill>
@@ -196,7 +199,7 @@
         <a:sym typeface="Arial"/>
       </a:defRPr>
     </a:lvl7pPr>
-    <a:lvl8pPr lvl="7" marR="0" rtl="0" algn="l">
+    <a:lvl8pPr marR="0" lvl="7" algn="l" rtl="0">
       <a:lnSpc>
         <a:spcPct val="100000"/>
       </a:lnSpc>
@@ -210,7 +213,7 @@
         <a:srgbClr val="000000"/>
       </a:buClr>
       <a:buFont typeface="Arial"/>
-      <a:defRPr b="0" i="0" sz="1400" u="none" cap="none" strike="noStrike">
+      <a:defRPr sz="1400" b="0" i="0" u="none" strike="noStrike" cap="none">
         <a:solidFill>
           <a:srgbClr val="000000"/>
         </a:solidFill>
@@ -220,7 +223,7 @@
         <a:sym typeface="Arial"/>
       </a:defRPr>
     </a:lvl8pPr>
-    <a:lvl9pPr lvl="8" marR="0" rtl="0" algn="l">
+    <a:lvl9pPr marR="0" lvl="8" algn="l" rtl="0">
       <a:lnSpc>
         <a:spcPct val="100000"/>
       </a:lnSpc>
@@ -234,7 +237,7 @@
         <a:srgbClr val="000000"/>
       </a:buClr>
       <a:buFont typeface="Arial"/>
-      <a:defRPr b="0" i="0" sz="1400" u="none" cap="none" strike="noStrike">
+      <a:defRPr sz="1400" b="0" i="0" u="none" strike="noStrike" cap="none">
         <a:solidFill>
           <a:srgbClr val="000000"/>
         </a:solidFill>
@@ -247,7 +250,7 @@
   </p:defaultTextStyle>
   <p:extLst>
     <p:ext uri="{EFAFB233-063F-42B5-8137-9DF3F51BA10A}">
-      <p15:sldGuideLst>
+      <p15:sldGuideLst xmlns:p15="http://schemas.microsoft.com/office/powerpoint/2012/main">
         <p15:guide id="1" orient="horz" pos="1620">
           <p15:clr>
             <a:srgbClr val="A4A3A4"/>
@@ -265,11 +268,16 @@
 </file>
 
 <file path=ppt/notesMasters/notesMaster1.xml><?xml version="1.0" encoding="utf-8"?>
-<p:notesMaster xmlns:a="http://schemas.openxmlformats.org/drawingml/2006/main" xmlns:r="http://schemas.openxmlformats.org/officeDocument/2006/relationships" xmlns:mc="http://schemas.openxmlformats.org/markup-compatibility/2006" xmlns:mv="urn:schemas-microsoft-com:mac:vml" xmlns:p="http://schemas.openxmlformats.org/presentationml/2006/main" xmlns:c="http://schemas.openxmlformats.org/drawingml/2006/chart" xmlns:dgm="http://schemas.openxmlformats.org/drawingml/2006/diagram" xmlns:o="urn:schemas-microsoft-com:office:office" xmlns:v="urn:schemas-microsoft-com:vml" xmlns:pvml="urn:schemas-microsoft-com:office:powerpoint" xmlns:com="http://schemas.openxmlformats.org/drawingml/2006/compatibility" xmlns:p14="http://schemas.microsoft.com/office/powerpoint/2010/main" xmlns:p15="http://schemas.microsoft.com/office/powerpoint/2012/main">
+<p:notesMaster xmlns:a="http://schemas.openxmlformats.org/drawingml/2006/main" xmlns:r="http://schemas.openxmlformats.org/officeDocument/2006/relationships" xmlns:p="http://schemas.openxmlformats.org/presentationml/2006/main">
   <p:cSld>
+    <p:bg>
+      <p:bgRef idx="1001">
+        <a:schemeClr val="bg1"/>
+      </p:bgRef>
+    </p:bg>
     <p:spTree>
       <p:nvGrpSpPr>
-        <p:cNvPr id="2" name="Shape 2"/>
+        <p:cNvPr id="1" name="Shape 2"/>
         <p:cNvGrpSpPr/>
         <p:nvPr/>
       </p:nvGrpSpPr>
@@ -284,9 +292,11 @@
       <p:sp>
         <p:nvSpPr>
           <p:cNvPr id="3" name="Google Shape;3;n"/>
-          <p:cNvSpPr/>
+          <p:cNvSpPr>
+            <a:spLocks noGrp="1" noRot="1" noChangeAspect="1"/>
+          </p:cNvSpPr>
           <p:nvPr>
-            <p:ph idx="2" type="sldImg"/>
+            <p:ph type="sldImg" idx="2"/>
           </p:nvPr>
         </p:nvSpPr>
         <p:spPr>
@@ -295,9 +305,13 @@
             <a:ext cx="6096075" cy="3429000"/>
           </a:xfrm>
           <a:custGeom>
-            <a:rect b="b" l="l" r="r" t="t"/>
+            <a:avLst/>
+            <a:gdLst/>
+            <a:ahLst/>
+            <a:cxnLst/>
+            <a:rect l="l" t="t" r="r" b="b"/>
             <a:pathLst>
-              <a:path extrusionOk="0" h="120000" w="120000">
+              <a:path w="120000" h="120000" extrusionOk="0">
                 <a:moveTo>
                   <a:pt x="0" y="0"/>
                 </a:moveTo>
@@ -315,23 +329,25 @@
             </a:pathLst>
           </a:custGeom>
           <a:noFill/>
-          <a:ln cap="flat" cmpd="sng" w="9525">
+          <a:ln w="9525" cap="flat" cmpd="sng">
             <a:solidFill>
               <a:srgbClr val="000000"/>
             </a:solidFill>
             <a:prstDash val="solid"/>
             <a:round/>
-            <a:headEnd len="sm" w="sm" type="none"/>
-            <a:tailEnd len="sm" w="sm" type="none"/>
+            <a:headEnd type="none" w="sm" len="sm"/>
+            <a:tailEnd type="none" w="sm" len="sm"/>
           </a:ln>
         </p:spPr>
       </p:sp>
       <p:sp>
         <p:nvSpPr>
           <p:cNvPr id="4" name="Google Shape;4;n"/>
-          <p:cNvSpPr txBox="1"/>
+          <p:cNvSpPr txBox="1">
+            <a:spLocks noGrp="1"/>
+          </p:cNvSpPr>
           <p:nvPr>
-            <p:ph idx="1" type="body"/>
+            <p:ph type="body" idx="1"/>
           </p:nvPr>
         </p:nvSpPr>
         <p:spPr>
@@ -348,11 +364,11 @@
           </a:ln>
         </p:spPr>
         <p:txBody>
-          <a:bodyPr anchorCtr="0" anchor="t" bIns="91425" lIns="91425" spcFirstLastPara="1" rIns="91425" wrap="square" tIns="91425">
+          <a:bodyPr spcFirstLastPara="1" wrap="square" lIns="91425" tIns="91425" rIns="91425" bIns="91425" anchor="t" anchorCtr="0">
             <a:noAutofit/>
           </a:bodyPr>
           <a:lstStyle>
-            <a:lvl1pPr indent="-298450" lvl="0" marL="457200">
+            <a:lvl1pPr marL="457200" lvl="0" indent="-298450">
               <a:spcBef>
                 <a:spcPts val="0"/>
               </a:spcBef>
@@ -363,7 +379,7 @@
               <a:buChar char="●"/>
               <a:defRPr sz="1100"/>
             </a:lvl1pPr>
-            <a:lvl2pPr indent="-298450" lvl="1" marL="914400">
+            <a:lvl2pPr marL="914400" lvl="1" indent="-298450">
               <a:spcBef>
                 <a:spcPts val="0"/>
               </a:spcBef>
@@ -374,7 +390,7 @@
               <a:buChar char="○"/>
               <a:defRPr sz="1100"/>
             </a:lvl2pPr>
-            <a:lvl3pPr indent="-298450" lvl="2" marL="1371600">
+            <a:lvl3pPr marL="1371600" lvl="2" indent="-298450">
               <a:spcBef>
                 <a:spcPts val="0"/>
               </a:spcBef>
@@ -385,7 +401,7 @@
               <a:buChar char="■"/>
               <a:defRPr sz="1100"/>
             </a:lvl3pPr>
-            <a:lvl4pPr indent="-298450" lvl="3" marL="1828800">
+            <a:lvl4pPr marL="1828800" lvl="3" indent="-298450">
               <a:spcBef>
                 <a:spcPts val="0"/>
               </a:spcBef>
@@ -396,7 +412,7 @@
               <a:buChar char="●"/>
               <a:defRPr sz="1100"/>
             </a:lvl4pPr>
-            <a:lvl5pPr indent="-298450" lvl="4" marL="2286000">
+            <a:lvl5pPr marL="2286000" lvl="4" indent="-298450">
               <a:spcBef>
                 <a:spcPts val="0"/>
               </a:spcBef>
@@ -407,7 +423,7 @@
               <a:buChar char="○"/>
               <a:defRPr sz="1100"/>
             </a:lvl5pPr>
-            <a:lvl6pPr indent="-298450" lvl="5" marL="2743200">
+            <a:lvl6pPr marL="2743200" lvl="5" indent="-298450">
               <a:spcBef>
                 <a:spcPts val="0"/>
               </a:spcBef>
@@ -418,7 +434,7 @@
               <a:buChar char="■"/>
               <a:defRPr sz="1100"/>
             </a:lvl6pPr>
-            <a:lvl7pPr indent="-298450" lvl="6" marL="3200400">
+            <a:lvl7pPr marL="3200400" lvl="6" indent="-298450">
               <a:spcBef>
                 <a:spcPts val="0"/>
               </a:spcBef>
@@ -429,7 +445,7 @@
               <a:buChar char="●"/>
               <a:defRPr sz="1100"/>
             </a:lvl7pPr>
-            <a:lvl8pPr indent="-298450" lvl="7" marL="3657600">
+            <a:lvl8pPr marL="3657600" lvl="7" indent="-298450">
               <a:spcBef>
                 <a:spcPts val="0"/>
               </a:spcBef>
@@ -440,7 +456,7 @@
               <a:buChar char="○"/>
               <a:defRPr sz="1100"/>
             </a:lvl8pPr>
-            <a:lvl9pPr indent="-298450" lvl="8" marL="4114800">
+            <a:lvl9pPr marL="4114800" lvl="8" indent="-298450">
               <a:spcBef>
                 <a:spcPts val="0"/>
               </a:spcBef>
@@ -452,14 +468,16 @@
               <a:defRPr sz="1100"/>
             </a:lvl9pPr>
           </a:lstStyle>
-          <a:p/>
+          <a:p>
+            <a:endParaRPr/>
+          </a:p>
         </p:txBody>
       </p:sp>
     </p:spTree>
   </p:cSld>
-  <p:clrMap accent1="accent1" accent2="accent2" accent3="accent3" accent4="accent4" accent5="accent5" accent6="accent6" bg1="lt1" bg2="dk2" tx1="dk1" tx2="lt2" folHlink="folHlink" hlink="hlink"/>
+  <p:clrMap bg1="lt1" tx1="dk1" bg2="dk2" tx2="lt2" accent1="accent1" accent2="accent2" accent3="accent3" accent4="accent4" accent5="accent5" accent6="accent6" hlink="hlink" folHlink="folHlink"/>
   <p:notesStyle>
-    <a:defPPr lvl="0" marR="0" rtl="0" algn="l">
+    <a:defPPr marR="0" lvl="0" algn="l" rtl="0">
       <a:lnSpc>
         <a:spcPct val="100000"/>
       </a:lnSpc>
@@ -470,7 +488,7 @@
         <a:spcPts val="0"/>
       </a:spcAft>
     </a:defPPr>
-    <a:lvl1pPr lvl="0" marR="0" rtl="0" algn="l">
+    <a:lvl1pPr marR="0" lvl="0" algn="l" rtl="0">
       <a:lnSpc>
         <a:spcPct val="100000"/>
       </a:lnSpc>
@@ -484,7 +502,7 @@
         <a:srgbClr val="000000"/>
       </a:buClr>
       <a:buFont typeface="Arial"/>
-      <a:defRPr b="0" i="0" sz="1400" u="none" cap="none" strike="noStrike">
+      <a:defRPr sz="1400" b="0" i="0" u="none" strike="noStrike" cap="none">
         <a:solidFill>
           <a:srgbClr val="000000"/>
         </a:solidFill>
@@ -494,7 +512,7 @@
         <a:sym typeface="Arial"/>
       </a:defRPr>
     </a:lvl1pPr>
-    <a:lvl2pPr lvl="1" marR="0" rtl="0" algn="l">
+    <a:lvl2pPr marR="0" lvl="1" algn="l" rtl="0">
       <a:lnSpc>
         <a:spcPct val="100000"/>
       </a:lnSpc>
@@ -508,7 +526,7 @@
         <a:srgbClr val="000000"/>
       </a:buClr>
       <a:buFont typeface="Arial"/>
-      <a:defRPr b="0" i="0" sz="1400" u="none" cap="none" strike="noStrike">
+      <a:defRPr sz="1400" b="0" i="0" u="none" strike="noStrike" cap="none">
         <a:solidFill>
           <a:srgbClr val="000000"/>
         </a:solidFill>
@@ -518,7 +536,7 @@
         <a:sym typeface="Arial"/>
       </a:defRPr>
     </a:lvl2pPr>
-    <a:lvl3pPr lvl="2" marR="0" rtl="0" algn="l">
+    <a:lvl3pPr marR="0" lvl="2" algn="l" rtl="0">
       <a:lnSpc>
         <a:spcPct val="100000"/>
       </a:lnSpc>
@@ -532,7 +550,7 @@
         <a:srgbClr val="000000"/>
       </a:buClr>
       <a:buFont typeface="Arial"/>
-      <a:defRPr b="0" i="0" sz="1400" u="none" cap="none" strike="noStrike">
+      <a:defRPr sz="1400" b="0" i="0" u="none" strike="noStrike" cap="none">
         <a:solidFill>
           <a:srgbClr val="000000"/>
         </a:solidFill>
@@ -542,7 +560,7 @@
         <a:sym typeface="Arial"/>
       </a:defRPr>
     </a:lvl3pPr>
-    <a:lvl4pPr lvl="3" marR="0" rtl="0" algn="l">
+    <a:lvl4pPr marR="0" lvl="3" algn="l" rtl="0">
       <a:lnSpc>
         <a:spcPct val="100000"/>
       </a:lnSpc>
@@ -556,7 +574,7 @@
         <a:srgbClr val="000000"/>
       </a:buClr>
       <a:buFont typeface="Arial"/>
-      <a:defRPr b="0" i="0" sz="1400" u="none" cap="none" strike="noStrike">
+      <a:defRPr sz="1400" b="0" i="0" u="none" strike="noStrike" cap="none">
         <a:solidFill>
           <a:srgbClr val="000000"/>
         </a:solidFill>
@@ -566,7 +584,7 @@
         <a:sym typeface="Arial"/>
       </a:defRPr>
     </a:lvl4pPr>
-    <a:lvl5pPr lvl="4" marR="0" rtl="0" algn="l">
+    <a:lvl5pPr marR="0" lvl="4" algn="l" rtl="0">
       <a:lnSpc>
         <a:spcPct val="100000"/>
       </a:lnSpc>
@@ -580,7 +598,7 @@
         <a:srgbClr val="000000"/>
       </a:buClr>
       <a:buFont typeface="Arial"/>
-      <a:defRPr b="0" i="0" sz="1400" u="none" cap="none" strike="noStrike">
+      <a:defRPr sz="1400" b="0" i="0" u="none" strike="noStrike" cap="none">
         <a:solidFill>
           <a:srgbClr val="000000"/>
         </a:solidFill>
@@ -590,7 +608,7 @@
         <a:sym typeface="Arial"/>
       </a:defRPr>
     </a:lvl5pPr>
-    <a:lvl6pPr lvl="5" marR="0" rtl="0" algn="l">
+    <a:lvl6pPr marR="0" lvl="5" algn="l" rtl="0">
       <a:lnSpc>
         <a:spcPct val="100000"/>
       </a:lnSpc>
@@ -604,7 +622,7 @@
         <a:srgbClr val="000000"/>
       </a:buClr>
       <a:buFont typeface="Arial"/>
-      <a:defRPr b="0" i="0" sz="1400" u="none" cap="none" strike="noStrike">
+      <a:defRPr sz="1400" b="0" i="0" u="none" strike="noStrike" cap="none">
         <a:solidFill>
           <a:srgbClr val="000000"/>
         </a:solidFill>
@@ -614,7 +632,7 @@
         <a:sym typeface="Arial"/>
       </a:defRPr>
     </a:lvl6pPr>
-    <a:lvl7pPr lvl="6" marR="0" rtl="0" algn="l">
+    <a:lvl7pPr marR="0" lvl="6" algn="l" rtl="0">
       <a:lnSpc>
         <a:spcPct val="100000"/>
       </a:lnSpc>
@@ -628,7 +646,7 @@
         <a:srgbClr val="000000"/>
       </a:buClr>
       <a:buFont typeface="Arial"/>
-      <a:defRPr b="0" i="0" sz="1400" u="none" cap="none" strike="noStrike">
+      <a:defRPr sz="1400" b="0" i="0" u="none" strike="noStrike" cap="none">
         <a:solidFill>
           <a:srgbClr val="000000"/>
         </a:solidFill>
@@ -638,7 +656,7 @@
         <a:sym typeface="Arial"/>
       </a:defRPr>
     </a:lvl7pPr>
-    <a:lvl8pPr lvl="7" marR="0" rtl="0" algn="l">
+    <a:lvl8pPr marR="0" lvl="7" algn="l" rtl="0">
       <a:lnSpc>
         <a:spcPct val="100000"/>
       </a:lnSpc>
@@ -652,7 +670,7 @@
         <a:srgbClr val="000000"/>
       </a:buClr>
       <a:buFont typeface="Arial"/>
-      <a:defRPr b="0" i="0" sz="1400" u="none" cap="none" strike="noStrike">
+      <a:defRPr sz="1400" b="0" i="0" u="none" strike="noStrike" cap="none">
         <a:solidFill>
           <a:srgbClr val="000000"/>
         </a:solidFill>
@@ -662,7 +680,7 @@
         <a:sym typeface="Arial"/>
       </a:defRPr>
     </a:lvl8pPr>
-    <a:lvl9pPr lvl="8" marR="0" rtl="0" algn="l">
+    <a:lvl9pPr marR="0" lvl="8" algn="l" rtl="0">
       <a:lnSpc>
         <a:spcPct val="100000"/>
       </a:lnSpc>
@@ -676,7 +694,7 @@
         <a:srgbClr val="000000"/>
       </a:buClr>
       <a:buFont typeface="Arial"/>
-      <a:defRPr b="0" i="0" sz="1400" u="none" cap="none" strike="noStrike">
+      <a:defRPr sz="1400" b="0" i="0" u="none" strike="noStrike" cap="none">
         <a:solidFill>
           <a:srgbClr val="000000"/>
         </a:solidFill>
@@ -691,11 +709,11 @@
 </file>
 
 <file path=ppt/notesSlides/notesSlide1.xml><?xml version="1.0" encoding="utf-8"?>
-<p:notes xmlns:a="http://schemas.openxmlformats.org/drawingml/2006/main" xmlns:r="http://schemas.openxmlformats.org/officeDocument/2006/relationships" xmlns:mc="http://schemas.openxmlformats.org/markup-compatibility/2006" xmlns:mv="urn:schemas-microsoft-com:mac:vml" xmlns:p="http://schemas.openxmlformats.org/presentationml/2006/main" xmlns:c="http://schemas.openxmlformats.org/drawingml/2006/chart" xmlns:dgm="http://schemas.openxmlformats.org/drawingml/2006/diagram" xmlns:o="urn:schemas-microsoft-com:office:office" xmlns:v="urn:schemas-microsoft-com:vml" xmlns:pvml="urn:schemas-microsoft-com:office:powerpoint" xmlns:com="http://schemas.openxmlformats.org/drawingml/2006/compatibility" xmlns:p14="http://schemas.microsoft.com/office/powerpoint/2010/main" xmlns:p15="http://schemas.microsoft.com/office/powerpoint/2012/main" showMasterPhAnim="0" showMasterSp="0">
+<p:notes xmlns:a="http://schemas.openxmlformats.org/drawingml/2006/main" xmlns:r="http://schemas.openxmlformats.org/officeDocument/2006/relationships" xmlns:p="http://schemas.openxmlformats.org/presentationml/2006/main" showMasterSp="0" showMasterPhAnim="0">
   <p:cSld>
     <p:spTree>
       <p:nvGrpSpPr>
-        <p:cNvPr id="50" name="Shape 50"/>
+        <p:cNvPr id="1" name="Shape 50"/>
         <p:cNvGrpSpPr/>
         <p:nvPr/>
       </p:nvGrpSpPr>
@@ -710,9 +728,11 @@
       <p:sp>
         <p:nvSpPr>
           <p:cNvPr id="51" name="Google Shape;51;p:notes"/>
-          <p:cNvSpPr/>
+          <p:cNvSpPr>
+            <a:spLocks noGrp="1" noRot="1" noChangeAspect="1"/>
+          </p:cNvSpPr>
           <p:nvPr>
-            <p:ph idx="2" type="sldImg"/>
+            <p:ph type="sldImg" idx="2"/>
           </p:nvPr>
         </p:nvSpPr>
         <p:spPr>
@@ -721,9 +741,13 @@
             <a:ext cx="6096075" cy="3429000"/>
           </a:xfrm>
           <a:custGeom>
-            <a:rect b="b" l="l" r="r" t="t"/>
+            <a:avLst/>
+            <a:gdLst/>
+            <a:ahLst/>
+            <a:cxnLst/>
+            <a:rect l="l" t="t" r="r" b="b"/>
             <a:pathLst>
-              <a:path extrusionOk="0" h="120000" w="120000">
+              <a:path w="120000" h="120000" extrusionOk="0">
                 <a:moveTo>
                   <a:pt x="0" y="0"/>
                 </a:moveTo>
@@ -745,9 +769,11 @@
       <p:sp>
         <p:nvSpPr>
           <p:cNvPr id="52" name="Google Shape;52;p:notes"/>
-          <p:cNvSpPr txBox="1"/>
+          <p:cNvSpPr txBox="1">
+            <a:spLocks noGrp="1"/>
+          </p:cNvSpPr>
           <p:nvPr>
-            <p:ph idx="1" type="body"/>
+            <p:ph type="body" idx="1"/>
           </p:nvPr>
         </p:nvSpPr>
         <p:spPr>
@@ -760,12 +786,12 @@
           </a:prstGeom>
         </p:spPr>
         <p:txBody>
-          <a:bodyPr anchorCtr="0" anchor="t" bIns="91425" lIns="91425" spcFirstLastPara="1" rIns="91425" wrap="square" tIns="91425">
+          <a:bodyPr spcFirstLastPara="1" wrap="square" lIns="91425" tIns="91425" rIns="91425" bIns="91425" anchor="t" anchorCtr="0">
             <a:noAutofit/>
           </a:bodyPr>
           <a:lstStyle/>
           <a:p>
-            <a:pPr indent="0" lvl="0" marL="0" rtl="0" algn="l">
+            <a:pPr marL="0" lvl="0" indent="0" algn="l" rtl="0">
               <a:spcBef>
                 <a:spcPts val="0"/>
               </a:spcBef>
@@ -774,9 +800,6 @@
               </a:spcAft>
               <a:buNone/>
             </a:pPr>
-            <a:r>
-              <a:t/>
-            </a:r>
             <a:endParaRPr/>
           </a:p>
         </p:txBody>
@@ -790,11 +813,11 @@
 </file>
 
 <file path=ppt/notesSlides/notesSlide2.xml><?xml version="1.0" encoding="utf-8"?>
-<p:notes xmlns:a="http://schemas.openxmlformats.org/drawingml/2006/main" xmlns:r="http://schemas.openxmlformats.org/officeDocument/2006/relationships" xmlns:mc="http://schemas.openxmlformats.org/markup-compatibility/2006" xmlns:mv="urn:schemas-microsoft-com:mac:vml" xmlns:p="http://schemas.openxmlformats.org/presentationml/2006/main" xmlns:c="http://schemas.openxmlformats.org/drawingml/2006/chart" xmlns:dgm="http://schemas.openxmlformats.org/drawingml/2006/diagram" xmlns:o="urn:schemas-microsoft-com:office:office" xmlns:v="urn:schemas-microsoft-com:vml" xmlns:pvml="urn:schemas-microsoft-com:office:powerpoint" xmlns:com="http://schemas.openxmlformats.org/drawingml/2006/compatibility" xmlns:p14="http://schemas.microsoft.com/office/powerpoint/2010/main" xmlns:p15="http://schemas.microsoft.com/office/powerpoint/2012/main" showMasterPhAnim="0" showMasterSp="0">
+<p:notes xmlns:a="http://schemas.openxmlformats.org/drawingml/2006/main" xmlns:r="http://schemas.openxmlformats.org/officeDocument/2006/relationships" xmlns:p="http://schemas.openxmlformats.org/presentationml/2006/main" showMasterSp="0" showMasterPhAnim="0">
   <p:cSld>
     <p:spTree>
       <p:nvGrpSpPr>
-        <p:cNvPr id="56" name="Shape 56"/>
+        <p:cNvPr id="1" name="Shape 56"/>
         <p:cNvGrpSpPr/>
         <p:nvPr/>
       </p:nvGrpSpPr>
@@ -809,20 +832,26 @@
       <p:sp>
         <p:nvSpPr>
           <p:cNvPr id="57" name="Google Shape;57;g78d170854d_0_0:notes"/>
-          <p:cNvSpPr/>
+          <p:cNvSpPr>
+            <a:spLocks noGrp="1" noRot="1" noChangeAspect="1"/>
+          </p:cNvSpPr>
           <p:nvPr>
-            <p:ph idx="2" type="sldImg"/>
+            <p:ph type="sldImg" idx="2"/>
           </p:nvPr>
         </p:nvSpPr>
         <p:spPr>
           <a:xfrm>
-            <a:off x="381300" y="685800"/>
+            <a:off x="381000" y="685800"/>
             <a:ext cx="6096000" cy="3429000"/>
           </a:xfrm>
           <a:custGeom>
-            <a:rect b="b" l="l" r="r" t="t"/>
+            <a:avLst/>
+            <a:gdLst/>
+            <a:ahLst/>
+            <a:cxnLst/>
+            <a:rect l="l" t="t" r="r" b="b"/>
             <a:pathLst>
-              <a:path extrusionOk="0" h="120000" w="120000">
+              <a:path w="120000" h="120000" extrusionOk="0">
                 <a:moveTo>
                   <a:pt x="0" y="0"/>
                 </a:moveTo>
@@ -844,9 +873,11 @@
       <p:sp>
         <p:nvSpPr>
           <p:cNvPr id="58" name="Google Shape;58;g78d170854d_0_0:notes"/>
-          <p:cNvSpPr txBox="1"/>
+          <p:cNvSpPr txBox="1">
+            <a:spLocks noGrp="1"/>
+          </p:cNvSpPr>
           <p:nvPr>
-            <p:ph idx="1" type="body"/>
+            <p:ph type="body" idx="1"/>
           </p:nvPr>
         </p:nvSpPr>
         <p:spPr>
@@ -859,12 +890,12 @@
           </a:prstGeom>
         </p:spPr>
         <p:txBody>
-          <a:bodyPr anchorCtr="0" anchor="t" bIns="91425" lIns="91425" spcFirstLastPara="1" rIns="91425" wrap="square" tIns="91425">
+          <a:bodyPr spcFirstLastPara="1" wrap="square" lIns="91425" tIns="91425" rIns="91425" bIns="91425" anchor="t" anchorCtr="0">
             <a:noAutofit/>
           </a:bodyPr>
           <a:lstStyle/>
           <a:p>
-            <a:pPr indent="0" lvl="0" marL="0" rtl="0" algn="l">
+            <a:pPr marL="0" lvl="0" indent="0" algn="l" rtl="0">
               <a:spcBef>
                 <a:spcPts val="0"/>
               </a:spcBef>
@@ -873,9 +904,6 @@
               </a:spcAft>
               <a:buNone/>
             </a:pPr>
-            <a:r>
-              <a:t/>
-            </a:r>
             <a:endParaRPr/>
           </a:p>
         </p:txBody>
@@ -889,11 +917,11 @@
 </file>
 
 <file path=ppt/notesSlides/notesSlide3.xml><?xml version="1.0" encoding="utf-8"?>
-<p:notes xmlns:a="http://schemas.openxmlformats.org/drawingml/2006/main" xmlns:r="http://schemas.openxmlformats.org/officeDocument/2006/relationships" xmlns:mc="http://schemas.openxmlformats.org/markup-compatibility/2006" xmlns:mv="urn:schemas-microsoft-com:mac:vml" xmlns:p="http://schemas.openxmlformats.org/presentationml/2006/main" xmlns:c="http://schemas.openxmlformats.org/drawingml/2006/chart" xmlns:dgm="http://schemas.openxmlformats.org/drawingml/2006/diagram" xmlns:o="urn:schemas-microsoft-com:office:office" xmlns:v="urn:schemas-microsoft-com:vml" xmlns:pvml="urn:schemas-microsoft-com:office:powerpoint" xmlns:com="http://schemas.openxmlformats.org/drawingml/2006/compatibility" xmlns:p14="http://schemas.microsoft.com/office/powerpoint/2010/main" xmlns:p15="http://schemas.microsoft.com/office/powerpoint/2012/main" showMasterPhAnim="0" showMasterSp="0">
+<p:notes xmlns:a="http://schemas.openxmlformats.org/drawingml/2006/main" xmlns:r="http://schemas.openxmlformats.org/officeDocument/2006/relationships" xmlns:p="http://schemas.openxmlformats.org/presentationml/2006/main" showMasterSp="0" showMasterPhAnim="0">
   <p:cSld>
     <p:spTree>
       <p:nvGrpSpPr>
-        <p:cNvPr id="62" name="Shape 62"/>
+        <p:cNvPr id="1" name="Shape 62"/>
         <p:cNvGrpSpPr/>
         <p:nvPr/>
       </p:nvGrpSpPr>
@@ -908,20 +936,26 @@
       <p:sp>
         <p:nvSpPr>
           <p:cNvPr id="63" name="Google Shape;63;g78d170854d_0_5:notes"/>
-          <p:cNvSpPr/>
+          <p:cNvSpPr>
+            <a:spLocks noGrp="1" noRot="1" noChangeAspect="1"/>
+          </p:cNvSpPr>
           <p:nvPr>
-            <p:ph idx="2" type="sldImg"/>
+            <p:ph type="sldImg" idx="2"/>
           </p:nvPr>
         </p:nvSpPr>
         <p:spPr>
           <a:xfrm>
-            <a:off x="381300" y="685800"/>
+            <a:off x="381000" y="685800"/>
             <a:ext cx="6096000" cy="3429000"/>
           </a:xfrm>
           <a:custGeom>
-            <a:rect b="b" l="l" r="r" t="t"/>
+            <a:avLst/>
+            <a:gdLst/>
+            <a:ahLst/>
+            <a:cxnLst/>
+            <a:rect l="l" t="t" r="r" b="b"/>
             <a:pathLst>
-              <a:path extrusionOk="0" h="120000" w="120000">
+              <a:path w="120000" h="120000" extrusionOk="0">
                 <a:moveTo>
                   <a:pt x="0" y="0"/>
                 </a:moveTo>
@@ -943,9 +977,11 @@
       <p:sp>
         <p:nvSpPr>
           <p:cNvPr id="64" name="Google Shape;64;g78d170854d_0_5:notes"/>
-          <p:cNvSpPr txBox="1"/>
+          <p:cNvSpPr txBox="1">
+            <a:spLocks noGrp="1"/>
+          </p:cNvSpPr>
           <p:nvPr>
-            <p:ph idx="1" type="body"/>
+            <p:ph type="body" idx="1"/>
           </p:nvPr>
         </p:nvSpPr>
         <p:spPr>
@@ -958,12 +994,12 @@
           </a:prstGeom>
         </p:spPr>
         <p:txBody>
-          <a:bodyPr anchorCtr="0" anchor="t" bIns="91425" lIns="91425" spcFirstLastPara="1" rIns="91425" wrap="square" tIns="91425">
+          <a:bodyPr spcFirstLastPara="1" wrap="square" lIns="91425" tIns="91425" rIns="91425" bIns="91425" anchor="t" anchorCtr="0">
             <a:noAutofit/>
           </a:bodyPr>
           <a:lstStyle/>
           <a:p>
-            <a:pPr indent="0" lvl="0" marL="0" rtl="0" algn="l">
+            <a:pPr marL="0" lvl="0" indent="0" algn="l" rtl="0">
               <a:spcBef>
                 <a:spcPts val="0"/>
               </a:spcBef>
@@ -972,9 +1008,6 @@
               </a:spcAft>
               <a:buNone/>
             </a:pPr>
-            <a:r>
-              <a:t/>
-            </a:r>
             <a:endParaRPr/>
           </a:p>
         </p:txBody>
@@ -988,11 +1021,11 @@
 </file>
 
 <file path=ppt/notesSlides/notesSlide4.xml><?xml version="1.0" encoding="utf-8"?>
-<p:notes xmlns:a="http://schemas.openxmlformats.org/drawingml/2006/main" xmlns:r="http://schemas.openxmlformats.org/officeDocument/2006/relationships" xmlns:mc="http://schemas.openxmlformats.org/markup-compatibility/2006" xmlns:mv="urn:schemas-microsoft-com:mac:vml" xmlns:p="http://schemas.openxmlformats.org/presentationml/2006/main" xmlns:c="http://schemas.openxmlformats.org/drawingml/2006/chart" xmlns:dgm="http://schemas.openxmlformats.org/drawingml/2006/diagram" xmlns:o="urn:schemas-microsoft-com:office:office" xmlns:v="urn:schemas-microsoft-com:vml" xmlns:pvml="urn:schemas-microsoft-com:office:powerpoint" xmlns:com="http://schemas.openxmlformats.org/drawingml/2006/compatibility" xmlns:p14="http://schemas.microsoft.com/office/powerpoint/2010/main" xmlns:p15="http://schemas.microsoft.com/office/powerpoint/2012/main" showMasterPhAnim="0" showMasterSp="0">
+<p:notes xmlns:a="http://schemas.openxmlformats.org/drawingml/2006/main" xmlns:r="http://schemas.openxmlformats.org/officeDocument/2006/relationships" xmlns:p="http://schemas.openxmlformats.org/presentationml/2006/main" showMasterSp="0" showMasterPhAnim="0">
   <p:cSld>
     <p:spTree>
       <p:nvGrpSpPr>
-        <p:cNvPr id="68" name="Shape 68"/>
+        <p:cNvPr id="1" name="Shape 68"/>
         <p:cNvGrpSpPr/>
         <p:nvPr/>
       </p:nvGrpSpPr>
@@ -1007,20 +1040,26 @@
       <p:sp>
         <p:nvSpPr>
           <p:cNvPr id="69" name="Google Shape;69;g78d170854d_0_10:notes"/>
-          <p:cNvSpPr/>
+          <p:cNvSpPr>
+            <a:spLocks noGrp="1" noRot="1" noChangeAspect="1"/>
+          </p:cNvSpPr>
           <p:nvPr>
-            <p:ph idx="2" type="sldImg"/>
+            <p:ph type="sldImg" idx="2"/>
           </p:nvPr>
         </p:nvSpPr>
         <p:spPr>
           <a:xfrm>
-            <a:off x="381300" y="685800"/>
+            <a:off x="381000" y="685800"/>
             <a:ext cx="6096000" cy="3429000"/>
           </a:xfrm>
           <a:custGeom>
-            <a:rect b="b" l="l" r="r" t="t"/>
+            <a:avLst/>
+            <a:gdLst/>
+            <a:ahLst/>
+            <a:cxnLst/>
+            <a:rect l="l" t="t" r="r" b="b"/>
             <a:pathLst>
-              <a:path extrusionOk="0" h="120000" w="120000">
+              <a:path w="120000" h="120000" extrusionOk="0">
                 <a:moveTo>
                   <a:pt x="0" y="0"/>
                 </a:moveTo>
@@ -1042,9 +1081,11 @@
       <p:sp>
         <p:nvSpPr>
           <p:cNvPr id="70" name="Google Shape;70;g78d170854d_0_10:notes"/>
-          <p:cNvSpPr txBox="1"/>
+          <p:cNvSpPr txBox="1">
+            <a:spLocks noGrp="1"/>
+          </p:cNvSpPr>
           <p:nvPr>
-            <p:ph idx="1" type="body"/>
+            <p:ph type="body" idx="1"/>
           </p:nvPr>
         </p:nvSpPr>
         <p:spPr>
@@ -1057,12 +1098,12 @@
           </a:prstGeom>
         </p:spPr>
         <p:txBody>
-          <a:bodyPr anchorCtr="0" anchor="t" bIns="91425" lIns="91425" spcFirstLastPara="1" rIns="91425" wrap="square" tIns="91425">
+          <a:bodyPr spcFirstLastPara="1" wrap="square" lIns="91425" tIns="91425" rIns="91425" bIns="91425" anchor="t" anchorCtr="0">
             <a:noAutofit/>
           </a:bodyPr>
           <a:lstStyle/>
           <a:p>
-            <a:pPr indent="0" lvl="0" marL="0" rtl="0" algn="l">
+            <a:pPr marL="0" lvl="0" indent="0" algn="l" rtl="0">
               <a:spcBef>
                 <a:spcPts val="0"/>
               </a:spcBef>
@@ -1071,9 +1112,6 @@
               </a:spcAft>
               <a:buNone/>
             </a:pPr>
-            <a:r>
-              <a:t/>
-            </a:r>
             <a:endParaRPr/>
           </a:p>
         </p:txBody>
@@ -1087,11 +1125,11 @@
 </file>
 
 <file path=ppt/notesSlides/notesSlide5.xml><?xml version="1.0" encoding="utf-8"?>
-<p:notes xmlns:a="http://schemas.openxmlformats.org/drawingml/2006/main" xmlns:r="http://schemas.openxmlformats.org/officeDocument/2006/relationships" xmlns:mc="http://schemas.openxmlformats.org/markup-compatibility/2006" xmlns:mv="urn:schemas-microsoft-com:mac:vml" xmlns:p="http://schemas.openxmlformats.org/presentationml/2006/main" xmlns:c="http://schemas.openxmlformats.org/drawingml/2006/chart" xmlns:dgm="http://schemas.openxmlformats.org/drawingml/2006/diagram" xmlns:o="urn:schemas-microsoft-com:office:office" xmlns:v="urn:schemas-microsoft-com:vml" xmlns:pvml="urn:schemas-microsoft-com:office:powerpoint" xmlns:com="http://schemas.openxmlformats.org/drawingml/2006/compatibility" xmlns:p14="http://schemas.microsoft.com/office/powerpoint/2010/main" xmlns:p15="http://schemas.microsoft.com/office/powerpoint/2012/main" showMasterPhAnim="0" showMasterSp="0">
+<p:notes xmlns:a="http://schemas.openxmlformats.org/drawingml/2006/main" xmlns:r="http://schemas.openxmlformats.org/officeDocument/2006/relationships" xmlns:p="http://schemas.openxmlformats.org/presentationml/2006/main" showMasterSp="0" showMasterPhAnim="0">
   <p:cSld>
     <p:spTree>
       <p:nvGrpSpPr>
-        <p:cNvPr id="74" name="Shape 74"/>
+        <p:cNvPr id="1" name="Shape 74"/>
         <p:cNvGrpSpPr/>
         <p:nvPr/>
       </p:nvGrpSpPr>
@@ -1106,20 +1144,26 @@
       <p:sp>
         <p:nvSpPr>
           <p:cNvPr id="75" name="Google Shape;75;g78d170854d_0_15:notes"/>
-          <p:cNvSpPr/>
+          <p:cNvSpPr>
+            <a:spLocks noGrp="1" noRot="1" noChangeAspect="1"/>
+          </p:cNvSpPr>
           <p:nvPr>
-            <p:ph idx="2" type="sldImg"/>
+            <p:ph type="sldImg" idx="2"/>
           </p:nvPr>
         </p:nvSpPr>
         <p:spPr>
           <a:xfrm>
-            <a:off x="381300" y="685800"/>
+            <a:off x="381000" y="685800"/>
             <a:ext cx="6096000" cy="3429000"/>
           </a:xfrm>
           <a:custGeom>
-            <a:rect b="b" l="l" r="r" t="t"/>
+            <a:avLst/>
+            <a:gdLst/>
+            <a:ahLst/>
+            <a:cxnLst/>
+            <a:rect l="l" t="t" r="r" b="b"/>
             <a:pathLst>
-              <a:path extrusionOk="0" h="120000" w="120000">
+              <a:path w="120000" h="120000" extrusionOk="0">
                 <a:moveTo>
                   <a:pt x="0" y="0"/>
                 </a:moveTo>
@@ -1141,9 +1185,11 @@
       <p:sp>
         <p:nvSpPr>
           <p:cNvPr id="76" name="Google Shape;76;g78d170854d_0_15:notes"/>
-          <p:cNvSpPr txBox="1"/>
+          <p:cNvSpPr txBox="1">
+            <a:spLocks noGrp="1"/>
+          </p:cNvSpPr>
           <p:nvPr>
-            <p:ph idx="1" type="body"/>
+            <p:ph type="body" idx="1"/>
           </p:nvPr>
         </p:nvSpPr>
         <p:spPr>
@@ -1156,12 +1202,12 @@
           </a:prstGeom>
         </p:spPr>
         <p:txBody>
-          <a:bodyPr anchorCtr="0" anchor="t" bIns="91425" lIns="91425" spcFirstLastPara="1" rIns="91425" wrap="square" tIns="91425">
+          <a:bodyPr spcFirstLastPara="1" wrap="square" lIns="91425" tIns="91425" rIns="91425" bIns="91425" anchor="t" anchorCtr="0">
             <a:noAutofit/>
           </a:bodyPr>
           <a:lstStyle/>
           <a:p>
-            <a:pPr indent="0" lvl="0" marL="0" rtl="0" algn="l">
+            <a:pPr marL="0" lvl="0" indent="0" algn="l" rtl="0">
               <a:spcBef>
                 <a:spcPts val="0"/>
               </a:spcBef>
@@ -1170,9 +1216,6 @@
               </a:spcAft>
               <a:buNone/>
             </a:pPr>
-            <a:r>
-              <a:t/>
-            </a:r>
             <a:endParaRPr/>
           </a:p>
         </p:txBody>
@@ -1186,11 +1229,11 @@
 </file>
 
 <file path=ppt/slideLayouts/slideLayout1.xml><?xml version="1.0" encoding="utf-8"?>
-<p:sldLayout xmlns:a="http://schemas.openxmlformats.org/drawingml/2006/main" xmlns:r="http://schemas.openxmlformats.org/officeDocument/2006/relationships" xmlns:mc="http://schemas.openxmlformats.org/markup-compatibility/2006" xmlns:mv="urn:schemas-microsoft-com:mac:vml" xmlns:p="http://schemas.openxmlformats.org/presentationml/2006/main" xmlns:c="http://schemas.openxmlformats.org/drawingml/2006/chart" xmlns:dgm="http://schemas.openxmlformats.org/drawingml/2006/diagram" xmlns:o="urn:schemas-microsoft-com:office:office" xmlns:v="urn:schemas-microsoft-com:vml" xmlns:pvml="urn:schemas-microsoft-com:office:powerpoint" xmlns:com="http://schemas.openxmlformats.org/drawingml/2006/compatibility" xmlns:p14="http://schemas.microsoft.com/office/powerpoint/2010/main" xmlns:p15="http://schemas.microsoft.com/office/powerpoint/2012/main" matchingName="Title slide" type="title">
+<p:sldLayout xmlns:a="http://schemas.openxmlformats.org/drawingml/2006/main" xmlns:r="http://schemas.openxmlformats.org/officeDocument/2006/relationships" xmlns:p="http://schemas.openxmlformats.org/presentationml/2006/main" matchingName="Title slide" type="title">
   <p:cSld name="TITLE">
     <p:spTree>
       <p:nvGrpSpPr>
-        <p:cNvPr id="9" name="Shape 9"/>
+        <p:cNvPr id="1" name="Shape 9"/>
         <p:cNvGrpSpPr/>
         <p:nvPr/>
       </p:nvGrpSpPr>
@@ -1205,7 +1248,9 @@
       <p:sp>
         <p:nvSpPr>
           <p:cNvPr id="10" name="Google Shape;10;p2"/>
-          <p:cNvSpPr txBox="1"/>
+          <p:cNvSpPr txBox="1">
+            <a:spLocks noGrp="1"/>
+          </p:cNvSpPr>
           <p:nvPr>
             <p:ph type="ctrTitle"/>
           </p:nvPr>
@@ -1220,7 +1265,7 @@
           </a:prstGeom>
         </p:spPr>
         <p:txBody>
-          <a:bodyPr anchorCtr="0" anchor="b" bIns="91425" lIns="91425" spcFirstLastPara="1" rIns="91425" wrap="square" tIns="91425">
+          <a:bodyPr spcFirstLastPara="1" wrap="square" lIns="91425" tIns="91425" rIns="91425" bIns="91425" anchor="b" anchorCtr="0">
             <a:noAutofit/>
           </a:bodyPr>
           <a:lstStyle>
@@ -1324,15 +1369,19 @@
               <a:defRPr sz="5200"/>
             </a:lvl9pPr>
           </a:lstStyle>
-          <a:p/>
+          <a:p>
+            <a:endParaRPr/>
+          </a:p>
         </p:txBody>
       </p:sp>
       <p:sp>
         <p:nvSpPr>
           <p:cNvPr id="11" name="Google Shape;11;p2"/>
-          <p:cNvSpPr txBox="1"/>
+          <p:cNvSpPr txBox="1">
+            <a:spLocks noGrp="1"/>
+          </p:cNvSpPr>
           <p:nvPr>
-            <p:ph idx="1" type="subTitle"/>
+            <p:ph type="subTitle" idx="1"/>
           </p:nvPr>
         </p:nvSpPr>
         <p:spPr>
@@ -1345,7 +1394,7 @@
           </a:prstGeom>
         </p:spPr>
         <p:txBody>
-          <a:bodyPr anchorCtr="0" anchor="t" bIns="91425" lIns="91425" spcFirstLastPara="1" rIns="91425" wrap="square" tIns="91425">
+          <a:bodyPr spcFirstLastPara="1" wrap="square" lIns="91425" tIns="91425" rIns="91425" bIns="91425" anchor="t" anchorCtr="0">
             <a:noAutofit/>
           </a:bodyPr>
           <a:lstStyle>
@@ -1476,15 +1525,19 @@
               <a:defRPr sz="2800"/>
             </a:lvl9pPr>
           </a:lstStyle>
-          <a:p/>
+          <a:p>
+            <a:endParaRPr/>
+          </a:p>
         </p:txBody>
       </p:sp>
       <p:sp>
         <p:nvSpPr>
           <p:cNvPr id="12" name="Google Shape;12;p2"/>
-          <p:cNvSpPr txBox="1"/>
+          <p:cNvSpPr txBox="1">
+            <a:spLocks noGrp="1"/>
+          </p:cNvSpPr>
           <p:nvPr>
-            <p:ph idx="12" type="sldNum"/>
+            <p:ph type="sldNum" idx="12"/>
           </p:nvPr>
         </p:nvSpPr>
         <p:spPr>
@@ -1497,7 +1550,7 @@
           </a:prstGeom>
         </p:spPr>
         <p:txBody>
-          <a:bodyPr anchorCtr="0" anchor="ctr" bIns="91425" lIns="91425" spcFirstLastPara="1" rIns="91425" wrap="square" tIns="91425">
+          <a:bodyPr spcFirstLastPara="1" wrap="square" lIns="91425" tIns="91425" rIns="91425" bIns="91425" anchor="ctr" anchorCtr="0">
             <a:noAutofit/>
           </a:bodyPr>
           <a:lstStyle>
@@ -1539,7 +1592,7 @@
             </a:lvl9pPr>
           </a:lstStyle>
           <a:p>
-            <a:pPr indent="0" lvl="0" marL="0" rtl="0" algn="r">
+            <a:pPr marL="0" lvl="0" indent="0" algn="r" rtl="0">
               <a:spcBef>
                 <a:spcPts val="0"/>
               </a:spcBef>
@@ -1565,11 +1618,11 @@
 </file>
 
 <file path=ppt/slideLayouts/slideLayout10.xml><?xml version="1.0" encoding="utf-8"?>
-<p:sldLayout xmlns:a="http://schemas.openxmlformats.org/drawingml/2006/main" xmlns:r="http://schemas.openxmlformats.org/officeDocument/2006/relationships" xmlns:mc="http://schemas.openxmlformats.org/markup-compatibility/2006" xmlns:mv="urn:schemas-microsoft-com:mac:vml" xmlns:p="http://schemas.openxmlformats.org/presentationml/2006/main" xmlns:c="http://schemas.openxmlformats.org/drawingml/2006/chart" xmlns:dgm="http://schemas.openxmlformats.org/drawingml/2006/diagram" xmlns:o="urn:schemas-microsoft-com:office:office" xmlns:v="urn:schemas-microsoft-com:vml" xmlns:pvml="urn:schemas-microsoft-com:office:powerpoint" xmlns:com="http://schemas.openxmlformats.org/drawingml/2006/compatibility" xmlns:p14="http://schemas.microsoft.com/office/powerpoint/2010/main" xmlns:p15="http://schemas.microsoft.com/office/powerpoint/2012/main" matchingName="Big number">
+<p:sldLayout xmlns:a="http://schemas.openxmlformats.org/drawingml/2006/main" xmlns:r="http://schemas.openxmlformats.org/officeDocument/2006/relationships" xmlns:p="http://schemas.openxmlformats.org/presentationml/2006/main" matchingName="Big number">
   <p:cSld name="BIG_NUMBER">
     <p:spTree>
       <p:nvGrpSpPr>
-        <p:cNvPr id="44" name="Shape 44"/>
+        <p:cNvPr id="1" name="Shape 44"/>
         <p:cNvGrpSpPr/>
         <p:nvPr/>
       </p:nvGrpSpPr>
@@ -1584,9 +1637,11 @@
       <p:sp>
         <p:nvSpPr>
           <p:cNvPr id="45" name="Google Shape;45;p11"/>
-          <p:cNvSpPr txBox="1"/>
+          <p:cNvSpPr txBox="1">
+            <a:spLocks noGrp="1"/>
+          </p:cNvSpPr>
           <p:nvPr>
-            <p:ph hasCustomPrompt="1" type="title"/>
+            <p:ph type="title" hasCustomPrompt="1"/>
           </p:nvPr>
         </p:nvSpPr>
         <p:spPr>
@@ -1599,7 +1654,7 @@
           </a:prstGeom>
         </p:spPr>
         <p:txBody>
-          <a:bodyPr anchorCtr="0" anchor="b" bIns="91425" lIns="91425" spcFirstLastPara="1" rIns="91425" wrap="square" tIns="91425">
+          <a:bodyPr spcFirstLastPara="1" wrap="square" lIns="91425" tIns="91425" rIns="91425" bIns="91425" anchor="b" anchorCtr="0">
             <a:noAutofit/>
           </a:bodyPr>
           <a:lstStyle>
@@ -1713,9 +1768,11 @@
       <p:sp>
         <p:nvSpPr>
           <p:cNvPr id="46" name="Google Shape;46;p11"/>
-          <p:cNvSpPr txBox="1"/>
+          <p:cNvSpPr txBox="1">
+            <a:spLocks noGrp="1"/>
+          </p:cNvSpPr>
           <p:nvPr>
-            <p:ph idx="1" type="body"/>
+            <p:ph type="body" idx="1"/>
           </p:nvPr>
         </p:nvSpPr>
         <p:spPr>
@@ -1728,11 +1785,11 @@
           </a:prstGeom>
         </p:spPr>
         <p:txBody>
-          <a:bodyPr anchorCtr="0" anchor="t" bIns="91425" lIns="91425" spcFirstLastPara="1" rIns="91425" wrap="square" tIns="91425">
+          <a:bodyPr spcFirstLastPara="1" wrap="square" lIns="91425" tIns="91425" rIns="91425" bIns="91425" anchor="t" anchorCtr="0">
             <a:noAutofit/>
           </a:bodyPr>
           <a:lstStyle>
-            <a:lvl1pPr indent="-342900" lvl="0" marL="457200" algn="ctr">
+            <a:lvl1pPr marL="457200" lvl="0" indent="-342900" algn="ctr">
               <a:spcBef>
                 <a:spcPts val="0"/>
               </a:spcBef>
@@ -1743,7 +1800,7 @@
               <a:buChar char="●"/>
               <a:defRPr/>
             </a:lvl1pPr>
-            <a:lvl2pPr indent="-317500" lvl="1" marL="914400" algn="ctr">
+            <a:lvl2pPr marL="914400" lvl="1" indent="-317500" algn="ctr">
               <a:spcBef>
                 <a:spcPts val="1600"/>
               </a:spcBef>
@@ -1754,7 +1811,7 @@
               <a:buChar char="○"/>
               <a:defRPr/>
             </a:lvl2pPr>
-            <a:lvl3pPr indent="-317500" lvl="2" marL="1371600" algn="ctr">
+            <a:lvl3pPr marL="1371600" lvl="2" indent="-317500" algn="ctr">
               <a:spcBef>
                 <a:spcPts val="1600"/>
               </a:spcBef>
@@ -1765,7 +1822,7 @@
               <a:buChar char="■"/>
               <a:defRPr/>
             </a:lvl3pPr>
-            <a:lvl4pPr indent="-317500" lvl="3" marL="1828800" algn="ctr">
+            <a:lvl4pPr marL="1828800" lvl="3" indent="-317500" algn="ctr">
               <a:spcBef>
                 <a:spcPts val="1600"/>
               </a:spcBef>
@@ -1776,7 +1833,7 @@
               <a:buChar char="●"/>
               <a:defRPr/>
             </a:lvl4pPr>
-            <a:lvl5pPr indent="-317500" lvl="4" marL="2286000" algn="ctr">
+            <a:lvl5pPr marL="2286000" lvl="4" indent="-317500" algn="ctr">
               <a:spcBef>
                 <a:spcPts val="1600"/>
               </a:spcBef>
@@ -1787,7 +1844,7 @@
               <a:buChar char="○"/>
               <a:defRPr/>
             </a:lvl5pPr>
-            <a:lvl6pPr indent="-317500" lvl="5" marL="2743200" algn="ctr">
+            <a:lvl6pPr marL="2743200" lvl="5" indent="-317500" algn="ctr">
               <a:spcBef>
                 <a:spcPts val="1600"/>
               </a:spcBef>
@@ -1798,7 +1855,7 @@
               <a:buChar char="■"/>
               <a:defRPr/>
             </a:lvl6pPr>
-            <a:lvl7pPr indent="-317500" lvl="6" marL="3200400" algn="ctr">
+            <a:lvl7pPr marL="3200400" lvl="6" indent="-317500" algn="ctr">
               <a:spcBef>
                 <a:spcPts val="1600"/>
               </a:spcBef>
@@ -1809,7 +1866,7 @@
               <a:buChar char="●"/>
               <a:defRPr/>
             </a:lvl7pPr>
-            <a:lvl8pPr indent="-317500" lvl="7" marL="3657600" algn="ctr">
+            <a:lvl8pPr marL="3657600" lvl="7" indent="-317500" algn="ctr">
               <a:spcBef>
                 <a:spcPts val="1600"/>
               </a:spcBef>
@@ -1820,7 +1877,7 @@
               <a:buChar char="○"/>
               <a:defRPr/>
             </a:lvl8pPr>
-            <a:lvl9pPr indent="-317500" lvl="8" marL="4114800" algn="ctr">
+            <a:lvl9pPr marL="4114800" lvl="8" indent="-317500" algn="ctr">
               <a:spcBef>
                 <a:spcPts val="1600"/>
               </a:spcBef>
@@ -1832,15 +1889,19 @@
               <a:defRPr/>
             </a:lvl9pPr>
           </a:lstStyle>
-          <a:p/>
+          <a:p>
+            <a:endParaRPr/>
+          </a:p>
         </p:txBody>
       </p:sp>
       <p:sp>
         <p:nvSpPr>
           <p:cNvPr id="47" name="Google Shape;47;p11"/>
-          <p:cNvSpPr txBox="1"/>
+          <p:cNvSpPr txBox="1">
+            <a:spLocks noGrp="1"/>
+          </p:cNvSpPr>
           <p:nvPr>
-            <p:ph idx="12" type="sldNum"/>
+            <p:ph type="sldNum" idx="12"/>
           </p:nvPr>
         </p:nvSpPr>
         <p:spPr>
@@ -1853,7 +1914,7 @@
           </a:prstGeom>
         </p:spPr>
         <p:txBody>
-          <a:bodyPr anchorCtr="0" anchor="ctr" bIns="91425" lIns="91425" spcFirstLastPara="1" rIns="91425" wrap="square" tIns="91425">
+          <a:bodyPr spcFirstLastPara="1" wrap="square" lIns="91425" tIns="91425" rIns="91425" bIns="91425" anchor="ctr" anchorCtr="0">
             <a:noAutofit/>
           </a:bodyPr>
           <a:lstStyle>
@@ -1895,7 +1956,7 @@
             </a:lvl9pPr>
           </a:lstStyle>
           <a:p>
-            <a:pPr indent="0" lvl="0" marL="0" rtl="0" algn="r">
+            <a:pPr marL="0" lvl="0" indent="0" algn="r" rtl="0">
               <a:spcBef>
                 <a:spcPts val="0"/>
               </a:spcBef>
@@ -1921,11 +1982,11 @@
 </file>
 
 <file path=ppt/slideLayouts/slideLayout11.xml><?xml version="1.0" encoding="utf-8"?>
-<p:sldLayout xmlns:a="http://schemas.openxmlformats.org/drawingml/2006/main" xmlns:r="http://schemas.openxmlformats.org/officeDocument/2006/relationships" xmlns:mc="http://schemas.openxmlformats.org/markup-compatibility/2006" xmlns:mv="urn:schemas-microsoft-com:mac:vml" xmlns:p="http://schemas.openxmlformats.org/presentationml/2006/main" xmlns:c="http://schemas.openxmlformats.org/drawingml/2006/chart" xmlns:dgm="http://schemas.openxmlformats.org/drawingml/2006/diagram" xmlns:o="urn:schemas-microsoft-com:office:office" xmlns:v="urn:schemas-microsoft-com:vml" xmlns:pvml="urn:schemas-microsoft-com:office:powerpoint" xmlns:com="http://schemas.openxmlformats.org/drawingml/2006/compatibility" xmlns:p14="http://schemas.microsoft.com/office/powerpoint/2010/main" xmlns:p15="http://schemas.microsoft.com/office/powerpoint/2012/main" matchingName="Blank" type="blank">
+<p:sldLayout xmlns:a="http://schemas.openxmlformats.org/drawingml/2006/main" xmlns:r="http://schemas.openxmlformats.org/officeDocument/2006/relationships" xmlns:p="http://schemas.openxmlformats.org/presentationml/2006/main" matchingName="Blank" type="blank">
   <p:cSld name="BLANK">
     <p:spTree>
       <p:nvGrpSpPr>
-        <p:cNvPr id="48" name="Shape 48"/>
+        <p:cNvPr id="1" name="Shape 48"/>
         <p:cNvGrpSpPr/>
         <p:nvPr/>
       </p:nvGrpSpPr>
@@ -1940,9 +2001,11 @@
       <p:sp>
         <p:nvSpPr>
           <p:cNvPr id="49" name="Google Shape;49;p12"/>
-          <p:cNvSpPr txBox="1"/>
+          <p:cNvSpPr txBox="1">
+            <a:spLocks noGrp="1"/>
+          </p:cNvSpPr>
           <p:nvPr>
-            <p:ph idx="12" type="sldNum"/>
+            <p:ph type="sldNum" idx="12"/>
           </p:nvPr>
         </p:nvSpPr>
         <p:spPr>
@@ -1955,7 +2018,7 @@
           </a:prstGeom>
         </p:spPr>
         <p:txBody>
-          <a:bodyPr anchorCtr="0" anchor="ctr" bIns="91425" lIns="91425" spcFirstLastPara="1" rIns="91425" wrap="square" tIns="91425">
+          <a:bodyPr spcFirstLastPara="1" wrap="square" lIns="91425" tIns="91425" rIns="91425" bIns="91425" anchor="ctr" anchorCtr="0">
             <a:noAutofit/>
           </a:bodyPr>
           <a:lstStyle>
@@ -1997,7 +2060,7 @@
             </a:lvl9pPr>
           </a:lstStyle>
           <a:p>
-            <a:pPr indent="0" lvl="0" marL="0" rtl="0" algn="r">
+            <a:pPr marL="0" lvl="0" indent="0" algn="r" rtl="0">
               <a:spcBef>
                 <a:spcPts val="0"/>
               </a:spcBef>
@@ -2023,11 +2086,11 @@
 </file>
 
 <file path=ppt/slideLayouts/slideLayout2.xml><?xml version="1.0" encoding="utf-8"?>
-<p:sldLayout xmlns:a="http://schemas.openxmlformats.org/drawingml/2006/main" xmlns:r="http://schemas.openxmlformats.org/officeDocument/2006/relationships" xmlns:mc="http://schemas.openxmlformats.org/markup-compatibility/2006" xmlns:mv="urn:schemas-microsoft-com:mac:vml" xmlns:p="http://schemas.openxmlformats.org/presentationml/2006/main" xmlns:c="http://schemas.openxmlformats.org/drawingml/2006/chart" xmlns:dgm="http://schemas.openxmlformats.org/drawingml/2006/diagram" xmlns:o="urn:schemas-microsoft-com:office:office" xmlns:v="urn:schemas-microsoft-com:vml" xmlns:pvml="urn:schemas-microsoft-com:office:powerpoint" xmlns:com="http://schemas.openxmlformats.org/drawingml/2006/compatibility" xmlns:p14="http://schemas.microsoft.com/office/powerpoint/2010/main" xmlns:p15="http://schemas.microsoft.com/office/powerpoint/2012/main" matchingName="Section header" type="secHead">
+<p:sldLayout xmlns:a="http://schemas.openxmlformats.org/drawingml/2006/main" xmlns:r="http://schemas.openxmlformats.org/officeDocument/2006/relationships" xmlns:p="http://schemas.openxmlformats.org/presentationml/2006/main" matchingName="Section header" type="secHead">
   <p:cSld name="SECTION_HEADER">
     <p:spTree>
       <p:nvGrpSpPr>
-        <p:cNvPr id="13" name="Shape 13"/>
+        <p:cNvPr id="1" name="Shape 13"/>
         <p:cNvGrpSpPr/>
         <p:nvPr/>
       </p:nvGrpSpPr>
@@ -2042,7 +2105,9 @@
       <p:sp>
         <p:nvSpPr>
           <p:cNvPr id="14" name="Google Shape;14;p3"/>
-          <p:cNvSpPr txBox="1"/>
+          <p:cNvSpPr txBox="1">
+            <a:spLocks noGrp="1"/>
+          </p:cNvSpPr>
           <p:nvPr>
             <p:ph type="title"/>
           </p:nvPr>
@@ -2057,7 +2122,7 @@
           </a:prstGeom>
         </p:spPr>
         <p:txBody>
-          <a:bodyPr anchorCtr="0" anchor="ctr" bIns="91425" lIns="91425" spcFirstLastPara="1" rIns="91425" wrap="square" tIns="91425">
+          <a:bodyPr spcFirstLastPara="1" wrap="square" lIns="91425" tIns="91425" rIns="91425" bIns="91425" anchor="ctr" anchorCtr="0">
             <a:noAutofit/>
           </a:bodyPr>
           <a:lstStyle>
@@ -2161,15 +2226,19 @@
               <a:defRPr sz="3600"/>
             </a:lvl9pPr>
           </a:lstStyle>
-          <a:p/>
+          <a:p>
+            <a:endParaRPr/>
+          </a:p>
         </p:txBody>
       </p:sp>
       <p:sp>
         <p:nvSpPr>
           <p:cNvPr id="15" name="Google Shape;15;p3"/>
-          <p:cNvSpPr txBox="1"/>
+          <p:cNvSpPr txBox="1">
+            <a:spLocks noGrp="1"/>
+          </p:cNvSpPr>
           <p:nvPr>
-            <p:ph idx="12" type="sldNum"/>
+            <p:ph type="sldNum" idx="12"/>
           </p:nvPr>
         </p:nvSpPr>
         <p:spPr>
@@ -2182,7 +2251,7 @@
           </a:prstGeom>
         </p:spPr>
         <p:txBody>
-          <a:bodyPr anchorCtr="0" anchor="ctr" bIns="91425" lIns="91425" spcFirstLastPara="1" rIns="91425" wrap="square" tIns="91425">
+          <a:bodyPr spcFirstLastPara="1" wrap="square" lIns="91425" tIns="91425" rIns="91425" bIns="91425" anchor="ctr" anchorCtr="0">
             <a:noAutofit/>
           </a:bodyPr>
           <a:lstStyle>
@@ -2224,7 +2293,7 @@
             </a:lvl9pPr>
           </a:lstStyle>
           <a:p>
-            <a:pPr indent="0" lvl="0" marL="0" rtl="0" algn="r">
+            <a:pPr marL="0" lvl="0" indent="0" algn="r" rtl="0">
               <a:spcBef>
                 <a:spcPts val="0"/>
               </a:spcBef>
@@ -2250,11 +2319,11 @@
 </file>
 
 <file path=ppt/slideLayouts/slideLayout3.xml><?xml version="1.0" encoding="utf-8"?>
-<p:sldLayout xmlns:a="http://schemas.openxmlformats.org/drawingml/2006/main" xmlns:r="http://schemas.openxmlformats.org/officeDocument/2006/relationships" xmlns:mc="http://schemas.openxmlformats.org/markup-compatibility/2006" xmlns:mv="urn:schemas-microsoft-com:mac:vml" xmlns:p="http://schemas.openxmlformats.org/presentationml/2006/main" xmlns:c="http://schemas.openxmlformats.org/drawingml/2006/chart" xmlns:dgm="http://schemas.openxmlformats.org/drawingml/2006/diagram" xmlns:o="urn:schemas-microsoft-com:office:office" xmlns:v="urn:schemas-microsoft-com:vml" xmlns:pvml="urn:schemas-microsoft-com:office:powerpoint" xmlns:com="http://schemas.openxmlformats.org/drawingml/2006/compatibility" xmlns:p14="http://schemas.microsoft.com/office/powerpoint/2010/main" xmlns:p15="http://schemas.microsoft.com/office/powerpoint/2012/main" matchingName="Title and body" type="tx">
+<p:sldLayout xmlns:a="http://schemas.openxmlformats.org/drawingml/2006/main" xmlns:r="http://schemas.openxmlformats.org/officeDocument/2006/relationships" xmlns:p="http://schemas.openxmlformats.org/presentationml/2006/main" matchingName="Title and body" type="tx">
   <p:cSld name="TITLE_AND_BODY">
     <p:spTree>
       <p:nvGrpSpPr>
-        <p:cNvPr id="16" name="Shape 16"/>
+        <p:cNvPr id="1" name="Shape 16"/>
         <p:cNvGrpSpPr/>
         <p:nvPr/>
       </p:nvGrpSpPr>
@@ -2269,7 +2338,9 @@
       <p:sp>
         <p:nvSpPr>
           <p:cNvPr id="17" name="Google Shape;17;p4"/>
-          <p:cNvSpPr txBox="1"/>
+          <p:cNvSpPr txBox="1">
+            <a:spLocks noGrp="1"/>
+          </p:cNvSpPr>
           <p:nvPr>
             <p:ph type="title"/>
           </p:nvPr>
@@ -2284,7 +2355,7 @@
           </a:prstGeom>
         </p:spPr>
         <p:txBody>
-          <a:bodyPr anchorCtr="0" anchor="t" bIns="91425" lIns="91425" spcFirstLastPara="1" rIns="91425" wrap="square" tIns="91425">
+          <a:bodyPr spcFirstLastPara="1" wrap="square" lIns="91425" tIns="91425" rIns="91425" bIns="91425" anchor="t" anchorCtr="0">
             <a:noAutofit/>
           </a:bodyPr>
           <a:lstStyle>
@@ -2388,15 +2459,19 @@
               <a:defRPr/>
             </a:lvl9pPr>
           </a:lstStyle>
-          <a:p/>
+          <a:p>
+            <a:endParaRPr/>
+          </a:p>
         </p:txBody>
       </p:sp>
       <p:sp>
         <p:nvSpPr>
           <p:cNvPr id="18" name="Google Shape;18;p4"/>
-          <p:cNvSpPr txBox="1"/>
+          <p:cNvSpPr txBox="1">
+            <a:spLocks noGrp="1"/>
+          </p:cNvSpPr>
           <p:nvPr>
-            <p:ph idx="1" type="body"/>
+            <p:ph type="body" idx="1"/>
           </p:nvPr>
         </p:nvSpPr>
         <p:spPr>
@@ -2409,11 +2484,11 @@
           </a:prstGeom>
         </p:spPr>
         <p:txBody>
-          <a:bodyPr anchorCtr="0" anchor="t" bIns="91425" lIns="91425" spcFirstLastPara="1" rIns="91425" wrap="square" tIns="91425">
+          <a:bodyPr spcFirstLastPara="1" wrap="square" lIns="91425" tIns="91425" rIns="91425" bIns="91425" anchor="t" anchorCtr="0">
             <a:noAutofit/>
           </a:bodyPr>
           <a:lstStyle>
-            <a:lvl1pPr indent="-342900" lvl="0" marL="457200">
+            <a:lvl1pPr marL="457200" lvl="0" indent="-342900">
               <a:spcBef>
                 <a:spcPts val="0"/>
               </a:spcBef>
@@ -2424,7 +2499,7 @@
               <a:buChar char="●"/>
               <a:defRPr/>
             </a:lvl1pPr>
-            <a:lvl2pPr indent="-317500" lvl="1" marL="914400">
+            <a:lvl2pPr marL="914400" lvl="1" indent="-317500">
               <a:spcBef>
                 <a:spcPts val="1600"/>
               </a:spcBef>
@@ -2435,7 +2510,7 @@
               <a:buChar char="○"/>
               <a:defRPr/>
             </a:lvl2pPr>
-            <a:lvl3pPr indent="-317500" lvl="2" marL="1371600">
+            <a:lvl3pPr marL="1371600" lvl="2" indent="-317500">
               <a:spcBef>
                 <a:spcPts val="1600"/>
               </a:spcBef>
@@ -2446,7 +2521,7 @@
               <a:buChar char="■"/>
               <a:defRPr/>
             </a:lvl3pPr>
-            <a:lvl4pPr indent="-317500" lvl="3" marL="1828800">
+            <a:lvl4pPr marL="1828800" lvl="3" indent="-317500">
               <a:spcBef>
                 <a:spcPts val="1600"/>
               </a:spcBef>
@@ -2457,7 +2532,7 @@
               <a:buChar char="●"/>
               <a:defRPr/>
             </a:lvl4pPr>
-            <a:lvl5pPr indent="-317500" lvl="4" marL="2286000">
+            <a:lvl5pPr marL="2286000" lvl="4" indent="-317500">
               <a:spcBef>
                 <a:spcPts val="1600"/>
               </a:spcBef>
@@ -2468,7 +2543,7 @@
               <a:buChar char="○"/>
               <a:defRPr/>
             </a:lvl5pPr>
-            <a:lvl6pPr indent="-317500" lvl="5" marL="2743200">
+            <a:lvl6pPr marL="2743200" lvl="5" indent="-317500">
               <a:spcBef>
                 <a:spcPts val="1600"/>
               </a:spcBef>
@@ -2479,7 +2554,7 @@
               <a:buChar char="■"/>
               <a:defRPr/>
             </a:lvl6pPr>
-            <a:lvl7pPr indent="-317500" lvl="6" marL="3200400">
+            <a:lvl7pPr marL="3200400" lvl="6" indent="-317500">
               <a:spcBef>
                 <a:spcPts val="1600"/>
               </a:spcBef>
@@ -2490,7 +2565,7 @@
               <a:buChar char="●"/>
               <a:defRPr/>
             </a:lvl7pPr>
-            <a:lvl8pPr indent="-317500" lvl="7" marL="3657600">
+            <a:lvl8pPr marL="3657600" lvl="7" indent="-317500">
               <a:spcBef>
                 <a:spcPts val="1600"/>
               </a:spcBef>
@@ -2501,7 +2576,7 @@
               <a:buChar char="○"/>
               <a:defRPr/>
             </a:lvl8pPr>
-            <a:lvl9pPr indent="-317500" lvl="8" marL="4114800">
+            <a:lvl9pPr marL="4114800" lvl="8" indent="-317500">
               <a:spcBef>
                 <a:spcPts val="1600"/>
               </a:spcBef>
@@ -2513,15 +2588,19 @@
               <a:defRPr/>
             </a:lvl9pPr>
           </a:lstStyle>
-          <a:p/>
+          <a:p>
+            <a:endParaRPr/>
+          </a:p>
         </p:txBody>
       </p:sp>
       <p:sp>
         <p:nvSpPr>
           <p:cNvPr id="19" name="Google Shape;19;p4"/>
-          <p:cNvSpPr txBox="1"/>
+          <p:cNvSpPr txBox="1">
+            <a:spLocks noGrp="1"/>
+          </p:cNvSpPr>
           <p:nvPr>
-            <p:ph idx="12" type="sldNum"/>
+            <p:ph type="sldNum" idx="12"/>
           </p:nvPr>
         </p:nvSpPr>
         <p:spPr>
@@ -2534,7 +2613,7 @@
           </a:prstGeom>
         </p:spPr>
         <p:txBody>
-          <a:bodyPr anchorCtr="0" anchor="ctr" bIns="91425" lIns="91425" spcFirstLastPara="1" rIns="91425" wrap="square" tIns="91425">
+          <a:bodyPr spcFirstLastPara="1" wrap="square" lIns="91425" tIns="91425" rIns="91425" bIns="91425" anchor="ctr" anchorCtr="0">
             <a:noAutofit/>
           </a:bodyPr>
           <a:lstStyle>
@@ -2576,7 +2655,7 @@
             </a:lvl9pPr>
           </a:lstStyle>
           <a:p>
-            <a:pPr indent="0" lvl="0" marL="0" rtl="0" algn="r">
+            <a:pPr marL="0" lvl="0" indent="0" algn="r" rtl="0">
               <a:spcBef>
                 <a:spcPts val="0"/>
               </a:spcBef>
@@ -2602,11 +2681,11 @@
 </file>
 
 <file path=ppt/slideLayouts/slideLayout4.xml><?xml version="1.0" encoding="utf-8"?>
-<p:sldLayout xmlns:a="http://schemas.openxmlformats.org/drawingml/2006/main" xmlns:r="http://schemas.openxmlformats.org/officeDocument/2006/relationships" xmlns:mc="http://schemas.openxmlformats.org/markup-compatibility/2006" xmlns:mv="urn:schemas-microsoft-com:mac:vml" xmlns:p="http://schemas.openxmlformats.org/presentationml/2006/main" xmlns:c="http://schemas.openxmlformats.org/drawingml/2006/chart" xmlns:dgm="http://schemas.openxmlformats.org/drawingml/2006/diagram" xmlns:o="urn:schemas-microsoft-com:office:office" xmlns:v="urn:schemas-microsoft-com:vml" xmlns:pvml="urn:schemas-microsoft-com:office:powerpoint" xmlns:com="http://schemas.openxmlformats.org/drawingml/2006/compatibility" xmlns:p14="http://schemas.microsoft.com/office/powerpoint/2010/main" xmlns:p15="http://schemas.microsoft.com/office/powerpoint/2012/main" matchingName="Title and two columns" type="twoColTx">
+<p:sldLayout xmlns:a="http://schemas.openxmlformats.org/drawingml/2006/main" xmlns:r="http://schemas.openxmlformats.org/officeDocument/2006/relationships" xmlns:p="http://schemas.openxmlformats.org/presentationml/2006/main" matchingName="Title and two columns" type="twoColTx">
   <p:cSld name="TITLE_AND_TWO_COLUMNS">
     <p:spTree>
       <p:nvGrpSpPr>
-        <p:cNvPr id="20" name="Shape 20"/>
+        <p:cNvPr id="1" name="Shape 20"/>
         <p:cNvGrpSpPr/>
         <p:nvPr/>
       </p:nvGrpSpPr>
@@ -2621,7 +2700,9 @@
       <p:sp>
         <p:nvSpPr>
           <p:cNvPr id="21" name="Google Shape;21;p5"/>
-          <p:cNvSpPr txBox="1"/>
+          <p:cNvSpPr txBox="1">
+            <a:spLocks noGrp="1"/>
+          </p:cNvSpPr>
           <p:nvPr>
             <p:ph type="title"/>
           </p:nvPr>
@@ -2636,7 +2717,7 @@
           </a:prstGeom>
         </p:spPr>
         <p:txBody>
-          <a:bodyPr anchorCtr="0" anchor="t" bIns="91425" lIns="91425" spcFirstLastPara="1" rIns="91425" wrap="square" tIns="91425">
+          <a:bodyPr spcFirstLastPara="1" wrap="square" lIns="91425" tIns="91425" rIns="91425" bIns="91425" anchor="t" anchorCtr="0">
             <a:noAutofit/>
           </a:bodyPr>
           <a:lstStyle>
@@ -2740,15 +2821,19 @@
               <a:defRPr/>
             </a:lvl9pPr>
           </a:lstStyle>
-          <a:p/>
+          <a:p>
+            <a:endParaRPr/>
+          </a:p>
         </p:txBody>
       </p:sp>
       <p:sp>
         <p:nvSpPr>
           <p:cNvPr id="22" name="Google Shape;22;p5"/>
-          <p:cNvSpPr txBox="1"/>
+          <p:cNvSpPr txBox="1">
+            <a:spLocks noGrp="1"/>
+          </p:cNvSpPr>
           <p:nvPr>
-            <p:ph idx="1" type="body"/>
+            <p:ph type="body" idx="1"/>
           </p:nvPr>
         </p:nvSpPr>
         <p:spPr>
@@ -2761,11 +2846,11 @@
           </a:prstGeom>
         </p:spPr>
         <p:txBody>
-          <a:bodyPr anchorCtr="0" anchor="t" bIns="91425" lIns="91425" spcFirstLastPara="1" rIns="91425" wrap="square" tIns="91425">
+          <a:bodyPr spcFirstLastPara="1" wrap="square" lIns="91425" tIns="91425" rIns="91425" bIns="91425" anchor="t" anchorCtr="0">
             <a:noAutofit/>
           </a:bodyPr>
           <a:lstStyle>
-            <a:lvl1pPr indent="-317500" lvl="0" marL="457200">
+            <a:lvl1pPr marL="457200" lvl="0" indent="-317500">
               <a:spcBef>
                 <a:spcPts val="0"/>
               </a:spcBef>
@@ -2776,7 +2861,7 @@
               <a:buChar char="●"/>
               <a:defRPr sz="1400"/>
             </a:lvl1pPr>
-            <a:lvl2pPr indent="-304800" lvl="1" marL="914400">
+            <a:lvl2pPr marL="914400" lvl="1" indent="-304800">
               <a:spcBef>
                 <a:spcPts val="1600"/>
               </a:spcBef>
@@ -2787,7 +2872,7 @@
               <a:buChar char="○"/>
               <a:defRPr sz="1200"/>
             </a:lvl2pPr>
-            <a:lvl3pPr indent="-304800" lvl="2" marL="1371600">
+            <a:lvl3pPr marL="1371600" lvl="2" indent="-304800">
               <a:spcBef>
                 <a:spcPts val="1600"/>
               </a:spcBef>
@@ -2798,7 +2883,7 @@
               <a:buChar char="■"/>
               <a:defRPr sz="1200"/>
             </a:lvl3pPr>
-            <a:lvl4pPr indent="-304800" lvl="3" marL="1828800">
+            <a:lvl4pPr marL="1828800" lvl="3" indent="-304800">
               <a:spcBef>
                 <a:spcPts val="1600"/>
               </a:spcBef>
@@ -2809,7 +2894,7 @@
               <a:buChar char="●"/>
               <a:defRPr sz="1200"/>
             </a:lvl4pPr>
-            <a:lvl5pPr indent="-304800" lvl="4" marL="2286000">
+            <a:lvl5pPr marL="2286000" lvl="4" indent="-304800">
               <a:spcBef>
                 <a:spcPts val="1600"/>
               </a:spcBef>
@@ -2820,7 +2905,7 @@
               <a:buChar char="○"/>
               <a:defRPr sz="1200"/>
             </a:lvl5pPr>
-            <a:lvl6pPr indent="-304800" lvl="5" marL="2743200">
+            <a:lvl6pPr marL="2743200" lvl="5" indent="-304800">
               <a:spcBef>
                 <a:spcPts val="1600"/>
               </a:spcBef>
@@ -2831,7 +2916,7 @@
               <a:buChar char="■"/>
               <a:defRPr sz="1200"/>
             </a:lvl6pPr>
-            <a:lvl7pPr indent="-304800" lvl="6" marL="3200400">
+            <a:lvl7pPr marL="3200400" lvl="6" indent="-304800">
               <a:spcBef>
                 <a:spcPts val="1600"/>
               </a:spcBef>
@@ -2842,7 +2927,7 @@
               <a:buChar char="●"/>
               <a:defRPr sz="1200"/>
             </a:lvl7pPr>
-            <a:lvl8pPr indent="-304800" lvl="7" marL="3657600">
+            <a:lvl8pPr marL="3657600" lvl="7" indent="-304800">
               <a:spcBef>
                 <a:spcPts val="1600"/>
               </a:spcBef>
@@ -2853,7 +2938,7 @@
               <a:buChar char="○"/>
               <a:defRPr sz="1200"/>
             </a:lvl8pPr>
-            <a:lvl9pPr indent="-304800" lvl="8" marL="4114800">
+            <a:lvl9pPr marL="4114800" lvl="8" indent="-304800">
               <a:spcBef>
                 <a:spcPts val="1600"/>
               </a:spcBef>
@@ -2865,15 +2950,19 @@
               <a:defRPr sz="1200"/>
             </a:lvl9pPr>
           </a:lstStyle>
-          <a:p/>
+          <a:p>
+            <a:endParaRPr/>
+          </a:p>
         </p:txBody>
       </p:sp>
       <p:sp>
         <p:nvSpPr>
           <p:cNvPr id="23" name="Google Shape;23;p5"/>
-          <p:cNvSpPr txBox="1"/>
+          <p:cNvSpPr txBox="1">
+            <a:spLocks noGrp="1"/>
+          </p:cNvSpPr>
           <p:nvPr>
-            <p:ph idx="2" type="body"/>
+            <p:ph type="body" idx="2"/>
           </p:nvPr>
         </p:nvSpPr>
         <p:spPr>
@@ -2886,11 +2975,11 @@
           </a:prstGeom>
         </p:spPr>
         <p:txBody>
-          <a:bodyPr anchorCtr="0" anchor="t" bIns="91425" lIns="91425" spcFirstLastPara="1" rIns="91425" wrap="square" tIns="91425">
+          <a:bodyPr spcFirstLastPara="1" wrap="square" lIns="91425" tIns="91425" rIns="91425" bIns="91425" anchor="t" anchorCtr="0">
             <a:noAutofit/>
           </a:bodyPr>
           <a:lstStyle>
-            <a:lvl1pPr indent="-317500" lvl="0" marL="457200">
+            <a:lvl1pPr marL="457200" lvl="0" indent="-317500">
               <a:spcBef>
                 <a:spcPts val="0"/>
               </a:spcBef>
@@ -2901,7 +2990,7 @@
               <a:buChar char="●"/>
               <a:defRPr sz="1400"/>
             </a:lvl1pPr>
-            <a:lvl2pPr indent="-304800" lvl="1" marL="914400">
+            <a:lvl2pPr marL="914400" lvl="1" indent="-304800">
               <a:spcBef>
                 <a:spcPts val="1600"/>
               </a:spcBef>
@@ -2912,7 +3001,7 @@
               <a:buChar char="○"/>
               <a:defRPr sz="1200"/>
             </a:lvl2pPr>
-            <a:lvl3pPr indent="-304800" lvl="2" marL="1371600">
+            <a:lvl3pPr marL="1371600" lvl="2" indent="-304800">
               <a:spcBef>
                 <a:spcPts val="1600"/>
               </a:spcBef>
@@ -2923,7 +3012,7 @@
               <a:buChar char="■"/>
               <a:defRPr sz="1200"/>
             </a:lvl3pPr>
-            <a:lvl4pPr indent="-304800" lvl="3" marL="1828800">
+            <a:lvl4pPr marL="1828800" lvl="3" indent="-304800">
               <a:spcBef>
                 <a:spcPts val="1600"/>
               </a:spcBef>
@@ -2934,7 +3023,7 @@
               <a:buChar char="●"/>
               <a:defRPr sz="1200"/>
             </a:lvl4pPr>
-            <a:lvl5pPr indent="-304800" lvl="4" marL="2286000">
+            <a:lvl5pPr marL="2286000" lvl="4" indent="-304800">
               <a:spcBef>
                 <a:spcPts val="1600"/>
               </a:spcBef>
@@ -2945,7 +3034,7 @@
               <a:buChar char="○"/>
               <a:defRPr sz="1200"/>
             </a:lvl5pPr>
-            <a:lvl6pPr indent="-304800" lvl="5" marL="2743200">
+            <a:lvl6pPr marL="2743200" lvl="5" indent="-304800">
               <a:spcBef>
                 <a:spcPts val="1600"/>
               </a:spcBef>
@@ -2956,7 +3045,7 @@
               <a:buChar char="■"/>
               <a:defRPr sz="1200"/>
             </a:lvl6pPr>
-            <a:lvl7pPr indent="-304800" lvl="6" marL="3200400">
+            <a:lvl7pPr marL="3200400" lvl="6" indent="-304800">
               <a:spcBef>
                 <a:spcPts val="1600"/>
               </a:spcBef>
@@ -2967,7 +3056,7 @@
               <a:buChar char="●"/>
               <a:defRPr sz="1200"/>
             </a:lvl7pPr>
-            <a:lvl8pPr indent="-304800" lvl="7" marL="3657600">
+            <a:lvl8pPr marL="3657600" lvl="7" indent="-304800">
               <a:spcBef>
                 <a:spcPts val="1600"/>
               </a:spcBef>
@@ -2978,7 +3067,7 @@
               <a:buChar char="○"/>
               <a:defRPr sz="1200"/>
             </a:lvl8pPr>
-            <a:lvl9pPr indent="-304800" lvl="8" marL="4114800">
+            <a:lvl9pPr marL="4114800" lvl="8" indent="-304800">
               <a:spcBef>
                 <a:spcPts val="1600"/>
               </a:spcBef>
@@ -2990,15 +3079,19 @@
               <a:defRPr sz="1200"/>
             </a:lvl9pPr>
           </a:lstStyle>
-          <a:p/>
+          <a:p>
+            <a:endParaRPr/>
+          </a:p>
         </p:txBody>
       </p:sp>
       <p:sp>
         <p:nvSpPr>
           <p:cNvPr id="24" name="Google Shape;24;p5"/>
-          <p:cNvSpPr txBox="1"/>
+          <p:cNvSpPr txBox="1">
+            <a:spLocks noGrp="1"/>
+          </p:cNvSpPr>
           <p:nvPr>
-            <p:ph idx="12" type="sldNum"/>
+            <p:ph type="sldNum" idx="12"/>
           </p:nvPr>
         </p:nvSpPr>
         <p:spPr>
@@ -3011,7 +3104,7 @@
           </a:prstGeom>
         </p:spPr>
         <p:txBody>
-          <a:bodyPr anchorCtr="0" anchor="ctr" bIns="91425" lIns="91425" spcFirstLastPara="1" rIns="91425" wrap="square" tIns="91425">
+          <a:bodyPr spcFirstLastPara="1" wrap="square" lIns="91425" tIns="91425" rIns="91425" bIns="91425" anchor="ctr" anchorCtr="0">
             <a:noAutofit/>
           </a:bodyPr>
           <a:lstStyle>
@@ -3053,7 +3146,7 @@
             </a:lvl9pPr>
           </a:lstStyle>
           <a:p>
-            <a:pPr indent="0" lvl="0" marL="0" rtl="0" algn="r">
+            <a:pPr marL="0" lvl="0" indent="0" algn="r" rtl="0">
               <a:spcBef>
                 <a:spcPts val="0"/>
               </a:spcBef>
@@ -3079,11 +3172,11 @@
 </file>
 
 <file path=ppt/slideLayouts/slideLayout5.xml><?xml version="1.0" encoding="utf-8"?>
-<p:sldLayout xmlns:a="http://schemas.openxmlformats.org/drawingml/2006/main" xmlns:r="http://schemas.openxmlformats.org/officeDocument/2006/relationships" xmlns:mc="http://schemas.openxmlformats.org/markup-compatibility/2006" xmlns:mv="urn:schemas-microsoft-com:mac:vml" xmlns:p="http://schemas.openxmlformats.org/presentationml/2006/main" xmlns:c="http://schemas.openxmlformats.org/drawingml/2006/chart" xmlns:dgm="http://schemas.openxmlformats.org/drawingml/2006/diagram" xmlns:o="urn:schemas-microsoft-com:office:office" xmlns:v="urn:schemas-microsoft-com:vml" xmlns:pvml="urn:schemas-microsoft-com:office:powerpoint" xmlns:com="http://schemas.openxmlformats.org/drawingml/2006/compatibility" xmlns:p14="http://schemas.microsoft.com/office/powerpoint/2010/main" xmlns:p15="http://schemas.microsoft.com/office/powerpoint/2012/main" matchingName="Title only" type="titleOnly">
+<p:sldLayout xmlns:a="http://schemas.openxmlformats.org/drawingml/2006/main" xmlns:r="http://schemas.openxmlformats.org/officeDocument/2006/relationships" xmlns:p="http://schemas.openxmlformats.org/presentationml/2006/main" matchingName="Title only" type="titleOnly">
   <p:cSld name="TITLE_ONLY">
     <p:spTree>
       <p:nvGrpSpPr>
-        <p:cNvPr id="25" name="Shape 25"/>
+        <p:cNvPr id="1" name="Shape 25"/>
         <p:cNvGrpSpPr/>
         <p:nvPr/>
       </p:nvGrpSpPr>
@@ -3098,7 +3191,9 @@
       <p:sp>
         <p:nvSpPr>
           <p:cNvPr id="26" name="Google Shape;26;p6"/>
-          <p:cNvSpPr txBox="1"/>
+          <p:cNvSpPr txBox="1">
+            <a:spLocks noGrp="1"/>
+          </p:cNvSpPr>
           <p:nvPr>
             <p:ph type="title"/>
           </p:nvPr>
@@ -3113,7 +3208,7 @@
           </a:prstGeom>
         </p:spPr>
         <p:txBody>
-          <a:bodyPr anchorCtr="0" anchor="t" bIns="91425" lIns="91425" spcFirstLastPara="1" rIns="91425" wrap="square" tIns="91425">
+          <a:bodyPr spcFirstLastPara="1" wrap="square" lIns="91425" tIns="91425" rIns="91425" bIns="91425" anchor="t" anchorCtr="0">
             <a:noAutofit/>
           </a:bodyPr>
           <a:lstStyle>
@@ -3217,15 +3312,19 @@
               <a:defRPr/>
             </a:lvl9pPr>
           </a:lstStyle>
-          <a:p/>
+          <a:p>
+            <a:endParaRPr/>
+          </a:p>
         </p:txBody>
       </p:sp>
       <p:sp>
         <p:nvSpPr>
           <p:cNvPr id="27" name="Google Shape;27;p6"/>
-          <p:cNvSpPr txBox="1"/>
+          <p:cNvSpPr txBox="1">
+            <a:spLocks noGrp="1"/>
+          </p:cNvSpPr>
           <p:nvPr>
-            <p:ph idx="12" type="sldNum"/>
+            <p:ph type="sldNum" idx="12"/>
           </p:nvPr>
         </p:nvSpPr>
         <p:spPr>
@@ -3238,7 +3337,7 @@
           </a:prstGeom>
         </p:spPr>
         <p:txBody>
-          <a:bodyPr anchorCtr="0" anchor="ctr" bIns="91425" lIns="91425" spcFirstLastPara="1" rIns="91425" wrap="square" tIns="91425">
+          <a:bodyPr spcFirstLastPara="1" wrap="square" lIns="91425" tIns="91425" rIns="91425" bIns="91425" anchor="ctr" anchorCtr="0">
             <a:noAutofit/>
           </a:bodyPr>
           <a:lstStyle>
@@ -3280,7 +3379,7 @@
             </a:lvl9pPr>
           </a:lstStyle>
           <a:p>
-            <a:pPr indent="0" lvl="0" marL="0" rtl="0" algn="r">
+            <a:pPr marL="0" lvl="0" indent="0" algn="r" rtl="0">
               <a:spcBef>
                 <a:spcPts val="0"/>
               </a:spcBef>
@@ -3306,11 +3405,11 @@
 </file>
 
 <file path=ppt/slideLayouts/slideLayout6.xml><?xml version="1.0" encoding="utf-8"?>
-<p:sldLayout xmlns:a="http://schemas.openxmlformats.org/drawingml/2006/main" xmlns:r="http://schemas.openxmlformats.org/officeDocument/2006/relationships" xmlns:mc="http://schemas.openxmlformats.org/markup-compatibility/2006" xmlns:mv="urn:schemas-microsoft-com:mac:vml" xmlns:p="http://schemas.openxmlformats.org/presentationml/2006/main" xmlns:c="http://schemas.openxmlformats.org/drawingml/2006/chart" xmlns:dgm="http://schemas.openxmlformats.org/drawingml/2006/diagram" xmlns:o="urn:schemas-microsoft-com:office:office" xmlns:v="urn:schemas-microsoft-com:vml" xmlns:pvml="urn:schemas-microsoft-com:office:powerpoint" xmlns:com="http://schemas.openxmlformats.org/drawingml/2006/compatibility" xmlns:p14="http://schemas.microsoft.com/office/powerpoint/2010/main" xmlns:p15="http://schemas.microsoft.com/office/powerpoint/2012/main" matchingName="One column text">
+<p:sldLayout xmlns:a="http://schemas.openxmlformats.org/drawingml/2006/main" xmlns:r="http://schemas.openxmlformats.org/officeDocument/2006/relationships" xmlns:p="http://schemas.openxmlformats.org/presentationml/2006/main" matchingName="One column text">
   <p:cSld name="ONE_COLUMN_TEXT">
     <p:spTree>
       <p:nvGrpSpPr>
-        <p:cNvPr id="28" name="Shape 28"/>
+        <p:cNvPr id="1" name="Shape 28"/>
         <p:cNvGrpSpPr/>
         <p:nvPr/>
       </p:nvGrpSpPr>
@@ -3325,7 +3424,9 @@
       <p:sp>
         <p:nvSpPr>
           <p:cNvPr id="29" name="Google Shape;29;p7"/>
-          <p:cNvSpPr txBox="1"/>
+          <p:cNvSpPr txBox="1">
+            <a:spLocks noGrp="1"/>
+          </p:cNvSpPr>
           <p:nvPr>
             <p:ph type="title"/>
           </p:nvPr>
@@ -3340,7 +3441,7 @@
           </a:prstGeom>
         </p:spPr>
         <p:txBody>
-          <a:bodyPr anchorCtr="0" anchor="b" bIns="91425" lIns="91425" spcFirstLastPara="1" rIns="91425" wrap="square" tIns="91425">
+          <a:bodyPr spcFirstLastPara="1" wrap="square" lIns="91425" tIns="91425" rIns="91425" bIns="91425" anchor="b" anchorCtr="0">
             <a:noAutofit/>
           </a:bodyPr>
           <a:lstStyle>
@@ -3444,15 +3545,19 @@
               <a:defRPr sz="2400"/>
             </a:lvl9pPr>
           </a:lstStyle>
-          <a:p/>
+          <a:p>
+            <a:endParaRPr/>
+          </a:p>
         </p:txBody>
       </p:sp>
       <p:sp>
         <p:nvSpPr>
           <p:cNvPr id="30" name="Google Shape;30;p7"/>
-          <p:cNvSpPr txBox="1"/>
+          <p:cNvSpPr txBox="1">
+            <a:spLocks noGrp="1"/>
+          </p:cNvSpPr>
           <p:nvPr>
-            <p:ph idx="1" type="body"/>
+            <p:ph type="body" idx="1"/>
           </p:nvPr>
         </p:nvSpPr>
         <p:spPr>
@@ -3465,11 +3570,11 @@
           </a:prstGeom>
         </p:spPr>
         <p:txBody>
-          <a:bodyPr anchorCtr="0" anchor="t" bIns="91425" lIns="91425" spcFirstLastPara="1" rIns="91425" wrap="square" tIns="91425">
+          <a:bodyPr spcFirstLastPara="1" wrap="square" lIns="91425" tIns="91425" rIns="91425" bIns="91425" anchor="t" anchorCtr="0">
             <a:noAutofit/>
           </a:bodyPr>
           <a:lstStyle>
-            <a:lvl1pPr indent="-304800" lvl="0" marL="457200">
+            <a:lvl1pPr marL="457200" lvl="0" indent="-304800">
               <a:spcBef>
                 <a:spcPts val="0"/>
               </a:spcBef>
@@ -3480,7 +3585,7 @@
               <a:buChar char="●"/>
               <a:defRPr sz="1200"/>
             </a:lvl1pPr>
-            <a:lvl2pPr indent="-304800" lvl="1" marL="914400">
+            <a:lvl2pPr marL="914400" lvl="1" indent="-304800">
               <a:spcBef>
                 <a:spcPts val="1600"/>
               </a:spcBef>
@@ -3491,7 +3596,7 @@
               <a:buChar char="○"/>
               <a:defRPr sz="1200"/>
             </a:lvl2pPr>
-            <a:lvl3pPr indent="-304800" lvl="2" marL="1371600">
+            <a:lvl3pPr marL="1371600" lvl="2" indent="-304800">
               <a:spcBef>
                 <a:spcPts val="1600"/>
               </a:spcBef>
@@ -3502,7 +3607,7 @@
               <a:buChar char="■"/>
               <a:defRPr sz="1200"/>
             </a:lvl3pPr>
-            <a:lvl4pPr indent="-304800" lvl="3" marL="1828800">
+            <a:lvl4pPr marL="1828800" lvl="3" indent="-304800">
               <a:spcBef>
                 <a:spcPts val="1600"/>
               </a:spcBef>
@@ -3513,7 +3618,7 @@
               <a:buChar char="●"/>
               <a:defRPr sz="1200"/>
             </a:lvl4pPr>
-            <a:lvl5pPr indent="-304800" lvl="4" marL="2286000">
+            <a:lvl5pPr marL="2286000" lvl="4" indent="-304800">
               <a:spcBef>
                 <a:spcPts val="1600"/>
               </a:spcBef>
@@ -3524,7 +3629,7 @@
               <a:buChar char="○"/>
               <a:defRPr sz="1200"/>
             </a:lvl5pPr>
-            <a:lvl6pPr indent="-304800" lvl="5" marL="2743200">
+            <a:lvl6pPr marL="2743200" lvl="5" indent="-304800">
               <a:spcBef>
                 <a:spcPts val="1600"/>
               </a:spcBef>
@@ -3535,7 +3640,7 @@
               <a:buChar char="■"/>
               <a:defRPr sz="1200"/>
             </a:lvl6pPr>
-            <a:lvl7pPr indent="-304800" lvl="6" marL="3200400">
+            <a:lvl7pPr marL="3200400" lvl="6" indent="-304800">
               <a:spcBef>
                 <a:spcPts val="1600"/>
               </a:spcBef>
@@ -3546,7 +3651,7 @@
               <a:buChar char="●"/>
               <a:defRPr sz="1200"/>
             </a:lvl7pPr>
-            <a:lvl8pPr indent="-304800" lvl="7" marL="3657600">
+            <a:lvl8pPr marL="3657600" lvl="7" indent="-304800">
               <a:spcBef>
                 <a:spcPts val="1600"/>
               </a:spcBef>
@@ -3557,7 +3662,7 @@
               <a:buChar char="○"/>
               <a:defRPr sz="1200"/>
             </a:lvl8pPr>
-            <a:lvl9pPr indent="-304800" lvl="8" marL="4114800">
+            <a:lvl9pPr marL="4114800" lvl="8" indent="-304800">
               <a:spcBef>
                 <a:spcPts val="1600"/>
               </a:spcBef>
@@ -3569,15 +3674,19 @@
               <a:defRPr sz="1200"/>
             </a:lvl9pPr>
           </a:lstStyle>
-          <a:p/>
+          <a:p>
+            <a:endParaRPr/>
+          </a:p>
         </p:txBody>
       </p:sp>
       <p:sp>
         <p:nvSpPr>
           <p:cNvPr id="31" name="Google Shape;31;p7"/>
-          <p:cNvSpPr txBox="1"/>
+          <p:cNvSpPr txBox="1">
+            <a:spLocks noGrp="1"/>
+          </p:cNvSpPr>
           <p:nvPr>
-            <p:ph idx="12" type="sldNum"/>
+            <p:ph type="sldNum" idx="12"/>
           </p:nvPr>
         </p:nvSpPr>
         <p:spPr>
@@ -3590,7 +3699,7 @@
           </a:prstGeom>
         </p:spPr>
         <p:txBody>
-          <a:bodyPr anchorCtr="0" anchor="ctr" bIns="91425" lIns="91425" spcFirstLastPara="1" rIns="91425" wrap="square" tIns="91425">
+          <a:bodyPr spcFirstLastPara="1" wrap="square" lIns="91425" tIns="91425" rIns="91425" bIns="91425" anchor="ctr" anchorCtr="0">
             <a:noAutofit/>
           </a:bodyPr>
           <a:lstStyle>
@@ -3632,7 +3741,7 @@
             </a:lvl9pPr>
           </a:lstStyle>
           <a:p>
-            <a:pPr indent="0" lvl="0" marL="0" rtl="0" algn="r">
+            <a:pPr marL="0" lvl="0" indent="0" algn="r" rtl="0">
               <a:spcBef>
                 <a:spcPts val="0"/>
               </a:spcBef>
@@ -3658,11 +3767,11 @@
 </file>
 
 <file path=ppt/slideLayouts/slideLayout7.xml><?xml version="1.0" encoding="utf-8"?>
-<p:sldLayout xmlns:a="http://schemas.openxmlformats.org/drawingml/2006/main" xmlns:r="http://schemas.openxmlformats.org/officeDocument/2006/relationships" xmlns:mc="http://schemas.openxmlformats.org/markup-compatibility/2006" xmlns:mv="urn:schemas-microsoft-com:mac:vml" xmlns:p="http://schemas.openxmlformats.org/presentationml/2006/main" xmlns:c="http://schemas.openxmlformats.org/drawingml/2006/chart" xmlns:dgm="http://schemas.openxmlformats.org/drawingml/2006/diagram" xmlns:o="urn:schemas-microsoft-com:office:office" xmlns:v="urn:schemas-microsoft-com:vml" xmlns:pvml="urn:schemas-microsoft-com:office:powerpoint" xmlns:com="http://schemas.openxmlformats.org/drawingml/2006/compatibility" xmlns:p14="http://schemas.microsoft.com/office/powerpoint/2010/main" xmlns:p15="http://schemas.microsoft.com/office/powerpoint/2012/main" matchingName="Main point">
+<p:sldLayout xmlns:a="http://schemas.openxmlformats.org/drawingml/2006/main" xmlns:r="http://schemas.openxmlformats.org/officeDocument/2006/relationships" xmlns:p="http://schemas.openxmlformats.org/presentationml/2006/main" matchingName="Main point">
   <p:cSld name="MAIN_POINT">
     <p:spTree>
       <p:nvGrpSpPr>
-        <p:cNvPr id="32" name="Shape 32"/>
+        <p:cNvPr id="1" name="Shape 32"/>
         <p:cNvGrpSpPr/>
         <p:nvPr/>
       </p:nvGrpSpPr>
@@ -3677,7 +3786,9 @@
       <p:sp>
         <p:nvSpPr>
           <p:cNvPr id="33" name="Google Shape;33;p8"/>
-          <p:cNvSpPr txBox="1"/>
+          <p:cNvSpPr txBox="1">
+            <a:spLocks noGrp="1"/>
+          </p:cNvSpPr>
           <p:nvPr>
             <p:ph type="title"/>
           </p:nvPr>
@@ -3692,7 +3803,7 @@
           </a:prstGeom>
         </p:spPr>
         <p:txBody>
-          <a:bodyPr anchorCtr="0" anchor="ctr" bIns="91425" lIns="91425" spcFirstLastPara="1" rIns="91425" wrap="square" tIns="91425">
+          <a:bodyPr spcFirstLastPara="1" wrap="square" lIns="91425" tIns="91425" rIns="91425" bIns="91425" anchor="ctr" anchorCtr="0">
             <a:noAutofit/>
           </a:bodyPr>
           <a:lstStyle>
@@ -3796,15 +3907,19 @@
               <a:defRPr sz="4800"/>
             </a:lvl9pPr>
           </a:lstStyle>
-          <a:p/>
+          <a:p>
+            <a:endParaRPr/>
+          </a:p>
         </p:txBody>
       </p:sp>
       <p:sp>
         <p:nvSpPr>
           <p:cNvPr id="34" name="Google Shape;34;p8"/>
-          <p:cNvSpPr txBox="1"/>
+          <p:cNvSpPr txBox="1">
+            <a:spLocks noGrp="1"/>
+          </p:cNvSpPr>
           <p:nvPr>
-            <p:ph idx="12" type="sldNum"/>
+            <p:ph type="sldNum" idx="12"/>
           </p:nvPr>
         </p:nvSpPr>
         <p:spPr>
@@ -3817,7 +3932,7 @@
           </a:prstGeom>
         </p:spPr>
         <p:txBody>
-          <a:bodyPr anchorCtr="0" anchor="ctr" bIns="91425" lIns="91425" spcFirstLastPara="1" rIns="91425" wrap="square" tIns="91425">
+          <a:bodyPr spcFirstLastPara="1" wrap="square" lIns="91425" tIns="91425" rIns="91425" bIns="91425" anchor="ctr" anchorCtr="0">
             <a:noAutofit/>
           </a:bodyPr>
           <a:lstStyle>
@@ -3859,7 +3974,7 @@
             </a:lvl9pPr>
           </a:lstStyle>
           <a:p>
-            <a:pPr indent="0" lvl="0" marL="0" rtl="0" algn="r">
+            <a:pPr marL="0" lvl="0" indent="0" algn="r" rtl="0">
               <a:spcBef>
                 <a:spcPts val="0"/>
               </a:spcBef>
@@ -3885,11 +4000,11 @@
 </file>
 
 <file path=ppt/slideLayouts/slideLayout8.xml><?xml version="1.0" encoding="utf-8"?>
-<p:sldLayout xmlns:a="http://schemas.openxmlformats.org/drawingml/2006/main" xmlns:r="http://schemas.openxmlformats.org/officeDocument/2006/relationships" xmlns:mc="http://schemas.openxmlformats.org/markup-compatibility/2006" xmlns:mv="urn:schemas-microsoft-com:mac:vml" xmlns:p="http://schemas.openxmlformats.org/presentationml/2006/main" xmlns:c="http://schemas.openxmlformats.org/drawingml/2006/chart" xmlns:dgm="http://schemas.openxmlformats.org/drawingml/2006/diagram" xmlns:o="urn:schemas-microsoft-com:office:office" xmlns:v="urn:schemas-microsoft-com:vml" xmlns:pvml="urn:schemas-microsoft-com:office:powerpoint" xmlns:com="http://schemas.openxmlformats.org/drawingml/2006/compatibility" xmlns:p14="http://schemas.microsoft.com/office/powerpoint/2010/main" xmlns:p15="http://schemas.microsoft.com/office/powerpoint/2012/main" matchingName="Section title and description">
+<p:sldLayout xmlns:a="http://schemas.openxmlformats.org/drawingml/2006/main" xmlns:r="http://schemas.openxmlformats.org/officeDocument/2006/relationships" xmlns:p="http://schemas.openxmlformats.org/presentationml/2006/main" matchingName="Section title and description">
   <p:cSld name="SECTION_TITLE_AND_DESCRIPTION">
     <p:spTree>
       <p:nvGrpSpPr>
-        <p:cNvPr id="35" name="Shape 35"/>
+        <p:cNvPr id="1" name="Shape 35"/>
         <p:cNvGrpSpPr/>
         <p:nvPr/>
       </p:nvGrpSpPr>
@@ -3923,12 +4038,12 @@
           </a:ln>
         </p:spPr>
         <p:txBody>
-          <a:bodyPr anchorCtr="0" anchor="ctr" bIns="91425" lIns="91425" spcFirstLastPara="1" rIns="91425" wrap="square" tIns="91425">
+          <a:bodyPr spcFirstLastPara="1" wrap="square" lIns="91425" tIns="91425" rIns="91425" bIns="91425" anchor="ctr" anchorCtr="0">
             <a:noAutofit/>
           </a:bodyPr>
           <a:lstStyle/>
           <a:p>
-            <a:pPr indent="0" lvl="0" marL="0" rtl="0" algn="l">
+            <a:pPr marL="0" lvl="0" indent="0" algn="l" rtl="0">
               <a:spcBef>
                 <a:spcPts val="0"/>
               </a:spcBef>
@@ -3937,9 +4052,6 @@
               </a:spcAft>
               <a:buNone/>
             </a:pPr>
-            <a:r>
-              <a:t/>
-            </a:r>
             <a:endParaRPr/>
           </a:p>
         </p:txBody>
@@ -3947,7 +4059,9 @@
       <p:sp>
         <p:nvSpPr>
           <p:cNvPr id="37" name="Google Shape;37;p9"/>
-          <p:cNvSpPr txBox="1"/>
+          <p:cNvSpPr txBox="1">
+            <a:spLocks noGrp="1"/>
+          </p:cNvSpPr>
           <p:nvPr>
             <p:ph type="title"/>
           </p:nvPr>
@@ -3962,7 +4076,7 @@
           </a:prstGeom>
         </p:spPr>
         <p:txBody>
-          <a:bodyPr anchorCtr="0" anchor="b" bIns="91425" lIns="91425" spcFirstLastPara="1" rIns="91425" wrap="square" tIns="91425">
+          <a:bodyPr spcFirstLastPara="1" wrap="square" lIns="91425" tIns="91425" rIns="91425" bIns="91425" anchor="b" anchorCtr="0">
             <a:noAutofit/>
           </a:bodyPr>
           <a:lstStyle>
@@ -4066,15 +4180,19 @@
               <a:defRPr sz="4200"/>
             </a:lvl9pPr>
           </a:lstStyle>
-          <a:p/>
+          <a:p>
+            <a:endParaRPr/>
+          </a:p>
         </p:txBody>
       </p:sp>
       <p:sp>
         <p:nvSpPr>
           <p:cNvPr id="38" name="Google Shape;38;p9"/>
-          <p:cNvSpPr txBox="1"/>
+          <p:cNvSpPr txBox="1">
+            <a:spLocks noGrp="1"/>
+          </p:cNvSpPr>
           <p:nvPr>
-            <p:ph idx="1" type="subTitle"/>
+            <p:ph type="subTitle" idx="1"/>
           </p:nvPr>
         </p:nvSpPr>
         <p:spPr>
@@ -4087,7 +4205,7 @@
           </a:prstGeom>
         </p:spPr>
         <p:txBody>
-          <a:bodyPr anchorCtr="0" anchor="t" bIns="91425" lIns="91425" spcFirstLastPara="1" rIns="91425" wrap="square" tIns="91425">
+          <a:bodyPr spcFirstLastPara="1" wrap="square" lIns="91425" tIns="91425" rIns="91425" bIns="91425" anchor="t" anchorCtr="0">
             <a:noAutofit/>
           </a:bodyPr>
           <a:lstStyle>
@@ -4218,15 +4336,19 @@
               <a:defRPr sz="2100"/>
             </a:lvl9pPr>
           </a:lstStyle>
-          <a:p/>
+          <a:p>
+            <a:endParaRPr/>
+          </a:p>
         </p:txBody>
       </p:sp>
       <p:sp>
         <p:nvSpPr>
           <p:cNvPr id="39" name="Google Shape;39;p9"/>
-          <p:cNvSpPr txBox="1"/>
+          <p:cNvSpPr txBox="1">
+            <a:spLocks noGrp="1"/>
+          </p:cNvSpPr>
           <p:nvPr>
-            <p:ph idx="2" type="body"/>
+            <p:ph type="body" idx="2"/>
           </p:nvPr>
         </p:nvSpPr>
         <p:spPr>
@@ -4239,11 +4361,11 @@
           </a:prstGeom>
         </p:spPr>
         <p:txBody>
-          <a:bodyPr anchorCtr="0" anchor="ctr" bIns="91425" lIns="91425" spcFirstLastPara="1" rIns="91425" wrap="square" tIns="91425">
+          <a:bodyPr spcFirstLastPara="1" wrap="square" lIns="91425" tIns="91425" rIns="91425" bIns="91425" anchor="ctr" anchorCtr="0">
             <a:noAutofit/>
           </a:bodyPr>
           <a:lstStyle>
-            <a:lvl1pPr indent="-342900" lvl="0" marL="457200">
+            <a:lvl1pPr marL="457200" lvl="0" indent="-342900">
               <a:spcBef>
                 <a:spcPts val="0"/>
               </a:spcBef>
@@ -4254,7 +4376,7 @@
               <a:buChar char="●"/>
               <a:defRPr/>
             </a:lvl1pPr>
-            <a:lvl2pPr indent="-317500" lvl="1" marL="914400">
+            <a:lvl2pPr marL="914400" lvl="1" indent="-317500">
               <a:spcBef>
                 <a:spcPts val="1600"/>
               </a:spcBef>
@@ -4265,7 +4387,7 @@
               <a:buChar char="○"/>
               <a:defRPr/>
             </a:lvl2pPr>
-            <a:lvl3pPr indent="-317500" lvl="2" marL="1371600">
+            <a:lvl3pPr marL="1371600" lvl="2" indent="-317500">
               <a:spcBef>
                 <a:spcPts val="1600"/>
               </a:spcBef>
@@ -4276,7 +4398,7 @@
               <a:buChar char="■"/>
               <a:defRPr/>
             </a:lvl3pPr>
-            <a:lvl4pPr indent="-317500" lvl="3" marL="1828800">
+            <a:lvl4pPr marL="1828800" lvl="3" indent="-317500">
               <a:spcBef>
                 <a:spcPts val="1600"/>
               </a:spcBef>
@@ -4287,7 +4409,7 @@
               <a:buChar char="●"/>
               <a:defRPr/>
             </a:lvl4pPr>
-            <a:lvl5pPr indent="-317500" lvl="4" marL="2286000">
+            <a:lvl5pPr marL="2286000" lvl="4" indent="-317500">
               <a:spcBef>
                 <a:spcPts val="1600"/>
               </a:spcBef>
@@ -4298,7 +4420,7 @@
               <a:buChar char="○"/>
               <a:defRPr/>
             </a:lvl5pPr>
-            <a:lvl6pPr indent="-317500" lvl="5" marL="2743200">
+            <a:lvl6pPr marL="2743200" lvl="5" indent="-317500">
               <a:spcBef>
                 <a:spcPts val="1600"/>
               </a:spcBef>
@@ -4309,7 +4431,7 @@
               <a:buChar char="■"/>
               <a:defRPr/>
             </a:lvl6pPr>
-            <a:lvl7pPr indent="-317500" lvl="6" marL="3200400">
+            <a:lvl7pPr marL="3200400" lvl="6" indent="-317500">
               <a:spcBef>
                 <a:spcPts val="1600"/>
               </a:spcBef>
@@ -4320,7 +4442,7 @@
               <a:buChar char="●"/>
               <a:defRPr/>
             </a:lvl7pPr>
-            <a:lvl8pPr indent="-317500" lvl="7" marL="3657600">
+            <a:lvl8pPr marL="3657600" lvl="7" indent="-317500">
               <a:spcBef>
                 <a:spcPts val="1600"/>
               </a:spcBef>
@@ -4331,7 +4453,7 @@
               <a:buChar char="○"/>
               <a:defRPr/>
             </a:lvl8pPr>
-            <a:lvl9pPr indent="-317500" lvl="8" marL="4114800">
+            <a:lvl9pPr marL="4114800" lvl="8" indent="-317500">
               <a:spcBef>
                 <a:spcPts val="1600"/>
               </a:spcBef>
@@ -4343,15 +4465,19 @@
               <a:defRPr/>
             </a:lvl9pPr>
           </a:lstStyle>
-          <a:p/>
+          <a:p>
+            <a:endParaRPr/>
+          </a:p>
         </p:txBody>
       </p:sp>
       <p:sp>
         <p:nvSpPr>
           <p:cNvPr id="40" name="Google Shape;40;p9"/>
-          <p:cNvSpPr txBox="1"/>
+          <p:cNvSpPr txBox="1">
+            <a:spLocks noGrp="1"/>
+          </p:cNvSpPr>
           <p:nvPr>
-            <p:ph idx="12" type="sldNum"/>
+            <p:ph type="sldNum" idx="12"/>
           </p:nvPr>
         </p:nvSpPr>
         <p:spPr>
@@ -4364,7 +4490,7 @@
           </a:prstGeom>
         </p:spPr>
         <p:txBody>
-          <a:bodyPr anchorCtr="0" anchor="ctr" bIns="91425" lIns="91425" spcFirstLastPara="1" rIns="91425" wrap="square" tIns="91425">
+          <a:bodyPr spcFirstLastPara="1" wrap="square" lIns="91425" tIns="91425" rIns="91425" bIns="91425" anchor="ctr" anchorCtr="0">
             <a:noAutofit/>
           </a:bodyPr>
           <a:lstStyle>
@@ -4406,7 +4532,7 @@
             </a:lvl9pPr>
           </a:lstStyle>
           <a:p>
-            <a:pPr indent="0" lvl="0" marL="0" rtl="0" algn="r">
+            <a:pPr marL="0" lvl="0" indent="0" algn="r" rtl="0">
               <a:spcBef>
                 <a:spcPts val="0"/>
               </a:spcBef>
@@ -4432,11 +4558,11 @@
 </file>
 
 <file path=ppt/slideLayouts/slideLayout9.xml><?xml version="1.0" encoding="utf-8"?>
-<p:sldLayout xmlns:a="http://schemas.openxmlformats.org/drawingml/2006/main" xmlns:r="http://schemas.openxmlformats.org/officeDocument/2006/relationships" xmlns:mc="http://schemas.openxmlformats.org/markup-compatibility/2006" xmlns:mv="urn:schemas-microsoft-com:mac:vml" xmlns:p="http://schemas.openxmlformats.org/presentationml/2006/main" xmlns:c="http://schemas.openxmlformats.org/drawingml/2006/chart" xmlns:dgm="http://schemas.openxmlformats.org/drawingml/2006/diagram" xmlns:o="urn:schemas-microsoft-com:office:office" xmlns:v="urn:schemas-microsoft-com:vml" xmlns:pvml="urn:schemas-microsoft-com:office:powerpoint" xmlns:com="http://schemas.openxmlformats.org/drawingml/2006/compatibility" xmlns:p14="http://schemas.microsoft.com/office/powerpoint/2010/main" xmlns:p15="http://schemas.microsoft.com/office/powerpoint/2012/main" matchingName="Caption">
+<p:sldLayout xmlns:a="http://schemas.openxmlformats.org/drawingml/2006/main" xmlns:r="http://schemas.openxmlformats.org/officeDocument/2006/relationships" xmlns:p="http://schemas.openxmlformats.org/presentationml/2006/main" matchingName="Caption">
   <p:cSld name="CAPTION_ONLY">
     <p:spTree>
       <p:nvGrpSpPr>
-        <p:cNvPr id="41" name="Shape 41"/>
+        <p:cNvPr id="1" name="Shape 41"/>
         <p:cNvGrpSpPr/>
         <p:nvPr/>
       </p:nvGrpSpPr>
@@ -4451,9 +4577,11 @@
       <p:sp>
         <p:nvSpPr>
           <p:cNvPr id="42" name="Google Shape;42;p10"/>
-          <p:cNvSpPr txBox="1"/>
+          <p:cNvSpPr txBox="1">
+            <a:spLocks noGrp="1"/>
+          </p:cNvSpPr>
           <p:nvPr>
-            <p:ph idx="1" type="body"/>
+            <p:ph type="body" idx="1"/>
           </p:nvPr>
         </p:nvSpPr>
         <p:spPr>
@@ -4466,11 +4594,11 @@
           </a:prstGeom>
         </p:spPr>
         <p:txBody>
-          <a:bodyPr anchorCtr="0" anchor="ctr" bIns="91425" lIns="91425" spcFirstLastPara="1" rIns="91425" wrap="square" tIns="91425">
+          <a:bodyPr spcFirstLastPara="1" wrap="square" lIns="91425" tIns="91425" rIns="91425" bIns="91425" anchor="ctr" anchorCtr="0">
             <a:noAutofit/>
           </a:bodyPr>
           <a:lstStyle>
-            <a:lvl1pPr indent="-228600" lvl="0" marL="457200">
+            <a:lvl1pPr marL="457200" lvl="0" indent="-228600">
               <a:lnSpc>
                 <a:spcPct val="100000"/>
               </a:lnSpc>
@@ -4485,15 +4613,19 @@
               <a:defRPr/>
             </a:lvl1pPr>
           </a:lstStyle>
-          <a:p/>
+          <a:p>
+            <a:endParaRPr/>
+          </a:p>
         </p:txBody>
       </p:sp>
       <p:sp>
         <p:nvSpPr>
           <p:cNvPr id="43" name="Google Shape;43;p10"/>
-          <p:cNvSpPr txBox="1"/>
+          <p:cNvSpPr txBox="1">
+            <a:spLocks noGrp="1"/>
+          </p:cNvSpPr>
           <p:nvPr>
-            <p:ph idx="12" type="sldNum"/>
+            <p:ph type="sldNum" idx="12"/>
           </p:nvPr>
         </p:nvSpPr>
         <p:spPr>
@@ -4506,7 +4638,7 @@
           </a:prstGeom>
         </p:spPr>
         <p:txBody>
-          <a:bodyPr anchorCtr="0" anchor="ctr" bIns="91425" lIns="91425" spcFirstLastPara="1" rIns="91425" wrap="square" tIns="91425">
+          <a:bodyPr spcFirstLastPara="1" wrap="square" lIns="91425" tIns="91425" rIns="91425" bIns="91425" anchor="ctr" anchorCtr="0">
             <a:noAutofit/>
           </a:bodyPr>
           <a:lstStyle>
@@ -4548,7 +4680,7 @@
             </a:lvl9pPr>
           </a:lstStyle>
           <a:p>
-            <a:pPr indent="0" lvl="0" marL="0" rtl="0" algn="r">
+            <a:pPr marL="0" lvl="0" indent="0" algn="r" rtl="0">
               <a:spcBef>
                 <a:spcPts val="0"/>
               </a:spcBef>
@@ -4574,18 +4706,19 @@
 </file>
 
 <file path=ppt/slideMasters/slideMaster1.xml><?xml version="1.0" encoding="utf-8"?>
-<p:sldMaster xmlns:a="http://schemas.openxmlformats.org/drawingml/2006/main" xmlns:r="http://schemas.openxmlformats.org/officeDocument/2006/relationships" xmlns:mc="http://schemas.openxmlformats.org/markup-compatibility/2006" xmlns:mv="urn:schemas-microsoft-com:mac:vml" xmlns:p="http://schemas.openxmlformats.org/presentationml/2006/main" xmlns:c="http://schemas.openxmlformats.org/drawingml/2006/chart" xmlns:dgm="http://schemas.openxmlformats.org/drawingml/2006/diagram" xmlns:o="urn:schemas-microsoft-com:office:office" xmlns:v="urn:schemas-microsoft-com:vml" xmlns:pvml="urn:schemas-microsoft-com:office:powerpoint" xmlns:com="http://schemas.openxmlformats.org/drawingml/2006/compatibility" xmlns:p14="http://schemas.microsoft.com/office/powerpoint/2010/main" xmlns:p15="http://schemas.microsoft.com/office/powerpoint/2012/main">
+<p:sldMaster xmlns:a="http://schemas.openxmlformats.org/drawingml/2006/main" xmlns:r="http://schemas.openxmlformats.org/officeDocument/2006/relationships" xmlns:p="http://schemas.openxmlformats.org/presentationml/2006/main">
   <p:cSld name="simple-light-2">
     <p:bg>
       <p:bgPr>
         <a:solidFill>
           <a:schemeClr val="lt1"/>
         </a:solidFill>
+        <a:effectLst/>
       </p:bgPr>
     </p:bg>
     <p:spTree>
       <p:nvGrpSpPr>
-        <p:cNvPr id="5" name="Shape 5"/>
+        <p:cNvPr id="1" name="Shape 5"/>
         <p:cNvGrpSpPr/>
         <p:nvPr/>
       </p:nvGrpSpPr>
@@ -4600,7 +4733,9 @@
       <p:sp>
         <p:nvSpPr>
           <p:cNvPr id="6" name="Google Shape;6;p1"/>
-          <p:cNvSpPr txBox="1"/>
+          <p:cNvSpPr txBox="1">
+            <a:spLocks noGrp="1"/>
+          </p:cNvSpPr>
           <p:nvPr>
             <p:ph type="title"/>
           </p:nvPr>
@@ -4619,7 +4754,7 @@
           </a:ln>
         </p:spPr>
         <p:txBody>
-          <a:bodyPr anchorCtr="0" anchor="t" bIns="91425" lIns="91425" spcFirstLastPara="1" rIns="91425" wrap="square" tIns="91425">
+          <a:bodyPr spcFirstLastPara="1" wrap="square" lIns="91425" tIns="91425" rIns="91425" bIns="91425" anchor="t" anchorCtr="0">
             <a:noAutofit/>
           </a:bodyPr>
           <a:lstStyle>
@@ -4786,15 +4921,19 @@
               </a:defRPr>
             </a:lvl9pPr>
           </a:lstStyle>
-          <a:p/>
+          <a:p>
+            <a:endParaRPr/>
+          </a:p>
         </p:txBody>
       </p:sp>
       <p:sp>
         <p:nvSpPr>
           <p:cNvPr id="7" name="Google Shape;7;p1"/>
-          <p:cNvSpPr txBox="1"/>
+          <p:cNvSpPr txBox="1">
+            <a:spLocks noGrp="1"/>
+          </p:cNvSpPr>
           <p:nvPr>
-            <p:ph idx="1" type="body"/>
+            <p:ph type="body" idx="1"/>
           </p:nvPr>
         </p:nvSpPr>
         <p:spPr>
@@ -4811,11 +4950,11 @@
           </a:ln>
         </p:spPr>
         <p:txBody>
-          <a:bodyPr anchorCtr="0" anchor="t" bIns="91425" lIns="91425" spcFirstLastPara="1" rIns="91425" wrap="square" tIns="91425">
+          <a:bodyPr spcFirstLastPara="1" wrap="square" lIns="91425" tIns="91425" rIns="91425" bIns="91425" anchor="t" anchorCtr="0">
             <a:noAutofit/>
           </a:bodyPr>
           <a:lstStyle>
-            <a:lvl1pPr indent="-342900" lvl="0" marL="457200">
+            <a:lvl1pPr marL="457200" lvl="0" indent="-342900">
               <a:lnSpc>
                 <a:spcPct val="115000"/>
               </a:lnSpc>
@@ -4836,7 +4975,7 @@
                 </a:solidFill>
               </a:defRPr>
             </a:lvl1pPr>
-            <a:lvl2pPr indent="-317500" lvl="1" marL="914400">
+            <a:lvl2pPr marL="914400" lvl="1" indent="-317500">
               <a:lnSpc>
                 <a:spcPct val="115000"/>
               </a:lnSpc>
@@ -4857,7 +4996,7 @@
                 </a:solidFill>
               </a:defRPr>
             </a:lvl2pPr>
-            <a:lvl3pPr indent="-317500" lvl="2" marL="1371600">
+            <a:lvl3pPr marL="1371600" lvl="2" indent="-317500">
               <a:lnSpc>
                 <a:spcPct val="115000"/>
               </a:lnSpc>
@@ -4878,7 +5017,7 @@
                 </a:solidFill>
               </a:defRPr>
             </a:lvl3pPr>
-            <a:lvl4pPr indent="-317500" lvl="3" marL="1828800">
+            <a:lvl4pPr marL="1828800" lvl="3" indent="-317500">
               <a:lnSpc>
                 <a:spcPct val="115000"/>
               </a:lnSpc>
@@ -4899,7 +5038,7 @@
                 </a:solidFill>
               </a:defRPr>
             </a:lvl4pPr>
-            <a:lvl5pPr indent="-317500" lvl="4" marL="2286000">
+            <a:lvl5pPr marL="2286000" lvl="4" indent="-317500">
               <a:lnSpc>
                 <a:spcPct val="115000"/>
               </a:lnSpc>
@@ -4920,7 +5059,7 @@
                 </a:solidFill>
               </a:defRPr>
             </a:lvl5pPr>
-            <a:lvl6pPr indent="-317500" lvl="5" marL="2743200">
+            <a:lvl6pPr marL="2743200" lvl="5" indent="-317500">
               <a:lnSpc>
                 <a:spcPct val="115000"/>
               </a:lnSpc>
@@ -4941,7 +5080,7 @@
                 </a:solidFill>
               </a:defRPr>
             </a:lvl6pPr>
-            <a:lvl7pPr indent="-317500" lvl="6" marL="3200400">
+            <a:lvl7pPr marL="3200400" lvl="6" indent="-317500">
               <a:lnSpc>
                 <a:spcPct val="115000"/>
               </a:lnSpc>
@@ -4962,7 +5101,7 @@
                 </a:solidFill>
               </a:defRPr>
             </a:lvl7pPr>
-            <a:lvl8pPr indent="-317500" lvl="7" marL="3657600">
+            <a:lvl8pPr marL="3657600" lvl="7" indent="-317500">
               <a:lnSpc>
                 <a:spcPct val="115000"/>
               </a:lnSpc>
@@ -4983,7 +5122,7 @@
                 </a:solidFill>
               </a:defRPr>
             </a:lvl8pPr>
-            <a:lvl9pPr indent="-317500" lvl="8" marL="4114800">
+            <a:lvl9pPr marL="4114800" lvl="8" indent="-317500">
               <a:lnSpc>
                 <a:spcPct val="115000"/>
               </a:lnSpc>
@@ -5005,15 +5144,19 @@
               </a:defRPr>
             </a:lvl9pPr>
           </a:lstStyle>
-          <a:p/>
+          <a:p>
+            <a:endParaRPr/>
+          </a:p>
         </p:txBody>
       </p:sp>
       <p:sp>
         <p:nvSpPr>
           <p:cNvPr id="8" name="Google Shape;8;p1"/>
-          <p:cNvSpPr txBox="1"/>
+          <p:cNvSpPr txBox="1">
+            <a:spLocks noGrp="1"/>
+          </p:cNvSpPr>
           <p:nvPr>
-            <p:ph idx="12" type="sldNum"/>
+            <p:ph type="sldNum" idx="12"/>
           </p:nvPr>
         </p:nvSpPr>
         <p:spPr>
@@ -5030,7 +5173,7 @@
           </a:ln>
         </p:spPr>
         <p:txBody>
-          <a:bodyPr anchorCtr="0" anchor="ctr" bIns="91425" lIns="91425" spcFirstLastPara="1" rIns="91425" wrap="square" tIns="91425">
+          <a:bodyPr spcFirstLastPara="1" wrap="square" lIns="91425" tIns="91425" rIns="91425" bIns="91425" anchor="ctr" anchorCtr="0">
             <a:noAutofit/>
           </a:bodyPr>
           <a:lstStyle>
@@ -5108,7 +5251,7 @@
             </a:lvl9pPr>
           </a:lstStyle>
           <a:p>
-            <a:pPr indent="0" lvl="0" marL="0" rtl="0" algn="r">
+            <a:pPr marL="0" lvl="0" indent="0" algn="r" rtl="0">
               <a:spcBef>
                 <a:spcPts val="0"/>
               </a:spcBef>
@@ -5127,7 +5270,7 @@
       </p:sp>
     </p:spTree>
   </p:cSld>
-  <p:clrMap accent1="accent1" accent2="accent2" accent3="accent3" accent4="accent4" accent5="accent5" accent6="accent6" bg1="lt1" bg2="dk2" tx1="dk1" tx2="lt2" folHlink="folHlink" hlink="hlink"/>
+  <p:clrMap bg1="lt1" tx1="dk1" bg2="dk2" tx2="lt2" accent1="accent1" accent2="accent2" accent3="accent3" accent4="accent4" accent5="accent5" accent6="accent6" hlink="hlink" folHlink="folHlink"/>
   <p:sldLayoutIdLst>
     <p:sldLayoutId id="2147483648" r:id="rId1"/>
     <p:sldLayoutId id="2147483649" r:id="rId2"/>
@@ -5141,10 +5284,10 @@
     <p:sldLayoutId id="2147483657" r:id="rId10"/>
     <p:sldLayoutId id="2147483658" r:id="rId11"/>
   </p:sldLayoutIdLst>
-  <p:hf dt="0" ftr="0" hdr="0" sldNum="0"/>
+  <p:hf sldNum="0" hdr="0" ftr="0" dt="0"/>
   <p:txStyles>
     <p:titleStyle>
-      <a:defPPr lvl="0" marR="0" rtl="0" algn="l">
+      <a:defPPr marR="0" lvl="0" algn="l" rtl="0">
         <a:lnSpc>
           <a:spcPct val="100000"/>
         </a:lnSpc>
@@ -5155,7 +5298,7 @@
           <a:spcPts val="0"/>
         </a:spcAft>
       </a:defPPr>
-      <a:lvl1pPr lvl="0" marR="0" rtl="0" algn="l">
+      <a:lvl1pPr marR="0" lvl="0" algn="l" rtl="0">
         <a:lnSpc>
           <a:spcPct val="100000"/>
         </a:lnSpc>
@@ -5169,7 +5312,7 @@
           <a:srgbClr val="000000"/>
         </a:buClr>
         <a:buFont typeface="Arial"/>
-        <a:defRPr b="0" i="0" sz="1400" u="none" cap="none" strike="noStrike">
+        <a:defRPr sz="1400" b="0" i="0" u="none" strike="noStrike" cap="none">
           <a:solidFill>
             <a:srgbClr val="000000"/>
           </a:solidFill>
@@ -5179,7 +5322,7 @@
           <a:sym typeface="Arial"/>
         </a:defRPr>
       </a:lvl1pPr>
-      <a:lvl2pPr lvl="1" marR="0" rtl="0" algn="l">
+      <a:lvl2pPr marR="0" lvl="1" algn="l" rtl="0">
         <a:lnSpc>
           <a:spcPct val="100000"/>
         </a:lnSpc>
@@ -5193,7 +5336,7 @@
           <a:srgbClr val="000000"/>
         </a:buClr>
         <a:buFont typeface="Arial"/>
-        <a:defRPr b="0" i="0" sz="1400" u="none" cap="none" strike="noStrike">
+        <a:defRPr sz="1400" b="0" i="0" u="none" strike="noStrike" cap="none">
           <a:solidFill>
             <a:srgbClr val="000000"/>
           </a:solidFill>
@@ -5203,7 +5346,7 @@
           <a:sym typeface="Arial"/>
         </a:defRPr>
       </a:lvl2pPr>
-      <a:lvl3pPr lvl="2" marR="0" rtl="0" algn="l">
+      <a:lvl3pPr marR="0" lvl="2" algn="l" rtl="0">
         <a:lnSpc>
           <a:spcPct val="100000"/>
         </a:lnSpc>
@@ -5217,7 +5360,7 @@
           <a:srgbClr val="000000"/>
         </a:buClr>
         <a:buFont typeface="Arial"/>
-        <a:defRPr b="0" i="0" sz="1400" u="none" cap="none" strike="noStrike">
+        <a:defRPr sz="1400" b="0" i="0" u="none" strike="noStrike" cap="none">
           <a:solidFill>
             <a:srgbClr val="000000"/>
           </a:solidFill>
@@ -5227,7 +5370,7 @@
           <a:sym typeface="Arial"/>
         </a:defRPr>
       </a:lvl3pPr>
-      <a:lvl4pPr lvl="3" marR="0" rtl="0" algn="l">
+      <a:lvl4pPr marR="0" lvl="3" algn="l" rtl="0">
         <a:lnSpc>
           <a:spcPct val="100000"/>
         </a:lnSpc>
@@ -5241,7 +5384,7 @@
           <a:srgbClr val="000000"/>
         </a:buClr>
         <a:buFont typeface="Arial"/>
-        <a:defRPr b="0" i="0" sz="1400" u="none" cap="none" strike="noStrike">
+        <a:defRPr sz="1400" b="0" i="0" u="none" strike="noStrike" cap="none">
           <a:solidFill>
             <a:srgbClr val="000000"/>
           </a:solidFill>
@@ -5251,7 +5394,7 @@
           <a:sym typeface="Arial"/>
         </a:defRPr>
       </a:lvl4pPr>
-      <a:lvl5pPr lvl="4" marR="0" rtl="0" algn="l">
+      <a:lvl5pPr marR="0" lvl="4" algn="l" rtl="0">
         <a:lnSpc>
           <a:spcPct val="100000"/>
         </a:lnSpc>
@@ -5265,7 +5408,7 @@
           <a:srgbClr val="000000"/>
         </a:buClr>
         <a:buFont typeface="Arial"/>
-        <a:defRPr b="0" i="0" sz="1400" u="none" cap="none" strike="noStrike">
+        <a:defRPr sz="1400" b="0" i="0" u="none" strike="noStrike" cap="none">
           <a:solidFill>
             <a:srgbClr val="000000"/>
           </a:solidFill>
@@ -5275,7 +5418,7 @@
           <a:sym typeface="Arial"/>
         </a:defRPr>
       </a:lvl5pPr>
-      <a:lvl6pPr lvl="5" marR="0" rtl="0" algn="l">
+      <a:lvl6pPr marR="0" lvl="5" algn="l" rtl="0">
         <a:lnSpc>
           <a:spcPct val="100000"/>
         </a:lnSpc>
@@ -5289,7 +5432,7 @@
           <a:srgbClr val="000000"/>
         </a:buClr>
         <a:buFont typeface="Arial"/>
-        <a:defRPr b="0" i="0" sz="1400" u="none" cap="none" strike="noStrike">
+        <a:defRPr sz="1400" b="0" i="0" u="none" strike="noStrike" cap="none">
           <a:solidFill>
             <a:srgbClr val="000000"/>
           </a:solidFill>
@@ -5299,7 +5442,7 @@
           <a:sym typeface="Arial"/>
         </a:defRPr>
       </a:lvl6pPr>
-      <a:lvl7pPr lvl="6" marR="0" rtl="0" algn="l">
+      <a:lvl7pPr marR="0" lvl="6" algn="l" rtl="0">
         <a:lnSpc>
           <a:spcPct val="100000"/>
         </a:lnSpc>
@@ -5313,7 +5456,7 @@
           <a:srgbClr val="000000"/>
         </a:buClr>
         <a:buFont typeface="Arial"/>
-        <a:defRPr b="0" i="0" sz="1400" u="none" cap="none" strike="noStrike">
+        <a:defRPr sz="1400" b="0" i="0" u="none" strike="noStrike" cap="none">
           <a:solidFill>
             <a:srgbClr val="000000"/>
           </a:solidFill>
@@ -5323,7 +5466,7 @@
           <a:sym typeface="Arial"/>
         </a:defRPr>
       </a:lvl7pPr>
-      <a:lvl8pPr lvl="7" marR="0" rtl="0" algn="l">
+      <a:lvl8pPr marR="0" lvl="7" algn="l" rtl="0">
         <a:lnSpc>
           <a:spcPct val="100000"/>
         </a:lnSpc>
@@ -5337,7 +5480,7 @@
           <a:srgbClr val="000000"/>
         </a:buClr>
         <a:buFont typeface="Arial"/>
-        <a:defRPr b="0" i="0" sz="1400" u="none" cap="none" strike="noStrike">
+        <a:defRPr sz="1400" b="0" i="0" u="none" strike="noStrike" cap="none">
           <a:solidFill>
             <a:srgbClr val="000000"/>
           </a:solidFill>
@@ -5347,7 +5490,7 @@
           <a:sym typeface="Arial"/>
         </a:defRPr>
       </a:lvl8pPr>
-      <a:lvl9pPr lvl="8" marR="0" rtl="0" algn="l">
+      <a:lvl9pPr marR="0" lvl="8" algn="l" rtl="0">
         <a:lnSpc>
           <a:spcPct val="100000"/>
         </a:lnSpc>
@@ -5361,7 +5504,7 @@
           <a:srgbClr val="000000"/>
         </a:buClr>
         <a:buFont typeface="Arial"/>
-        <a:defRPr b="0" i="0" sz="1400" u="none" cap="none" strike="noStrike">
+        <a:defRPr sz="1400" b="0" i="0" u="none" strike="noStrike" cap="none">
           <a:solidFill>
             <a:srgbClr val="000000"/>
           </a:solidFill>
@@ -5373,7 +5516,7 @@
       </a:lvl9pPr>
     </p:titleStyle>
     <p:bodyStyle>
-      <a:defPPr lvl="0" marR="0" rtl="0" algn="l">
+      <a:defPPr marR="0" lvl="0" algn="l" rtl="0">
         <a:lnSpc>
           <a:spcPct val="100000"/>
         </a:lnSpc>
@@ -5384,7 +5527,7 @@
           <a:spcPts val="0"/>
         </a:spcAft>
       </a:defPPr>
-      <a:lvl1pPr lvl="0" marR="0" rtl="0" algn="l">
+      <a:lvl1pPr marR="0" lvl="0" algn="l" rtl="0">
         <a:lnSpc>
           <a:spcPct val="100000"/>
         </a:lnSpc>
@@ -5398,7 +5541,7 @@
           <a:srgbClr val="000000"/>
         </a:buClr>
         <a:buFont typeface="Arial"/>
-        <a:defRPr b="0" i="0" sz="1400" u="none" cap="none" strike="noStrike">
+        <a:defRPr sz="1400" b="0" i="0" u="none" strike="noStrike" cap="none">
           <a:solidFill>
             <a:srgbClr val="000000"/>
           </a:solidFill>
@@ -5408,7 +5551,7 @@
           <a:sym typeface="Arial"/>
         </a:defRPr>
       </a:lvl1pPr>
-      <a:lvl2pPr lvl="1" marR="0" rtl="0" algn="l">
+      <a:lvl2pPr marR="0" lvl="1" algn="l" rtl="0">
         <a:lnSpc>
           <a:spcPct val="100000"/>
         </a:lnSpc>
@@ -5422,7 +5565,7 @@
           <a:srgbClr val="000000"/>
         </a:buClr>
         <a:buFont typeface="Arial"/>
-        <a:defRPr b="0" i="0" sz="1400" u="none" cap="none" strike="noStrike">
+        <a:defRPr sz="1400" b="0" i="0" u="none" strike="noStrike" cap="none">
           <a:solidFill>
             <a:srgbClr val="000000"/>
           </a:solidFill>
@@ -5432,7 +5575,7 @@
           <a:sym typeface="Arial"/>
         </a:defRPr>
       </a:lvl2pPr>
-      <a:lvl3pPr lvl="2" marR="0" rtl="0" algn="l">
+      <a:lvl3pPr marR="0" lvl="2" algn="l" rtl="0">
         <a:lnSpc>
           <a:spcPct val="100000"/>
         </a:lnSpc>
@@ -5446,7 +5589,7 @@
           <a:srgbClr val="000000"/>
         </a:buClr>
         <a:buFont typeface="Arial"/>
-        <a:defRPr b="0" i="0" sz="1400" u="none" cap="none" strike="noStrike">
+        <a:defRPr sz="1400" b="0" i="0" u="none" strike="noStrike" cap="none">
           <a:solidFill>
             <a:srgbClr val="000000"/>
           </a:solidFill>
@@ -5456,7 +5599,7 @@
           <a:sym typeface="Arial"/>
         </a:defRPr>
       </a:lvl3pPr>
-      <a:lvl4pPr lvl="3" marR="0" rtl="0" algn="l">
+      <a:lvl4pPr marR="0" lvl="3" algn="l" rtl="0">
         <a:lnSpc>
           <a:spcPct val="100000"/>
         </a:lnSpc>
@@ -5470,7 +5613,7 @@
           <a:srgbClr val="000000"/>
         </a:buClr>
         <a:buFont typeface="Arial"/>
-        <a:defRPr b="0" i="0" sz="1400" u="none" cap="none" strike="noStrike">
+        <a:defRPr sz="1400" b="0" i="0" u="none" strike="noStrike" cap="none">
           <a:solidFill>
             <a:srgbClr val="000000"/>
           </a:solidFill>
@@ -5480,7 +5623,7 @@
           <a:sym typeface="Arial"/>
         </a:defRPr>
       </a:lvl4pPr>
-      <a:lvl5pPr lvl="4" marR="0" rtl="0" algn="l">
+      <a:lvl5pPr marR="0" lvl="4" algn="l" rtl="0">
         <a:lnSpc>
           <a:spcPct val="100000"/>
         </a:lnSpc>
@@ -5494,7 +5637,7 @@
           <a:srgbClr val="000000"/>
         </a:buClr>
         <a:buFont typeface="Arial"/>
-        <a:defRPr b="0" i="0" sz="1400" u="none" cap="none" strike="noStrike">
+        <a:defRPr sz="1400" b="0" i="0" u="none" strike="noStrike" cap="none">
           <a:solidFill>
             <a:srgbClr val="000000"/>
           </a:solidFill>
@@ -5504,7 +5647,7 @@
           <a:sym typeface="Arial"/>
         </a:defRPr>
       </a:lvl5pPr>
-      <a:lvl6pPr lvl="5" marR="0" rtl="0" algn="l">
+      <a:lvl6pPr marR="0" lvl="5" algn="l" rtl="0">
         <a:lnSpc>
           <a:spcPct val="100000"/>
         </a:lnSpc>
@@ -5518,7 +5661,7 @@
           <a:srgbClr val="000000"/>
         </a:buClr>
         <a:buFont typeface="Arial"/>
-        <a:defRPr b="0" i="0" sz="1400" u="none" cap="none" strike="noStrike">
+        <a:defRPr sz="1400" b="0" i="0" u="none" strike="noStrike" cap="none">
           <a:solidFill>
             <a:srgbClr val="000000"/>
           </a:solidFill>
@@ -5528,7 +5671,7 @@
           <a:sym typeface="Arial"/>
         </a:defRPr>
       </a:lvl6pPr>
-      <a:lvl7pPr lvl="6" marR="0" rtl="0" algn="l">
+      <a:lvl7pPr marR="0" lvl="6" algn="l" rtl="0">
         <a:lnSpc>
           <a:spcPct val="100000"/>
         </a:lnSpc>
@@ -5542,7 +5685,7 @@
           <a:srgbClr val="000000"/>
         </a:buClr>
         <a:buFont typeface="Arial"/>
-        <a:defRPr b="0" i="0" sz="1400" u="none" cap="none" strike="noStrike">
+        <a:defRPr sz="1400" b="0" i="0" u="none" strike="noStrike" cap="none">
           <a:solidFill>
             <a:srgbClr val="000000"/>
           </a:solidFill>
@@ -5552,7 +5695,7 @@
           <a:sym typeface="Arial"/>
         </a:defRPr>
       </a:lvl7pPr>
-      <a:lvl8pPr lvl="7" marR="0" rtl="0" algn="l">
+      <a:lvl8pPr marR="0" lvl="7" algn="l" rtl="0">
         <a:lnSpc>
           <a:spcPct val="100000"/>
         </a:lnSpc>
@@ -5566,7 +5709,7 @@
           <a:srgbClr val="000000"/>
         </a:buClr>
         <a:buFont typeface="Arial"/>
-        <a:defRPr b="0" i="0" sz="1400" u="none" cap="none" strike="noStrike">
+        <a:defRPr sz="1400" b="0" i="0" u="none" strike="noStrike" cap="none">
           <a:solidFill>
             <a:srgbClr val="000000"/>
           </a:solidFill>
@@ -5576,7 +5719,7 @@
           <a:sym typeface="Arial"/>
         </a:defRPr>
       </a:lvl8pPr>
-      <a:lvl9pPr lvl="8" marR="0" rtl="0" algn="l">
+      <a:lvl9pPr marR="0" lvl="8" algn="l" rtl="0">
         <a:lnSpc>
           <a:spcPct val="100000"/>
         </a:lnSpc>
@@ -5590,7 +5733,7 @@
           <a:srgbClr val="000000"/>
         </a:buClr>
         <a:buFont typeface="Arial"/>
-        <a:defRPr b="0" i="0" sz="1400" u="none" cap="none" strike="noStrike">
+        <a:defRPr sz="1400" b="0" i="0" u="none" strike="noStrike" cap="none">
           <a:solidFill>
             <a:srgbClr val="000000"/>
           </a:solidFill>
@@ -5602,7 +5745,7 @@
       </a:lvl9pPr>
     </p:bodyStyle>
     <p:otherStyle>
-      <a:defPPr lvl="0" marR="0" rtl="0" algn="l">
+      <a:defPPr marR="0" lvl="0" algn="l" rtl="0">
         <a:lnSpc>
           <a:spcPct val="100000"/>
         </a:lnSpc>
@@ -5613,7 +5756,7 @@
           <a:spcPts val="0"/>
         </a:spcAft>
       </a:defPPr>
-      <a:lvl1pPr lvl="0" marR="0" rtl="0" algn="l">
+      <a:lvl1pPr marR="0" lvl="0" algn="l" rtl="0">
         <a:lnSpc>
           <a:spcPct val="100000"/>
         </a:lnSpc>
@@ -5627,7 +5770,7 @@
           <a:srgbClr val="000000"/>
         </a:buClr>
         <a:buFont typeface="Arial"/>
-        <a:defRPr b="0" i="0" sz="1400" u="none" cap="none" strike="noStrike">
+        <a:defRPr sz="1400" b="0" i="0" u="none" strike="noStrike" cap="none">
           <a:solidFill>
             <a:srgbClr val="000000"/>
           </a:solidFill>
@@ -5637,7 +5780,7 @@
           <a:sym typeface="Arial"/>
         </a:defRPr>
       </a:lvl1pPr>
-      <a:lvl2pPr lvl="1" marR="0" rtl="0" algn="l">
+      <a:lvl2pPr marR="0" lvl="1" algn="l" rtl="0">
         <a:lnSpc>
           <a:spcPct val="100000"/>
         </a:lnSpc>
@@ -5651,7 +5794,7 @@
           <a:srgbClr val="000000"/>
         </a:buClr>
         <a:buFont typeface="Arial"/>
-        <a:defRPr b="0" i="0" sz="1400" u="none" cap="none" strike="noStrike">
+        <a:defRPr sz="1400" b="0" i="0" u="none" strike="noStrike" cap="none">
           <a:solidFill>
             <a:srgbClr val="000000"/>
           </a:solidFill>
@@ -5661,7 +5804,7 @@
           <a:sym typeface="Arial"/>
         </a:defRPr>
       </a:lvl2pPr>
-      <a:lvl3pPr lvl="2" marR="0" rtl="0" algn="l">
+      <a:lvl3pPr marR="0" lvl="2" algn="l" rtl="0">
         <a:lnSpc>
           <a:spcPct val="100000"/>
         </a:lnSpc>
@@ -5675,7 +5818,7 @@
           <a:srgbClr val="000000"/>
         </a:buClr>
         <a:buFont typeface="Arial"/>
-        <a:defRPr b="0" i="0" sz="1400" u="none" cap="none" strike="noStrike">
+        <a:defRPr sz="1400" b="0" i="0" u="none" strike="noStrike" cap="none">
           <a:solidFill>
             <a:srgbClr val="000000"/>
           </a:solidFill>
@@ -5685,7 +5828,7 @@
           <a:sym typeface="Arial"/>
         </a:defRPr>
       </a:lvl3pPr>
-      <a:lvl4pPr lvl="3" marR="0" rtl="0" algn="l">
+      <a:lvl4pPr marR="0" lvl="3" algn="l" rtl="0">
         <a:lnSpc>
           <a:spcPct val="100000"/>
         </a:lnSpc>
@@ -5699,7 +5842,7 @@
           <a:srgbClr val="000000"/>
         </a:buClr>
         <a:buFont typeface="Arial"/>
-        <a:defRPr b="0" i="0" sz="1400" u="none" cap="none" strike="noStrike">
+        <a:defRPr sz="1400" b="0" i="0" u="none" strike="noStrike" cap="none">
           <a:solidFill>
             <a:srgbClr val="000000"/>
           </a:solidFill>
@@ -5709,7 +5852,7 @@
           <a:sym typeface="Arial"/>
         </a:defRPr>
       </a:lvl4pPr>
-      <a:lvl5pPr lvl="4" marR="0" rtl="0" algn="l">
+      <a:lvl5pPr marR="0" lvl="4" algn="l" rtl="0">
         <a:lnSpc>
           <a:spcPct val="100000"/>
         </a:lnSpc>
@@ -5723,7 +5866,7 @@
           <a:srgbClr val="000000"/>
         </a:buClr>
         <a:buFont typeface="Arial"/>
-        <a:defRPr b="0" i="0" sz="1400" u="none" cap="none" strike="noStrike">
+        <a:defRPr sz="1400" b="0" i="0" u="none" strike="noStrike" cap="none">
           <a:solidFill>
             <a:srgbClr val="000000"/>
           </a:solidFill>
@@ -5733,7 +5876,7 @@
           <a:sym typeface="Arial"/>
         </a:defRPr>
       </a:lvl5pPr>
-      <a:lvl6pPr lvl="5" marR="0" rtl="0" algn="l">
+      <a:lvl6pPr marR="0" lvl="5" algn="l" rtl="0">
         <a:lnSpc>
           <a:spcPct val="100000"/>
         </a:lnSpc>
@@ -5747,7 +5890,7 @@
           <a:srgbClr val="000000"/>
         </a:buClr>
         <a:buFont typeface="Arial"/>
-        <a:defRPr b="0" i="0" sz="1400" u="none" cap="none" strike="noStrike">
+        <a:defRPr sz="1400" b="0" i="0" u="none" strike="noStrike" cap="none">
           <a:solidFill>
             <a:srgbClr val="000000"/>
           </a:solidFill>
@@ -5757,7 +5900,7 @@
           <a:sym typeface="Arial"/>
         </a:defRPr>
       </a:lvl6pPr>
-      <a:lvl7pPr lvl="6" marR="0" rtl="0" algn="l">
+      <a:lvl7pPr marR="0" lvl="6" algn="l" rtl="0">
         <a:lnSpc>
           <a:spcPct val="100000"/>
         </a:lnSpc>
@@ -5771,7 +5914,7 @@
           <a:srgbClr val="000000"/>
         </a:buClr>
         <a:buFont typeface="Arial"/>
-        <a:defRPr b="0" i="0" sz="1400" u="none" cap="none" strike="noStrike">
+        <a:defRPr sz="1400" b="0" i="0" u="none" strike="noStrike" cap="none">
           <a:solidFill>
             <a:srgbClr val="000000"/>
           </a:solidFill>
@@ -5781,7 +5924,7 @@
           <a:sym typeface="Arial"/>
         </a:defRPr>
       </a:lvl7pPr>
-      <a:lvl8pPr lvl="7" marR="0" rtl="0" algn="l">
+      <a:lvl8pPr marR="0" lvl="7" algn="l" rtl="0">
         <a:lnSpc>
           <a:spcPct val="100000"/>
         </a:lnSpc>
@@ -5795,7 +5938,7 @@
           <a:srgbClr val="000000"/>
         </a:buClr>
         <a:buFont typeface="Arial"/>
-        <a:defRPr b="0" i="0" sz="1400" u="none" cap="none" strike="noStrike">
+        <a:defRPr sz="1400" b="0" i="0" u="none" strike="noStrike" cap="none">
           <a:solidFill>
             <a:srgbClr val="000000"/>
           </a:solidFill>
@@ -5805,7 +5948,7 @@
           <a:sym typeface="Arial"/>
         </a:defRPr>
       </a:lvl8pPr>
-      <a:lvl9pPr lvl="8" marR="0" rtl="0" algn="l">
+      <a:lvl9pPr marR="0" lvl="8" algn="l" rtl="0">
         <a:lnSpc>
           <a:spcPct val="100000"/>
         </a:lnSpc>
@@ -5819,7 +5962,7 @@
           <a:srgbClr val="000000"/>
         </a:buClr>
         <a:buFont typeface="Arial"/>
-        <a:defRPr b="0" i="0" sz="1400" u="none" cap="none" strike="noStrike">
+        <a:defRPr sz="1400" b="0" i="0" u="none" strike="noStrike" cap="none">
           <a:solidFill>
             <a:srgbClr val="000000"/>
           </a:solidFill>
@@ -5835,11 +5978,11 @@
 </file>
 
 <file path=ppt/slides/slide1.xml><?xml version="1.0" encoding="utf-8"?>
-<p:sld xmlns:a="http://schemas.openxmlformats.org/drawingml/2006/main" xmlns:r="http://schemas.openxmlformats.org/officeDocument/2006/relationships" xmlns:mc="http://schemas.openxmlformats.org/markup-compatibility/2006" xmlns:mv="urn:schemas-microsoft-com:mac:vml" xmlns:p="http://schemas.openxmlformats.org/presentationml/2006/main" xmlns:c="http://schemas.openxmlformats.org/drawingml/2006/chart" xmlns:dgm="http://schemas.openxmlformats.org/drawingml/2006/diagram" xmlns:o="urn:schemas-microsoft-com:office:office" xmlns:v="urn:schemas-microsoft-com:vml" xmlns:pvml="urn:schemas-microsoft-com:office:powerpoint" xmlns:com="http://schemas.openxmlformats.org/drawingml/2006/compatibility" xmlns:p14="http://schemas.microsoft.com/office/powerpoint/2010/main" xmlns:p15="http://schemas.microsoft.com/office/powerpoint/2012/main">
+<p:sld xmlns:a="http://schemas.openxmlformats.org/drawingml/2006/main" xmlns:r="http://schemas.openxmlformats.org/officeDocument/2006/relationships" xmlns:p="http://schemas.openxmlformats.org/presentationml/2006/main">
   <p:cSld>
     <p:spTree>
       <p:nvGrpSpPr>
-        <p:cNvPr id="53" name="Shape 53"/>
+        <p:cNvPr id="1" name="Shape 53"/>
         <p:cNvGrpSpPr/>
         <p:nvPr/>
       </p:nvGrpSpPr>
@@ -5854,7 +5997,9 @@
       <p:sp>
         <p:nvSpPr>
           <p:cNvPr id="54" name="Google Shape;54;p13"/>
-          <p:cNvSpPr txBox="1"/>
+          <p:cNvSpPr txBox="1">
+            <a:spLocks noGrp="1"/>
+          </p:cNvSpPr>
           <p:nvPr>
             <p:ph type="ctrTitle"/>
           </p:nvPr>
@@ -5869,12 +6014,12 @@
           </a:prstGeom>
         </p:spPr>
         <p:txBody>
-          <a:bodyPr anchorCtr="0" anchor="b" bIns="91425" lIns="91425" spcFirstLastPara="1" rIns="91425" wrap="square" tIns="91425">
+          <a:bodyPr spcFirstLastPara="1" wrap="square" lIns="91425" tIns="91425" rIns="91425" bIns="91425" anchor="b" anchorCtr="0">
             <a:noAutofit/>
           </a:bodyPr>
           <a:lstStyle/>
           <a:p>
-            <a:pPr indent="0" lvl="0" marL="0" rtl="0" algn="ctr">
+            <a:pPr marL="0" lvl="0" indent="0" algn="ctr" rtl="0">
               <a:spcBef>
                 <a:spcPts val="0"/>
               </a:spcBef>
@@ -5894,9 +6039,11 @@
       <p:sp>
         <p:nvSpPr>
           <p:cNvPr id="55" name="Google Shape;55;p13"/>
-          <p:cNvSpPr txBox="1"/>
+          <p:cNvSpPr txBox="1">
+            <a:spLocks noGrp="1"/>
+          </p:cNvSpPr>
           <p:nvPr>
-            <p:ph idx="1" type="subTitle"/>
+            <p:ph type="subTitle" idx="1"/>
           </p:nvPr>
         </p:nvSpPr>
         <p:spPr>
@@ -5909,12 +6056,12 @@
           </a:prstGeom>
         </p:spPr>
         <p:txBody>
-          <a:bodyPr anchorCtr="0" anchor="t" bIns="91425" lIns="91425" spcFirstLastPara="1" rIns="91425" wrap="square" tIns="91425">
+          <a:bodyPr spcFirstLastPara="1" wrap="square" lIns="91425" tIns="91425" rIns="91425" bIns="91425" anchor="t" anchorCtr="0">
             <a:noAutofit/>
           </a:bodyPr>
           <a:lstStyle/>
           <a:p>
-            <a:pPr indent="0" lvl="0" marL="0" rtl="0" algn="ctr">
+            <a:pPr marL="0" lvl="0" indent="0" algn="ctr" rtl="0">
               <a:spcBef>
                 <a:spcPts val="0"/>
               </a:spcBef>
@@ -5940,11 +6087,11 @@
 </file>
 
 <file path=ppt/slides/slide2.xml><?xml version="1.0" encoding="utf-8"?>
-<p:sld xmlns:a="http://schemas.openxmlformats.org/drawingml/2006/main" xmlns:r="http://schemas.openxmlformats.org/officeDocument/2006/relationships" xmlns:mc="http://schemas.openxmlformats.org/markup-compatibility/2006" xmlns:mv="urn:schemas-microsoft-com:mac:vml" xmlns:p="http://schemas.openxmlformats.org/presentationml/2006/main" xmlns:c="http://schemas.openxmlformats.org/drawingml/2006/chart" xmlns:dgm="http://schemas.openxmlformats.org/drawingml/2006/diagram" xmlns:o="urn:schemas-microsoft-com:office:office" xmlns:v="urn:schemas-microsoft-com:vml" xmlns:pvml="urn:schemas-microsoft-com:office:powerpoint" xmlns:com="http://schemas.openxmlformats.org/drawingml/2006/compatibility" xmlns:p14="http://schemas.microsoft.com/office/powerpoint/2010/main" xmlns:p15="http://schemas.microsoft.com/office/powerpoint/2012/main">
+<p:sld xmlns:a="http://schemas.openxmlformats.org/drawingml/2006/main" xmlns:r="http://schemas.openxmlformats.org/officeDocument/2006/relationships" xmlns:p="http://schemas.openxmlformats.org/presentationml/2006/main">
   <p:cSld>
     <p:spTree>
       <p:nvGrpSpPr>
-        <p:cNvPr id="59" name="Shape 59"/>
+        <p:cNvPr id="1" name="Shape 59"/>
         <p:cNvGrpSpPr/>
         <p:nvPr/>
       </p:nvGrpSpPr>
@@ -5959,14 +6106,16 @@
       <p:sp>
         <p:nvSpPr>
           <p:cNvPr id="60" name="Google Shape;60;p14"/>
-          <p:cNvSpPr txBox="1"/>
+          <p:cNvSpPr txBox="1">
+            <a:spLocks noGrp="1"/>
+          </p:cNvSpPr>
           <p:nvPr>
             <p:ph type="title"/>
           </p:nvPr>
         </p:nvSpPr>
         <p:spPr>
           <a:xfrm>
-            <a:off x="311700" y="445025"/>
+            <a:off x="311700" y="288275"/>
             <a:ext cx="8520600" cy="572700"/>
           </a:xfrm>
           <a:prstGeom prst="rect">
@@ -5974,12 +6123,12 @@
           </a:prstGeom>
         </p:spPr>
         <p:txBody>
-          <a:bodyPr anchorCtr="0" anchor="t" bIns="91425" lIns="91425" spcFirstLastPara="1" rIns="91425" wrap="square" tIns="91425">
+          <a:bodyPr spcFirstLastPara="1" wrap="square" lIns="91425" tIns="91425" rIns="91425" bIns="91425" anchor="t" anchorCtr="0">
             <a:noAutofit/>
           </a:bodyPr>
           <a:lstStyle/>
           <a:p>
-            <a:pPr indent="0" lvl="0" marL="0" rtl="0" algn="l">
+            <a:pPr marL="0" lvl="0" indent="0" algn="l" rtl="0">
               <a:spcBef>
                 <a:spcPts val="0"/>
               </a:spcBef>
@@ -5989,28 +6138,26 @@
               <a:buNone/>
             </a:pPr>
             <a:r>
-              <a:rPr lang="en"/>
-              <a:t>Our </a:t>
+              <a:rPr lang="en" sz="3200" dirty="0"/>
+              <a:t>Our Incentive</a:t>
             </a:r>
-            <a:r>
-              <a:rPr lang="en"/>
-              <a:t>Incentive</a:t>
-            </a:r>
-            <a:endParaRPr/>
+            <a:endParaRPr sz="3200" dirty="0"/>
           </a:p>
         </p:txBody>
       </p:sp>
       <p:sp>
         <p:nvSpPr>
           <p:cNvPr id="61" name="Google Shape;61;p14"/>
-          <p:cNvSpPr txBox="1"/>
+          <p:cNvSpPr txBox="1">
+            <a:spLocks noGrp="1"/>
+          </p:cNvSpPr>
           <p:nvPr>
-            <p:ph idx="1" type="body"/>
+            <p:ph type="body" idx="1"/>
           </p:nvPr>
         </p:nvSpPr>
         <p:spPr>
           <a:xfrm>
-            <a:off x="311700" y="1152475"/>
+            <a:off x="311700" y="1064448"/>
             <a:ext cx="8520600" cy="3416400"/>
           </a:xfrm>
           <a:prstGeom prst="rect">
@@ -6018,12 +6165,12 @@
           </a:prstGeom>
         </p:spPr>
         <p:txBody>
-          <a:bodyPr anchorCtr="0" anchor="t" bIns="91425" lIns="91425" spcFirstLastPara="1" rIns="91425" wrap="square" tIns="91425">
+          <a:bodyPr spcFirstLastPara="1" wrap="square" lIns="91425" tIns="91425" rIns="91425" bIns="91425" anchor="t" anchorCtr="0">
             <a:noAutofit/>
           </a:bodyPr>
           <a:lstStyle/>
           <a:p>
-            <a:pPr indent="0" lvl="0" marL="0" rtl="0" algn="l">
+            <a:pPr marL="0" lvl="0" indent="0" algn="l" rtl="0">
               <a:spcBef>
                 <a:spcPts val="0"/>
               </a:spcBef>
@@ -6033,13 +6180,25 @@
               <a:buNone/>
             </a:pPr>
             <a:r>
-              <a:rPr lang="en"/>
+              <a:rPr lang="en" sz="2400" dirty="0"/>
               <a:t>We set out to achieve a new goal: creating an actual connect four game.</a:t>
             </a:r>
-            <a:endParaRPr/>
+            <a:endParaRPr sz="2400" dirty="0"/>
           </a:p>
           <a:p>
-            <a:pPr indent="0" lvl="0" marL="0" rtl="0" algn="l">
+            <a:pPr marL="0" lvl="0" indent="0" algn="l" rtl="0">
+              <a:spcBef>
+                <a:spcPts val="1600"/>
+              </a:spcBef>
+              <a:spcAft>
+                <a:spcPts val="0"/>
+              </a:spcAft>
+              <a:buNone/>
+            </a:pPr>
+            <a:endParaRPr dirty="0"/>
+          </a:p>
+          <a:p>
+            <a:pPr marL="0" lvl="0" indent="0" algn="l" rtl="0">
               <a:spcBef>
                 <a:spcPts val="1600"/>
               </a:spcBef>
@@ -6049,39 +6208,94 @@
               <a:buNone/>
             </a:pPr>
             <a:r>
-              <a:t/>
+              <a:rPr lang="en-CA" dirty="0"/>
+              <a:t>				</a:t>
             </a:r>
-            <a:endParaRPr/>
+            <a:endParaRPr dirty="0"/>
           </a:p>
+        </p:txBody>
+      </p:sp>
+      <p:pic>
+        <p:nvPicPr>
+          <p:cNvPr id="3" name="Picture 2">
+            <a:extLst>
+              <a:ext uri="{FF2B5EF4-FFF2-40B4-BE49-F238E27FC236}">
+                <a16:creationId xmlns:a16="http://schemas.microsoft.com/office/drawing/2014/main" id="{B3C47E3B-0AB8-4BBE-AAB0-0BD3F2067FBB}"/>
+              </a:ext>
+            </a:extLst>
+          </p:cNvPr>
+          <p:cNvPicPr>
+            <a:picLocks noChangeAspect="1"/>
+          </p:cNvPicPr>
+          <p:nvPr/>
+        </p:nvPicPr>
+        <p:blipFill>
+          <a:blip r:embed="rId3"/>
+          <a:stretch>
+            <a:fillRect/>
+          </a:stretch>
+        </p:blipFill>
+        <p:spPr>
+          <a:xfrm>
+            <a:off x="2674878" y="2058867"/>
+            <a:ext cx="3475265" cy="2492559"/>
+          </a:xfrm>
+          <a:prstGeom prst="rect">
+            <a:avLst/>
+          </a:prstGeom>
+        </p:spPr>
+      </p:pic>
+      <p:sp>
+        <p:nvSpPr>
+          <p:cNvPr id="4" name="Rectangle 3">
+            <a:extLst>
+              <a:ext uri="{FF2B5EF4-FFF2-40B4-BE49-F238E27FC236}">
+                <a16:creationId xmlns:a16="http://schemas.microsoft.com/office/drawing/2014/main" id="{DFCFEEEB-9996-4BE4-889A-2C23AD8F311D}"/>
+              </a:ext>
+            </a:extLst>
+          </p:cNvPr>
+          <p:cNvSpPr/>
+          <p:nvPr/>
+        </p:nvSpPr>
+        <p:spPr>
+          <a:xfrm>
+            <a:off x="2674878" y="2078803"/>
+            <a:ext cx="278440" cy="255181"/>
+          </a:xfrm>
+          <a:prstGeom prst="rect">
+            <a:avLst/>
+          </a:prstGeom>
+          <a:solidFill>
+            <a:schemeClr val="bg1"/>
+          </a:solidFill>
+          <a:ln>
+            <a:solidFill>
+              <a:schemeClr val="bg1"/>
+            </a:solidFill>
+          </a:ln>
+        </p:spPr>
+        <p:style>
+          <a:lnRef idx="2">
+            <a:schemeClr val="accent1">
+              <a:shade val="50000"/>
+            </a:schemeClr>
+          </a:lnRef>
+          <a:fillRef idx="1">
+            <a:schemeClr val="accent1"/>
+          </a:fillRef>
+          <a:effectRef idx="0">
+            <a:schemeClr val="accent1"/>
+          </a:effectRef>
+          <a:fontRef idx="minor">
+            <a:schemeClr val="lt1"/>
+          </a:fontRef>
+        </p:style>
+        <p:txBody>
+          <a:bodyPr rtlCol="0" anchor="ctr"/>
+          <a:lstStyle/>
           <a:p>
-            <a:pPr indent="0" lvl="0" marL="0" rtl="0" algn="l">
-              <a:spcBef>
-                <a:spcPts val="1600"/>
-              </a:spcBef>
-              <a:spcAft>
-                <a:spcPts val="0"/>
-              </a:spcAft>
-              <a:buNone/>
-            </a:pPr>
-            <a:r>
-              <a:t/>
-            </a:r>
-            <a:endParaRPr/>
-          </a:p>
-          <a:p>
-            <a:pPr indent="0" lvl="0" marL="0" rtl="0" algn="l">
-              <a:spcBef>
-                <a:spcPts val="1600"/>
-              </a:spcBef>
-              <a:spcAft>
-                <a:spcPts val="1600"/>
-              </a:spcAft>
-              <a:buNone/>
-            </a:pPr>
-            <a:r>
-              <a:t/>
-            </a:r>
-            <a:endParaRPr/>
+            <a:pPr algn="ctr"/>
+            <a:endParaRPr lang="en-CA" dirty="0"/>
           </a:p>
         </p:txBody>
       </p:sp>
@@ -6094,11 +6308,11 @@
 </file>
 
 <file path=ppt/slides/slide3.xml><?xml version="1.0" encoding="utf-8"?>
-<p:sld xmlns:a="http://schemas.openxmlformats.org/drawingml/2006/main" xmlns:r="http://schemas.openxmlformats.org/officeDocument/2006/relationships" xmlns:mc="http://schemas.openxmlformats.org/markup-compatibility/2006" xmlns:mv="urn:schemas-microsoft-com:mac:vml" xmlns:p="http://schemas.openxmlformats.org/presentationml/2006/main" xmlns:c="http://schemas.openxmlformats.org/drawingml/2006/chart" xmlns:dgm="http://schemas.openxmlformats.org/drawingml/2006/diagram" xmlns:o="urn:schemas-microsoft-com:office:office" xmlns:v="urn:schemas-microsoft-com:vml" xmlns:pvml="urn:schemas-microsoft-com:office:powerpoint" xmlns:com="http://schemas.openxmlformats.org/drawingml/2006/compatibility" xmlns:p14="http://schemas.microsoft.com/office/powerpoint/2010/main" xmlns:p15="http://schemas.microsoft.com/office/powerpoint/2012/main">
+<p:sld xmlns:a="http://schemas.openxmlformats.org/drawingml/2006/main" xmlns:r="http://schemas.openxmlformats.org/officeDocument/2006/relationships" xmlns:p="http://schemas.openxmlformats.org/presentationml/2006/main">
   <p:cSld>
     <p:spTree>
       <p:nvGrpSpPr>
-        <p:cNvPr id="65" name="Shape 65"/>
+        <p:cNvPr id="1" name="Shape 65"/>
         <p:cNvGrpSpPr/>
         <p:nvPr/>
       </p:nvGrpSpPr>
@@ -6112,54 +6326,17 @@
       </p:grpSpPr>
       <p:sp>
         <p:nvSpPr>
-          <p:cNvPr id="66" name="Google Shape;66;p15"/>
-          <p:cNvSpPr txBox="1"/>
+          <p:cNvPr id="67" name="Google Shape;67;p15"/>
+          <p:cNvSpPr txBox="1">
+            <a:spLocks noGrp="1"/>
+          </p:cNvSpPr>
           <p:nvPr>
-            <p:ph type="title"/>
+            <p:ph type="body" idx="1"/>
           </p:nvPr>
         </p:nvSpPr>
         <p:spPr>
           <a:xfrm>
-            <a:off x="311700" y="445025"/>
-            <a:ext cx="8520600" cy="572700"/>
-          </a:xfrm>
-          <a:prstGeom prst="rect">
-            <a:avLst/>
-          </a:prstGeom>
-        </p:spPr>
-        <p:txBody>
-          <a:bodyPr anchorCtr="0" anchor="t" bIns="91425" lIns="91425" spcFirstLastPara="1" rIns="91425" wrap="square" tIns="91425">
-            <a:noAutofit/>
-          </a:bodyPr>
-          <a:lstStyle/>
-          <a:p>
-            <a:pPr indent="0" lvl="0" marL="0" rtl="0" algn="l">
-              <a:spcBef>
-                <a:spcPts val="0"/>
-              </a:spcBef>
-              <a:spcAft>
-                <a:spcPts val="0"/>
-              </a:spcAft>
-              <a:buNone/>
-            </a:pPr>
-            <a:r>
-              <a:t/>
-            </a:r>
-            <a:endParaRPr/>
-          </a:p>
-        </p:txBody>
-      </p:sp>
-      <p:sp>
-        <p:nvSpPr>
-          <p:cNvPr id="67" name="Google Shape;67;p15"/>
-          <p:cNvSpPr txBox="1"/>
-          <p:nvPr>
-            <p:ph idx="1" type="body"/>
-          </p:nvPr>
-        </p:nvSpPr>
-        <p:spPr>
-          <a:xfrm>
-            <a:off x="311700" y="1152475"/>
+            <a:off x="311700" y="376298"/>
             <a:ext cx="8520600" cy="3416400"/>
           </a:xfrm>
           <a:prstGeom prst="rect">
@@ -6167,12 +6344,12 @@
           </a:prstGeom>
         </p:spPr>
         <p:txBody>
-          <a:bodyPr anchorCtr="0" anchor="t" bIns="91425" lIns="91425" spcFirstLastPara="1" rIns="91425" wrap="square" tIns="91425">
+          <a:bodyPr spcFirstLastPara="1" wrap="square" lIns="91425" tIns="91425" rIns="91425" bIns="91425" anchor="t" anchorCtr="0">
             <a:noAutofit/>
           </a:bodyPr>
           <a:lstStyle/>
           <a:p>
-            <a:pPr indent="0" lvl="0" marL="0" rtl="0" algn="l">
+            <a:pPr marL="0" lvl="0" indent="0" algn="l" rtl="0">
               <a:spcBef>
                 <a:spcPts val="0"/>
               </a:spcBef>
@@ -6187,10 +6364,310 @@
               <a:buNone/>
             </a:pPr>
             <a:r>
-              <a:rPr lang="en"/>
+              <a:rPr lang="en" sz="2400" dirty="0"/>
               <a:t>Sure it’s like “re-inventing the wheel”, however, we would learn how to implement it. We gain more insight and a better perspective in coding the game.</a:t>
             </a:r>
-            <a:endParaRPr/>
+            <a:endParaRPr sz="2400" dirty="0"/>
+          </a:p>
+        </p:txBody>
+      </p:sp>
+      <p:pic>
+        <p:nvPicPr>
+          <p:cNvPr id="3" name="Picture 2">
+            <a:extLst>
+              <a:ext uri="{FF2B5EF4-FFF2-40B4-BE49-F238E27FC236}">
+                <a16:creationId xmlns:a16="http://schemas.microsoft.com/office/drawing/2014/main" id="{8B4525E3-59B2-454A-9C97-406D56D6247E}"/>
+              </a:ext>
+            </a:extLst>
+          </p:cNvPr>
+          <p:cNvPicPr>
+            <a:picLocks noChangeAspect="1"/>
+          </p:cNvPicPr>
+          <p:nvPr/>
+        </p:nvPicPr>
+        <p:blipFill>
+          <a:blip r:embed="rId3"/>
+          <a:stretch>
+            <a:fillRect/>
+          </a:stretch>
+        </p:blipFill>
+        <p:spPr>
+          <a:xfrm>
+            <a:off x="983512" y="2261610"/>
+            <a:ext cx="2286000" cy="2286000"/>
+          </a:xfrm>
+          <a:prstGeom prst="rect">
+            <a:avLst/>
+          </a:prstGeom>
+        </p:spPr>
+      </p:pic>
+      <p:pic>
+        <p:nvPicPr>
+          <p:cNvPr id="11" name="Picture 10">
+            <a:extLst>
+              <a:ext uri="{FF2B5EF4-FFF2-40B4-BE49-F238E27FC236}">
+                <a16:creationId xmlns:a16="http://schemas.microsoft.com/office/drawing/2014/main" id="{03161CD3-7E7A-4EAB-BD73-A4A6957E89F4}"/>
+              </a:ext>
+            </a:extLst>
+          </p:cNvPr>
+          <p:cNvPicPr>
+            <a:picLocks noChangeAspect="1"/>
+          </p:cNvPicPr>
+          <p:nvPr/>
+        </p:nvPicPr>
+        <p:blipFill>
+          <a:blip r:embed="rId4"/>
+          <a:stretch>
+            <a:fillRect/>
+          </a:stretch>
+        </p:blipFill>
+        <p:spPr>
+          <a:xfrm>
+            <a:off x="4539767" y="2589594"/>
+            <a:ext cx="1420578" cy="1420578"/>
+          </a:xfrm>
+          <a:prstGeom prst="rect">
+            <a:avLst/>
+          </a:prstGeom>
+        </p:spPr>
+      </p:pic>
+      <p:pic>
+        <p:nvPicPr>
+          <p:cNvPr id="13" name="Picture 12">
+            <a:extLst>
+              <a:ext uri="{FF2B5EF4-FFF2-40B4-BE49-F238E27FC236}">
+                <a16:creationId xmlns:a16="http://schemas.microsoft.com/office/drawing/2014/main" id="{033E5EE3-203E-4216-A244-FE54BE78D6A7}"/>
+              </a:ext>
+            </a:extLst>
+          </p:cNvPr>
+          <p:cNvPicPr>
+            <a:picLocks noChangeAspect="1"/>
+          </p:cNvPicPr>
+          <p:nvPr/>
+        </p:nvPicPr>
+        <p:blipFill>
+          <a:blip r:embed="rId5"/>
+          <a:stretch>
+            <a:fillRect/>
+          </a:stretch>
+        </p:blipFill>
+        <p:spPr>
+          <a:xfrm>
+            <a:off x="7118124" y="3290219"/>
+            <a:ext cx="1298036" cy="1298036"/>
+          </a:xfrm>
+          <a:prstGeom prst="rect">
+            <a:avLst/>
+          </a:prstGeom>
+        </p:spPr>
+      </p:pic>
+      <p:pic>
+        <p:nvPicPr>
+          <p:cNvPr id="15" name="Picture 14">
+            <a:extLst>
+              <a:ext uri="{FF2B5EF4-FFF2-40B4-BE49-F238E27FC236}">
+                <a16:creationId xmlns:a16="http://schemas.microsoft.com/office/drawing/2014/main" id="{7273B682-2908-44EE-8D84-8086F3233AC4}"/>
+              </a:ext>
+            </a:extLst>
+          </p:cNvPr>
+          <p:cNvPicPr>
+            <a:picLocks noChangeAspect="1"/>
+          </p:cNvPicPr>
+          <p:nvPr/>
+        </p:nvPicPr>
+        <p:blipFill>
+          <a:blip r:embed="rId6"/>
+          <a:stretch>
+            <a:fillRect/>
+          </a:stretch>
+        </p:blipFill>
+        <p:spPr>
+          <a:xfrm>
+            <a:off x="6062677" y="1526972"/>
+            <a:ext cx="1402080" cy="1402080"/>
+          </a:xfrm>
+          <a:prstGeom prst="rect">
+            <a:avLst/>
+          </a:prstGeom>
+        </p:spPr>
+      </p:pic>
+      <p:sp>
+        <p:nvSpPr>
+          <p:cNvPr id="16" name="Arrow: Bent 15">
+            <a:extLst>
+              <a:ext uri="{FF2B5EF4-FFF2-40B4-BE49-F238E27FC236}">
+                <a16:creationId xmlns:a16="http://schemas.microsoft.com/office/drawing/2014/main" id="{1B7FFBBB-3933-4DC9-85D5-6061B405CC23}"/>
+              </a:ext>
+            </a:extLst>
+          </p:cNvPr>
+          <p:cNvSpPr/>
+          <p:nvPr/>
+        </p:nvSpPr>
+        <p:spPr>
+          <a:xfrm>
+            <a:off x="5018436" y="1974973"/>
+            <a:ext cx="978441" cy="506078"/>
+          </a:xfrm>
+          <a:prstGeom prst="bentArrow">
+            <a:avLst>
+              <a:gd name="adj1" fmla="val 25000"/>
+              <a:gd name="adj2" fmla="val 23950"/>
+              <a:gd name="adj3" fmla="val 25000"/>
+              <a:gd name="adj4" fmla="val 43750"/>
+            </a:avLst>
+          </a:prstGeom>
+          <a:solidFill>
+            <a:schemeClr val="bg1"/>
+          </a:solidFill>
+          <a:ln>
+            <a:solidFill>
+              <a:schemeClr val="tx1"/>
+            </a:solidFill>
+          </a:ln>
+        </p:spPr>
+        <p:style>
+          <a:lnRef idx="2">
+            <a:schemeClr val="accent1">
+              <a:shade val="50000"/>
+            </a:schemeClr>
+          </a:lnRef>
+          <a:fillRef idx="1">
+            <a:schemeClr val="accent1"/>
+          </a:fillRef>
+          <a:effectRef idx="0">
+            <a:schemeClr val="accent1"/>
+          </a:effectRef>
+          <a:fontRef idx="minor">
+            <a:schemeClr val="lt1"/>
+          </a:fontRef>
+        </p:style>
+        <p:txBody>
+          <a:bodyPr rtlCol="0" anchor="ctr"/>
+          <a:lstStyle/>
+          <a:p>
+            <a:pPr algn="ctr"/>
+            <a:endParaRPr lang="en-CA">
+              <a:solidFill>
+                <a:schemeClr val="tx1"/>
+              </a:solidFill>
+            </a:endParaRPr>
+          </a:p>
+        </p:txBody>
+      </p:sp>
+      <p:sp>
+        <p:nvSpPr>
+          <p:cNvPr id="19" name="Arrow: Bent 18">
+            <a:extLst>
+              <a:ext uri="{FF2B5EF4-FFF2-40B4-BE49-F238E27FC236}">
+                <a16:creationId xmlns:a16="http://schemas.microsoft.com/office/drawing/2014/main" id="{1F3974A8-52D3-44D5-A823-6FF0D36983D6}"/>
+              </a:ext>
+            </a:extLst>
+          </p:cNvPr>
+          <p:cNvSpPr/>
+          <p:nvPr/>
+        </p:nvSpPr>
+        <p:spPr>
+          <a:xfrm rot="5400000">
+            <a:off x="7360176" y="2441282"/>
+            <a:ext cx="978441" cy="506078"/>
+          </a:xfrm>
+          <a:prstGeom prst="bentArrow">
+            <a:avLst>
+              <a:gd name="adj1" fmla="val 25000"/>
+              <a:gd name="adj2" fmla="val 25000"/>
+              <a:gd name="adj3" fmla="val 25000"/>
+              <a:gd name="adj4" fmla="val 43750"/>
+            </a:avLst>
+          </a:prstGeom>
+          <a:solidFill>
+            <a:schemeClr val="bg1"/>
+          </a:solidFill>
+          <a:ln>
+            <a:solidFill>
+              <a:schemeClr val="tx1"/>
+            </a:solidFill>
+          </a:ln>
+        </p:spPr>
+        <p:style>
+          <a:lnRef idx="2">
+            <a:schemeClr val="accent1">
+              <a:shade val="50000"/>
+            </a:schemeClr>
+          </a:lnRef>
+          <a:fillRef idx="1">
+            <a:schemeClr val="accent1"/>
+          </a:fillRef>
+          <a:effectRef idx="0">
+            <a:schemeClr val="accent1"/>
+          </a:effectRef>
+          <a:fontRef idx="minor">
+            <a:schemeClr val="lt1"/>
+          </a:fontRef>
+        </p:style>
+        <p:txBody>
+          <a:bodyPr rtlCol="0" anchor="ctr"/>
+          <a:lstStyle/>
+          <a:p>
+            <a:pPr algn="ctr"/>
+            <a:endParaRPr lang="en-CA">
+              <a:solidFill>
+                <a:schemeClr val="tx1"/>
+              </a:solidFill>
+            </a:endParaRPr>
+          </a:p>
+        </p:txBody>
+      </p:sp>
+      <p:sp>
+        <p:nvSpPr>
+          <p:cNvPr id="17" name="Arrow: Right 16">
+            <a:extLst>
+              <a:ext uri="{FF2B5EF4-FFF2-40B4-BE49-F238E27FC236}">
+                <a16:creationId xmlns:a16="http://schemas.microsoft.com/office/drawing/2014/main" id="{010F250C-B4B3-4280-9F4B-5B6F5673AE58}"/>
+              </a:ext>
+            </a:extLst>
+          </p:cNvPr>
+          <p:cNvSpPr/>
+          <p:nvPr/>
+        </p:nvSpPr>
+        <p:spPr>
+          <a:xfrm rot="12340025">
+            <a:off x="6079624" y="3775155"/>
+            <a:ext cx="787116" cy="257562"/>
+          </a:xfrm>
+          <a:prstGeom prst="rightArrow">
+            <a:avLst/>
+          </a:prstGeom>
+          <a:solidFill>
+            <a:schemeClr val="bg1"/>
+          </a:solidFill>
+          <a:ln>
+            <a:solidFill>
+              <a:schemeClr val="tx1"/>
+            </a:solidFill>
+          </a:ln>
+        </p:spPr>
+        <p:style>
+          <a:lnRef idx="2">
+            <a:schemeClr val="accent1">
+              <a:shade val="50000"/>
+            </a:schemeClr>
+          </a:lnRef>
+          <a:fillRef idx="1">
+            <a:schemeClr val="accent1"/>
+          </a:fillRef>
+          <a:effectRef idx="0">
+            <a:schemeClr val="accent1"/>
+          </a:effectRef>
+          <a:fontRef idx="minor">
+            <a:schemeClr val="lt1"/>
+          </a:fontRef>
+        </p:style>
+        <p:txBody>
+          <a:bodyPr rtlCol="0" anchor="ctr"/>
+          <a:lstStyle/>
+          <a:p>
+            <a:pPr algn="ctr"/>
+            <a:endParaRPr lang="en-CA"/>
           </a:p>
         </p:txBody>
       </p:sp>
@@ -6203,11 +6680,11 @@
 </file>
 
 <file path=ppt/slides/slide4.xml><?xml version="1.0" encoding="utf-8"?>
-<p:sld xmlns:a="http://schemas.openxmlformats.org/drawingml/2006/main" xmlns:r="http://schemas.openxmlformats.org/officeDocument/2006/relationships" xmlns:mc="http://schemas.openxmlformats.org/markup-compatibility/2006" xmlns:mv="urn:schemas-microsoft-com:mac:vml" xmlns:p="http://schemas.openxmlformats.org/presentationml/2006/main" xmlns:c="http://schemas.openxmlformats.org/drawingml/2006/chart" xmlns:dgm="http://schemas.openxmlformats.org/drawingml/2006/diagram" xmlns:o="urn:schemas-microsoft-com:office:office" xmlns:v="urn:schemas-microsoft-com:vml" xmlns:pvml="urn:schemas-microsoft-com:office:powerpoint" xmlns:com="http://schemas.openxmlformats.org/drawingml/2006/compatibility" xmlns:p14="http://schemas.microsoft.com/office/powerpoint/2010/main" xmlns:p15="http://schemas.microsoft.com/office/powerpoint/2012/main">
+<p:sld xmlns:a="http://schemas.openxmlformats.org/drawingml/2006/main" xmlns:r="http://schemas.openxmlformats.org/officeDocument/2006/relationships" xmlns:p="http://schemas.openxmlformats.org/presentationml/2006/main">
   <p:cSld>
     <p:spTree>
       <p:nvGrpSpPr>
-        <p:cNvPr id="71" name="Shape 71"/>
+        <p:cNvPr id="1" name="Shape 71"/>
         <p:cNvGrpSpPr/>
         <p:nvPr/>
       </p:nvGrpSpPr>
@@ -6221,54 +6698,17 @@
       </p:grpSpPr>
       <p:sp>
         <p:nvSpPr>
-          <p:cNvPr id="72" name="Google Shape;72;p16"/>
-          <p:cNvSpPr txBox="1"/>
+          <p:cNvPr id="73" name="Google Shape;73;p16"/>
+          <p:cNvSpPr txBox="1">
+            <a:spLocks noGrp="1"/>
+          </p:cNvSpPr>
           <p:nvPr>
-            <p:ph type="title"/>
+            <p:ph type="body" idx="1"/>
           </p:nvPr>
         </p:nvSpPr>
         <p:spPr>
           <a:xfrm>
-            <a:off x="311700" y="445025"/>
-            <a:ext cx="8520600" cy="572700"/>
-          </a:xfrm>
-          <a:prstGeom prst="rect">
-            <a:avLst/>
-          </a:prstGeom>
-        </p:spPr>
-        <p:txBody>
-          <a:bodyPr anchorCtr="0" anchor="t" bIns="91425" lIns="91425" spcFirstLastPara="1" rIns="91425" wrap="square" tIns="91425">
-            <a:noAutofit/>
-          </a:bodyPr>
-          <a:lstStyle/>
-          <a:p>
-            <a:pPr indent="0" lvl="0" marL="0" rtl="0" algn="l">
-              <a:spcBef>
-                <a:spcPts val="0"/>
-              </a:spcBef>
-              <a:spcAft>
-                <a:spcPts val="0"/>
-              </a:spcAft>
-              <a:buNone/>
-            </a:pPr>
-            <a:r>
-              <a:t/>
-            </a:r>
-            <a:endParaRPr/>
-          </a:p>
-        </p:txBody>
-      </p:sp>
-      <p:sp>
-        <p:nvSpPr>
-          <p:cNvPr id="73" name="Google Shape;73;p16"/>
-          <p:cNvSpPr txBox="1"/>
-          <p:nvPr>
-            <p:ph idx="1" type="body"/>
-          </p:nvPr>
-        </p:nvSpPr>
-        <p:spPr>
-          <a:xfrm>
-            <a:off x="311700" y="1152475"/>
+            <a:off x="311700" y="237182"/>
             <a:ext cx="8520600" cy="3416400"/>
           </a:xfrm>
           <a:prstGeom prst="rect">
@@ -6276,12 +6716,12 @@
           </a:prstGeom>
         </p:spPr>
         <p:txBody>
-          <a:bodyPr anchorCtr="0" anchor="t" bIns="91425" lIns="91425" spcFirstLastPara="1" rIns="91425" wrap="square" tIns="91425">
+          <a:bodyPr spcFirstLastPara="1" wrap="square" lIns="91425" tIns="91425" rIns="91425" bIns="91425" anchor="t" anchorCtr="0">
             <a:noAutofit/>
           </a:bodyPr>
           <a:lstStyle/>
           <a:p>
-            <a:pPr indent="0" lvl="0" marL="0" rtl="0" algn="l">
+            <a:pPr marL="0" lvl="0" indent="0" algn="l" rtl="0">
               <a:spcBef>
                 <a:spcPts val="0"/>
               </a:spcBef>
@@ -6296,10 +6736,673 @@
               <a:buNone/>
             </a:pPr>
             <a:r>
-              <a:rPr lang="en"/>
-              <a:t>We all know the rules, we played this game as kids. But how do we actually code it out? How do we arrange the visuals and design the classes and actually implement it? We pick up on all the little details that mattered to deliver this experience.</a:t>
+              <a:rPr lang="en" sz="2400" dirty="0"/>
+              <a:t>We all know the rules, we played this game as kids. But how do we actually code it out? How do we arrange the visuals and design the </a:t>
             </a:r>
-            <a:endParaRPr/>
+            <a:r>
+              <a:rPr lang="en-CA" sz="2400" dirty="0"/>
+              <a:t>code</a:t>
+            </a:r>
+            <a:r>
+              <a:rPr lang="en" sz="2400" dirty="0"/>
+              <a:t>? We pick up on all the little details that matter to deliver this experience.</a:t>
+            </a:r>
+            <a:endParaRPr sz="2400" dirty="0"/>
+          </a:p>
+        </p:txBody>
+      </p:sp>
+      <p:pic>
+        <p:nvPicPr>
+          <p:cNvPr id="3" name="Picture 2">
+            <a:extLst>
+              <a:ext uri="{FF2B5EF4-FFF2-40B4-BE49-F238E27FC236}">
+                <a16:creationId xmlns:a16="http://schemas.microsoft.com/office/drawing/2014/main" id="{C4822C4A-88F5-49F7-84CD-46AE10CB84CD}"/>
+              </a:ext>
+            </a:extLst>
+          </p:cNvPr>
+          <p:cNvPicPr>
+            <a:picLocks noChangeAspect="1"/>
+          </p:cNvPicPr>
+          <p:nvPr/>
+        </p:nvPicPr>
+        <p:blipFill>
+          <a:blip r:embed="rId3"/>
+          <a:stretch>
+            <a:fillRect/>
+          </a:stretch>
+        </p:blipFill>
+        <p:spPr>
+          <a:xfrm>
+            <a:off x="3069633" y="2571750"/>
+            <a:ext cx="2671949" cy="1933234"/>
+          </a:xfrm>
+          <a:prstGeom prst="rect">
+            <a:avLst/>
+          </a:prstGeom>
+        </p:spPr>
+      </p:pic>
+      <p:sp>
+        <p:nvSpPr>
+          <p:cNvPr id="5" name="Rectangle 4">
+            <a:extLst>
+              <a:ext uri="{FF2B5EF4-FFF2-40B4-BE49-F238E27FC236}">
+                <a16:creationId xmlns:a16="http://schemas.microsoft.com/office/drawing/2014/main" id="{AD7FC64C-8409-4523-96F4-8F61B1511C67}"/>
+              </a:ext>
+            </a:extLst>
+          </p:cNvPr>
+          <p:cNvSpPr/>
+          <p:nvPr/>
+        </p:nvSpPr>
+        <p:spPr>
+          <a:xfrm>
+            <a:off x="5858540" y="2571750"/>
+            <a:ext cx="1786269" cy="1840762"/>
+          </a:xfrm>
+          <a:prstGeom prst="rect">
+            <a:avLst/>
+          </a:prstGeom>
+        </p:spPr>
+        <p:style>
+          <a:lnRef idx="2">
+            <a:schemeClr val="accent1">
+              <a:shade val="50000"/>
+            </a:schemeClr>
+          </a:lnRef>
+          <a:fillRef idx="1">
+            <a:schemeClr val="accent1"/>
+          </a:fillRef>
+          <a:effectRef idx="0">
+            <a:schemeClr val="accent1"/>
+          </a:effectRef>
+          <a:fontRef idx="minor">
+            <a:schemeClr val="lt1"/>
+          </a:fontRef>
+        </p:style>
+        <p:txBody>
+          <a:bodyPr rtlCol="0" anchor="ctr"/>
+          <a:lstStyle/>
+          <a:p>
+            <a:pPr algn="ctr"/>
+            <a:endParaRPr lang="en-CA" dirty="0"/>
+          </a:p>
+        </p:txBody>
+      </p:sp>
+      <p:sp>
+        <p:nvSpPr>
+          <p:cNvPr id="6" name="TextBox 5">
+            <a:extLst>
+              <a:ext uri="{FF2B5EF4-FFF2-40B4-BE49-F238E27FC236}">
+                <a16:creationId xmlns:a16="http://schemas.microsoft.com/office/drawing/2014/main" id="{A9B199F0-EB2B-4DC2-A455-BD619471964A}"/>
+              </a:ext>
+            </a:extLst>
+          </p:cNvPr>
+          <p:cNvSpPr txBox="1"/>
+          <p:nvPr/>
+        </p:nvSpPr>
+        <p:spPr>
+          <a:xfrm>
+            <a:off x="5867155" y="2571750"/>
+            <a:ext cx="3023624" cy="1815882"/>
+          </a:xfrm>
+          <a:prstGeom prst="rect">
+            <a:avLst/>
+          </a:prstGeom>
+          <a:noFill/>
+        </p:spPr>
+        <p:txBody>
+          <a:bodyPr wrap="square" rtlCol="0">
+            <a:spAutoFit/>
+          </a:bodyPr>
+          <a:lstStyle/>
+          <a:p>
+            <a:r>
+              <a:rPr lang="en-CA" dirty="0"/>
+              <a:t>Inform player:</a:t>
+            </a:r>
+          </a:p>
+          <a:p>
+            <a:endParaRPr lang="en-CA" dirty="0"/>
+          </a:p>
+          <a:p>
+            <a:r>
+              <a:rPr lang="en-CA" dirty="0"/>
+              <a:t>Who’s Turn: ___</a:t>
+            </a:r>
+          </a:p>
+          <a:p>
+            <a:endParaRPr lang="en-CA" dirty="0"/>
+          </a:p>
+          <a:p>
+            <a:r>
+              <a:rPr lang="en-CA" dirty="0"/>
+              <a:t>         score: ___</a:t>
+            </a:r>
+          </a:p>
+          <a:p>
+            <a:r>
+              <a:rPr lang="en-CA" dirty="0"/>
+              <a:t>         score: ___</a:t>
+            </a:r>
+          </a:p>
+          <a:p>
+            <a:endParaRPr lang="en-CA" dirty="0"/>
+          </a:p>
+          <a:p>
+            <a:r>
+              <a:rPr lang="en-CA" dirty="0"/>
+              <a:t>Who won: ___</a:t>
+            </a:r>
+          </a:p>
+        </p:txBody>
+      </p:sp>
+      <p:cxnSp>
+        <p:nvCxnSpPr>
+          <p:cNvPr id="8" name="Straight Arrow Connector 7">
+            <a:extLst>
+              <a:ext uri="{FF2B5EF4-FFF2-40B4-BE49-F238E27FC236}">
+                <a16:creationId xmlns:a16="http://schemas.microsoft.com/office/drawing/2014/main" id="{8091FED5-4163-4FB5-819B-6A2ACAC74663}"/>
+              </a:ext>
+            </a:extLst>
+          </p:cNvPr>
+          <p:cNvCxnSpPr>
+            <a:cxnSpLocks/>
+          </p:cNvCxnSpPr>
+          <p:nvPr/>
+        </p:nvCxnSpPr>
+        <p:spPr>
+          <a:xfrm>
+            <a:off x="2114422" y="3111917"/>
+            <a:ext cx="1379893" cy="0"/>
+          </a:xfrm>
+          <a:prstGeom prst="straightConnector1">
+            <a:avLst/>
+          </a:prstGeom>
+          <a:ln>
+            <a:solidFill>
+              <a:schemeClr val="tx1"/>
+            </a:solidFill>
+            <a:tailEnd type="triangle"/>
+          </a:ln>
+        </p:spPr>
+        <p:style>
+          <a:lnRef idx="1">
+            <a:schemeClr val="accent1"/>
+          </a:lnRef>
+          <a:fillRef idx="0">
+            <a:schemeClr val="accent1"/>
+          </a:fillRef>
+          <a:effectRef idx="0">
+            <a:schemeClr val="accent1"/>
+          </a:effectRef>
+          <a:fontRef idx="minor">
+            <a:schemeClr val="tx1"/>
+          </a:fontRef>
+        </p:style>
+      </p:cxnSp>
+      <p:sp>
+        <p:nvSpPr>
+          <p:cNvPr id="10" name="TextBox 9">
+            <a:extLst>
+              <a:ext uri="{FF2B5EF4-FFF2-40B4-BE49-F238E27FC236}">
+                <a16:creationId xmlns:a16="http://schemas.microsoft.com/office/drawing/2014/main" id="{101F1160-D45A-468B-B594-8668342F1203}"/>
+              </a:ext>
+            </a:extLst>
+          </p:cNvPr>
+          <p:cNvSpPr txBox="1"/>
+          <p:nvPr/>
+        </p:nvSpPr>
+        <p:spPr>
+          <a:xfrm>
+            <a:off x="1079384" y="2922169"/>
+            <a:ext cx="1488558" cy="307777"/>
+          </a:xfrm>
+          <a:prstGeom prst="rect">
+            <a:avLst/>
+          </a:prstGeom>
+          <a:noFill/>
+        </p:spPr>
+        <p:txBody>
+          <a:bodyPr wrap="square" rtlCol="0">
+            <a:spAutoFit/>
+          </a:bodyPr>
+          <a:lstStyle/>
+          <a:p>
+            <a:r>
+              <a:rPr lang="en-CA" dirty="0"/>
+              <a:t>No floating</a:t>
+            </a:r>
+          </a:p>
+        </p:txBody>
+      </p:sp>
+      <p:sp>
+        <p:nvSpPr>
+          <p:cNvPr id="11" name="Oval 10">
+            <a:extLst>
+              <a:ext uri="{FF2B5EF4-FFF2-40B4-BE49-F238E27FC236}">
+                <a16:creationId xmlns:a16="http://schemas.microsoft.com/office/drawing/2014/main" id="{847D6C1E-D503-4A6E-82A5-B99A8FA18A8D}"/>
+              </a:ext>
+            </a:extLst>
+          </p:cNvPr>
+          <p:cNvSpPr/>
+          <p:nvPr/>
+        </p:nvSpPr>
+        <p:spPr>
+          <a:xfrm>
+            <a:off x="3611273" y="2996702"/>
+            <a:ext cx="223283" cy="230430"/>
+          </a:xfrm>
+          <a:prstGeom prst="ellipse">
+            <a:avLst/>
+          </a:prstGeom>
+          <a:solidFill>
+            <a:schemeClr val="bg1"/>
+          </a:solidFill>
+          <a:ln>
+            <a:solidFill>
+              <a:schemeClr val="tx1"/>
+            </a:solidFill>
+          </a:ln>
+        </p:spPr>
+        <p:style>
+          <a:lnRef idx="2">
+            <a:schemeClr val="accent1">
+              <a:shade val="50000"/>
+            </a:schemeClr>
+          </a:lnRef>
+          <a:fillRef idx="1">
+            <a:schemeClr val="accent1"/>
+          </a:fillRef>
+          <a:effectRef idx="0">
+            <a:schemeClr val="accent1"/>
+          </a:effectRef>
+          <a:fontRef idx="minor">
+            <a:schemeClr val="lt1"/>
+          </a:fontRef>
+        </p:style>
+        <p:txBody>
+          <a:bodyPr rtlCol="0" anchor="ctr"/>
+          <a:lstStyle/>
+          <a:p>
+            <a:pPr algn="ctr"/>
+            <a:endParaRPr lang="en-CA"/>
+          </a:p>
+        </p:txBody>
+      </p:sp>
+      <p:cxnSp>
+        <p:nvCxnSpPr>
+          <p:cNvPr id="14" name="Straight Arrow Connector 13">
+            <a:extLst>
+              <a:ext uri="{FF2B5EF4-FFF2-40B4-BE49-F238E27FC236}">
+                <a16:creationId xmlns:a16="http://schemas.microsoft.com/office/drawing/2014/main" id="{47D64CB0-9C32-4611-9AB1-AA413ECF984E}"/>
+              </a:ext>
+            </a:extLst>
+          </p:cNvPr>
+          <p:cNvCxnSpPr>
+            <a:cxnSpLocks/>
+          </p:cNvCxnSpPr>
+          <p:nvPr/>
+        </p:nvCxnSpPr>
+        <p:spPr>
+          <a:xfrm flipV="1">
+            <a:off x="2114422" y="4104168"/>
+            <a:ext cx="1496851" cy="12184"/>
+          </a:xfrm>
+          <a:prstGeom prst="straightConnector1">
+            <a:avLst/>
+          </a:prstGeom>
+          <a:ln>
+            <a:solidFill>
+              <a:schemeClr val="tx1"/>
+            </a:solidFill>
+            <a:tailEnd type="triangle"/>
+          </a:ln>
+        </p:spPr>
+        <p:style>
+          <a:lnRef idx="1">
+            <a:schemeClr val="accent1"/>
+          </a:lnRef>
+          <a:fillRef idx="0">
+            <a:schemeClr val="accent1"/>
+          </a:fillRef>
+          <a:effectRef idx="0">
+            <a:schemeClr val="accent1"/>
+          </a:effectRef>
+          <a:fontRef idx="minor">
+            <a:schemeClr val="tx1"/>
+          </a:fontRef>
+        </p:style>
+      </p:cxnSp>
+      <p:cxnSp>
+        <p:nvCxnSpPr>
+          <p:cNvPr id="17" name="Straight Arrow Connector 16">
+            <a:extLst>
+              <a:ext uri="{FF2B5EF4-FFF2-40B4-BE49-F238E27FC236}">
+                <a16:creationId xmlns:a16="http://schemas.microsoft.com/office/drawing/2014/main" id="{18E9056C-C833-4A3E-BB2C-18A900E6C772}"/>
+              </a:ext>
+            </a:extLst>
+          </p:cNvPr>
+          <p:cNvCxnSpPr>
+            <a:cxnSpLocks/>
+          </p:cNvCxnSpPr>
+          <p:nvPr/>
+        </p:nvCxnSpPr>
+        <p:spPr>
+          <a:xfrm flipV="1">
+            <a:off x="3834556" y="3715591"/>
+            <a:ext cx="248346" cy="233067"/>
+          </a:xfrm>
+          <a:prstGeom prst="straightConnector1">
+            <a:avLst/>
+          </a:prstGeom>
+          <a:ln>
+            <a:solidFill>
+              <a:schemeClr val="tx1"/>
+            </a:solidFill>
+            <a:tailEnd type="triangle"/>
+          </a:ln>
+        </p:spPr>
+        <p:style>
+          <a:lnRef idx="1">
+            <a:schemeClr val="accent1"/>
+          </a:lnRef>
+          <a:fillRef idx="0">
+            <a:schemeClr val="accent1"/>
+          </a:fillRef>
+          <a:effectRef idx="0">
+            <a:schemeClr val="accent1"/>
+          </a:effectRef>
+          <a:fontRef idx="minor">
+            <a:schemeClr val="tx1"/>
+          </a:fontRef>
+        </p:style>
+      </p:cxnSp>
+      <p:sp>
+        <p:nvSpPr>
+          <p:cNvPr id="19" name="TextBox 18">
+            <a:extLst>
+              <a:ext uri="{FF2B5EF4-FFF2-40B4-BE49-F238E27FC236}">
+                <a16:creationId xmlns:a16="http://schemas.microsoft.com/office/drawing/2014/main" id="{B70E8753-5ACF-4CC1-98DB-21F9B5FD7290}"/>
+              </a:ext>
+            </a:extLst>
+          </p:cNvPr>
+          <p:cNvSpPr txBox="1"/>
+          <p:nvPr/>
+        </p:nvSpPr>
+        <p:spPr>
+          <a:xfrm>
+            <a:off x="1033188" y="3770113"/>
+            <a:ext cx="1408732" cy="523220"/>
+          </a:xfrm>
+          <a:prstGeom prst="rect">
+            <a:avLst/>
+          </a:prstGeom>
+          <a:noFill/>
+        </p:spPr>
+        <p:txBody>
+          <a:bodyPr wrap="square" rtlCol="0">
+            <a:spAutoFit/>
+          </a:bodyPr>
+          <a:lstStyle/>
+          <a:p>
+            <a:r>
+              <a:rPr lang="en-CA" dirty="0"/>
+              <a:t>Check direction for win</a:t>
+            </a:r>
+          </a:p>
+        </p:txBody>
+      </p:sp>
+      <p:cxnSp>
+        <p:nvCxnSpPr>
+          <p:cNvPr id="22" name="Straight Arrow Connector 21">
+            <a:extLst>
+              <a:ext uri="{FF2B5EF4-FFF2-40B4-BE49-F238E27FC236}">
+                <a16:creationId xmlns:a16="http://schemas.microsoft.com/office/drawing/2014/main" id="{5B0F942D-3E9F-4681-B9C6-B80D0238AF38}"/>
+              </a:ext>
+            </a:extLst>
+          </p:cNvPr>
+          <p:cNvCxnSpPr/>
+          <p:nvPr/>
+        </p:nvCxnSpPr>
+        <p:spPr>
+          <a:xfrm>
+            <a:off x="4082902" y="2126512"/>
+            <a:ext cx="0" cy="340241"/>
+          </a:xfrm>
+          <a:prstGeom prst="straightConnector1">
+            <a:avLst/>
+          </a:prstGeom>
+          <a:ln>
+            <a:solidFill>
+              <a:schemeClr val="tx1"/>
+            </a:solidFill>
+            <a:tailEnd type="triangle"/>
+          </a:ln>
+        </p:spPr>
+        <p:style>
+          <a:lnRef idx="1">
+            <a:schemeClr val="accent1"/>
+          </a:lnRef>
+          <a:fillRef idx="0">
+            <a:schemeClr val="accent1"/>
+          </a:fillRef>
+          <a:effectRef idx="0">
+            <a:schemeClr val="accent1"/>
+          </a:effectRef>
+          <a:fontRef idx="minor">
+            <a:schemeClr val="tx1"/>
+          </a:fontRef>
+        </p:style>
+      </p:cxnSp>
+      <p:sp>
+        <p:nvSpPr>
+          <p:cNvPr id="23" name="TextBox 22">
+            <a:extLst>
+              <a:ext uri="{FF2B5EF4-FFF2-40B4-BE49-F238E27FC236}">
+                <a16:creationId xmlns:a16="http://schemas.microsoft.com/office/drawing/2014/main" id="{CF76A1A1-9936-4655-B225-61B202283CD8}"/>
+              </a:ext>
+            </a:extLst>
+          </p:cNvPr>
+          <p:cNvSpPr txBox="1"/>
+          <p:nvPr/>
+        </p:nvSpPr>
+        <p:spPr>
+          <a:xfrm>
+            <a:off x="4082902" y="2019987"/>
+            <a:ext cx="1169582" cy="523220"/>
+          </a:xfrm>
+          <a:prstGeom prst="rect">
+            <a:avLst/>
+          </a:prstGeom>
+          <a:noFill/>
+        </p:spPr>
+        <p:txBody>
+          <a:bodyPr wrap="square" rtlCol="0">
+            <a:spAutoFit/>
+          </a:bodyPr>
+          <a:lstStyle/>
+          <a:p>
+            <a:r>
+              <a:rPr lang="en-CA" dirty="0"/>
+              <a:t>Picking column</a:t>
+            </a:r>
+          </a:p>
+        </p:txBody>
+      </p:sp>
+      <p:sp>
+        <p:nvSpPr>
+          <p:cNvPr id="26" name="Oval 25">
+            <a:extLst>
+              <a:ext uri="{FF2B5EF4-FFF2-40B4-BE49-F238E27FC236}">
+                <a16:creationId xmlns:a16="http://schemas.microsoft.com/office/drawing/2014/main" id="{36164D9B-DC14-4F26-AAE0-751EF587F449}"/>
+              </a:ext>
+            </a:extLst>
+          </p:cNvPr>
+          <p:cNvSpPr/>
+          <p:nvPr/>
+        </p:nvSpPr>
+        <p:spPr>
+          <a:xfrm>
+            <a:off x="6028890" y="3423152"/>
+            <a:ext cx="223282" cy="230430"/>
+          </a:xfrm>
+          <a:prstGeom prst="ellipse">
+            <a:avLst/>
+          </a:prstGeom>
+          <a:solidFill>
+            <a:schemeClr val="bg1"/>
+          </a:solidFill>
+          <a:ln>
+            <a:solidFill>
+              <a:schemeClr val="tx1"/>
+            </a:solidFill>
+          </a:ln>
+        </p:spPr>
+        <p:style>
+          <a:lnRef idx="2">
+            <a:schemeClr val="accent1">
+              <a:shade val="50000"/>
+            </a:schemeClr>
+          </a:lnRef>
+          <a:fillRef idx="1">
+            <a:schemeClr val="accent1"/>
+          </a:fillRef>
+          <a:effectRef idx="0">
+            <a:schemeClr val="accent1"/>
+          </a:effectRef>
+          <a:fontRef idx="minor">
+            <a:schemeClr val="lt1"/>
+          </a:fontRef>
+        </p:style>
+        <p:txBody>
+          <a:bodyPr rtlCol="0" anchor="ctr"/>
+          <a:lstStyle/>
+          <a:p>
+            <a:pPr algn="ctr"/>
+            <a:endParaRPr lang="en-CA"/>
+          </a:p>
+        </p:txBody>
+      </p:sp>
+      <p:sp>
+        <p:nvSpPr>
+          <p:cNvPr id="27" name="Oval 26">
+            <a:extLst>
+              <a:ext uri="{FF2B5EF4-FFF2-40B4-BE49-F238E27FC236}">
+                <a16:creationId xmlns:a16="http://schemas.microsoft.com/office/drawing/2014/main" id="{32C45749-C615-41BC-8BBF-27637DCE8EAF}"/>
+              </a:ext>
+            </a:extLst>
+          </p:cNvPr>
+          <p:cNvSpPr/>
+          <p:nvPr/>
+        </p:nvSpPr>
+        <p:spPr>
+          <a:xfrm>
+            <a:off x="6028890" y="3720340"/>
+            <a:ext cx="223283" cy="230430"/>
+          </a:xfrm>
+          <a:prstGeom prst="ellipse">
+            <a:avLst/>
+          </a:prstGeom>
+          <a:solidFill>
+            <a:schemeClr val="tx1"/>
+          </a:solidFill>
+          <a:ln>
+            <a:solidFill>
+              <a:schemeClr val="tx1"/>
+            </a:solidFill>
+          </a:ln>
+        </p:spPr>
+        <p:style>
+          <a:lnRef idx="2">
+            <a:schemeClr val="accent1">
+              <a:shade val="50000"/>
+            </a:schemeClr>
+          </a:lnRef>
+          <a:fillRef idx="1">
+            <a:schemeClr val="accent1"/>
+          </a:fillRef>
+          <a:effectRef idx="0">
+            <a:schemeClr val="accent1"/>
+          </a:effectRef>
+          <a:fontRef idx="minor">
+            <a:schemeClr val="lt1"/>
+          </a:fontRef>
+        </p:style>
+        <p:txBody>
+          <a:bodyPr rtlCol="0" anchor="ctr"/>
+          <a:lstStyle/>
+          <a:p>
+            <a:pPr algn="ctr"/>
+            <a:endParaRPr lang="en-CA"/>
+          </a:p>
+        </p:txBody>
+      </p:sp>
+      <p:sp>
+        <p:nvSpPr>
+          <p:cNvPr id="24" name="TextBox 23">
+            <a:extLst>
+              <a:ext uri="{FF2B5EF4-FFF2-40B4-BE49-F238E27FC236}">
+                <a16:creationId xmlns:a16="http://schemas.microsoft.com/office/drawing/2014/main" id="{4BD0BA71-1618-468B-B9E0-3B33F8BF93C6}"/>
+              </a:ext>
+            </a:extLst>
+          </p:cNvPr>
+          <p:cNvSpPr txBox="1"/>
+          <p:nvPr/>
+        </p:nvSpPr>
+        <p:spPr>
+          <a:xfrm>
+            <a:off x="1245617" y="2495719"/>
+            <a:ext cx="1591315" cy="307777"/>
+          </a:xfrm>
+          <a:prstGeom prst="rect">
+            <a:avLst/>
+          </a:prstGeom>
+          <a:noFill/>
+        </p:spPr>
+        <p:txBody>
+          <a:bodyPr wrap="square" rtlCol="0">
+            <a:spAutoFit/>
+          </a:bodyPr>
+          <a:lstStyle/>
+          <a:p>
+            <a:r>
+              <a:rPr lang="en-CA" dirty="0"/>
+              <a:t>BACKEND</a:t>
+            </a:r>
+          </a:p>
+        </p:txBody>
+      </p:sp>
+      <p:sp>
+        <p:nvSpPr>
+          <p:cNvPr id="25" name="TextBox 24">
+            <a:extLst>
+              <a:ext uri="{FF2B5EF4-FFF2-40B4-BE49-F238E27FC236}">
+                <a16:creationId xmlns:a16="http://schemas.microsoft.com/office/drawing/2014/main" id="{21C721A7-E3D4-4C35-B629-31C5FF0DD343}"/>
+              </a:ext>
+            </a:extLst>
+          </p:cNvPr>
+          <p:cNvSpPr txBox="1"/>
+          <p:nvPr/>
+        </p:nvSpPr>
+        <p:spPr>
+          <a:xfrm>
+            <a:off x="6362173" y="2158976"/>
+            <a:ext cx="1913860" cy="307777"/>
+          </a:xfrm>
+          <a:prstGeom prst="rect">
+            <a:avLst/>
+          </a:prstGeom>
+          <a:noFill/>
+        </p:spPr>
+        <p:txBody>
+          <a:bodyPr wrap="square" rtlCol="0">
+            <a:spAutoFit/>
+          </a:bodyPr>
+          <a:lstStyle/>
+          <a:p>
+            <a:r>
+              <a:rPr lang="en-CA" dirty="0"/>
+              <a:t>GUI</a:t>
+            </a:r>
           </a:p>
         </p:txBody>
       </p:sp>
@@ -6312,11 +7415,230 @@
 </file>
 
 <file path=ppt/slides/slide5.xml><?xml version="1.0" encoding="utf-8"?>
-<p:sld xmlns:a="http://schemas.openxmlformats.org/drawingml/2006/main" xmlns:r="http://schemas.openxmlformats.org/officeDocument/2006/relationships" xmlns:mc="http://schemas.openxmlformats.org/markup-compatibility/2006" xmlns:mv="urn:schemas-microsoft-com:mac:vml" xmlns:p="http://schemas.openxmlformats.org/presentationml/2006/main" xmlns:c="http://schemas.openxmlformats.org/drawingml/2006/chart" xmlns:dgm="http://schemas.openxmlformats.org/drawingml/2006/diagram" xmlns:o="urn:schemas-microsoft-com:office:office" xmlns:v="urn:schemas-microsoft-com:vml" xmlns:pvml="urn:schemas-microsoft-com:office:powerpoint" xmlns:com="http://schemas.openxmlformats.org/drawingml/2006/compatibility" xmlns:p14="http://schemas.microsoft.com/office/powerpoint/2010/main" xmlns:p15="http://schemas.microsoft.com/office/powerpoint/2012/main">
+<p:sld xmlns:a="http://schemas.openxmlformats.org/drawingml/2006/main" xmlns:r="http://schemas.openxmlformats.org/officeDocument/2006/relationships" xmlns:p="http://schemas.openxmlformats.org/presentationml/2006/main">
   <p:cSld>
     <p:spTree>
       <p:nvGrpSpPr>
-        <p:cNvPr id="77" name="Shape 77"/>
+        <p:cNvPr id="1" name="Shape 77"/>
+        <p:cNvGrpSpPr/>
+        <p:nvPr/>
+      </p:nvGrpSpPr>
+      <p:grpSpPr>
+        <a:xfrm>
+          <a:off x="0" y="0"/>
+          <a:ext cx="0" cy="0"/>
+          <a:chOff x="0" y="0"/>
+          <a:chExt cx="0" cy="0"/>
+        </a:xfrm>
+      </p:grpSpPr>
+      <p:pic>
+        <p:nvPicPr>
+          <p:cNvPr id="9" name="Picture 8">
+            <a:extLst>
+              <a:ext uri="{FF2B5EF4-FFF2-40B4-BE49-F238E27FC236}">
+                <a16:creationId xmlns:a16="http://schemas.microsoft.com/office/drawing/2014/main" id="{656EE386-1F5C-42CF-A3F8-461E5741E4B5}"/>
+              </a:ext>
+            </a:extLst>
+          </p:cNvPr>
+          <p:cNvPicPr>
+            <a:picLocks noChangeAspect="1"/>
+          </p:cNvPicPr>
+          <p:nvPr/>
+        </p:nvPicPr>
+        <p:blipFill>
+          <a:blip r:embed="rId3"/>
+          <a:stretch>
+            <a:fillRect/>
+          </a:stretch>
+        </p:blipFill>
+        <p:spPr>
+          <a:xfrm>
+            <a:off x="573718" y="2190307"/>
+            <a:ext cx="2459162" cy="2733111"/>
+          </a:xfrm>
+          <a:prstGeom prst="rect">
+            <a:avLst/>
+          </a:prstGeom>
+        </p:spPr>
+      </p:pic>
+      <p:sp>
+        <p:nvSpPr>
+          <p:cNvPr id="11" name="Thought Bubble: Cloud 10">
+            <a:extLst>
+              <a:ext uri="{FF2B5EF4-FFF2-40B4-BE49-F238E27FC236}">
+                <a16:creationId xmlns:a16="http://schemas.microsoft.com/office/drawing/2014/main" id="{D7FDF688-6160-43AF-83EF-DA8C417B981B}"/>
+              </a:ext>
+            </a:extLst>
+          </p:cNvPr>
+          <p:cNvSpPr/>
+          <p:nvPr/>
+        </p:nvSpPr>
+        <p:spPr>
+          <a:xfrm>
+            <a:off x="3669357" y="1839433"/>
+            <a:ext cx="4570876" cy="3083985"/>
+          </a:xfrm>
+          <a:prstGeom prst="cloudCallout">
+            <a:avLst>
+              <a:gd name="adj1" fmla="val -70109"/>
+              <a:gd name="adj2" fmla="val -2145"/>
+            </a:avLst>
+          </a:prstGeom>
+          <a:solidFill>
+            <a:schemeClr val="bg1"/>
+          </a:solidFill>
+          <a:ln>
+            <a:solidFill>
+              <a:schemeClr val="tx1"/>
+            </a:solidFill>
+          </a:ln>
+        </p:spPr>
+        <p:style>
+          <a:lnRef idx="2">
+            <a:schemeClr val="accent1">
+              <a:shade val="50000"/>
+            </a:schemeClr>
+          </a:lnRef>
+          <a:fillRef idx="1">
+            <a:schemeClr val="accent1"/>
+          </a:fillRef>
+          <a:effectRef idx="0">
+            <a:schemeClr val="accent1"/>
+          </a:effectRef>
+          <a:fontRef idx="minor">
+            <a:schemeClr val="lt1"/>
+          </a:fontRef>
+        </p:style>
+        <p:txBody>
+          <a:bodyPr rtlCol="0" anchor="ctr"/>
+          <a:lstStyle/>
+          <a:p>
+            <a:pPr algn="ctr"/>
+            <a:endParaRPr lang="en-CA"/>
+          </a:p>
+        </p:txBody>
+      </p:sp>
+      <p:sp>
+        <p:nvSpPr>
+          <p:cNvPr id="79" name="Google Shape;79;p17"/>
+          <p:cNvSpPr txBox="1">
+            <a:spLocks noGrp="1"/>
+          </p:cNvSpPr>
+          <p:nvPr>
+            <p:ph type="body" idx="1"/>
+          </p:nvPr>
+        </p:nvSpPr>
+        <p:spPr>
+          <a:xfrm>
+            <a:off x="311700" y="531354"/>
+            <a:ext cx="8520600" cy="3416400"/>
+          </a:xfrm>
+          <a:prstGeom prst="rect">
+            <a:avLst/>
+          </a:prstGeom>
+        </p:spPr>
+        <p:txBody>
+          <a:bodyPr spcFirstLastPara="1" wrap="square" lIns="91425" tIns="91425" rIns="91425" bIns="91425" anchor="t" anchorCtr="0">
+            <a:noAutofit/>
+          </a:bodyPr>
+          <a:lstStyle/>
+          <a:p>
+            <a:pPr marL="0" lvl="0" indent="0" algn="l" rtl="0">
+              <a:spcBef>
+                <a:spcPts val="0"/>
+              </a:spcBef>
+              <a:spcAft>
+                <a:spcPts val="1600"/>
+              </a:spcAft>
+              <a:buClr>
+                <a:schemeClr val="dk1"/>
+              </a:buClr>
+              <a:buSzPts val="1100"/>
+              <a:buFont typeface="Arial"/>
+              <a:buNone/>
+            </a:pPr>
+            <a:r>
+              <a:rPr lang="en" sz="2400" dirty="0"/>
+              <a:t>It was a new challenge that we had to overcome, starting with our basic knowledge of python and the game rules.</a:t>
+            </a:r>
+            <a:endParaRPr sz="2400" dirty="0"/>
+          </a:p>
+        </p:txBody>
+      </p:sp>
+      <p:pic>
+        <p:nvPicPr>
+          <p:cNvPr id="3" name="Picture 2">
+            <a:extLst>
+              <a:ext uri="{FF2B5EF4-FFF2-40B4-BE49-F238E27FC236}">
+                <a16:creationId xmlns:a16="http://schemas.microsoft.com/office/drawing/2014/main" id="{64FAF619-A476-4D82-AF1C-21D3724FD1B3}"/>
+              </a:ext>
+            </a:extLst>
+          </p:cNvPr>
+          <p:cNvPicPr>
+            <a:picLocks noChangeAspect="1"/>
+          </p:cNvPicPr>
+          <p:nvPr/>
+        </p:nvPicPr>
+        <p:blipFill>
+          <a:blip r:embed="rId4"/>
+          <a:stretch>
+            <a:fillRect/>
+          </a:stretch>
+        </p:blipFill>
+        <p:spPr>
+          <a:xfrm>
+            <a:off x="5168193" y="3327470"/>
+            <a:ext cx="1240568" cy="1240568"/>
+          </a:xfrm>
+          <a:prstGeom prst="rect">
+            <a:avLst/>
+          </a:prstGeom>
+        </p:spPr>
+      </p:pic>
+      <p:pic>
+        <p:nvPicPr>
+          <p:cNvPr id="5" name="Picture 4">
+            <a:extLst>
+              <a:ext uri="{FF2B5EF4-FFF2-40B4-BE49-F238E27FC236}">
+                <a16:creationId xmlns:a16="http://schemas.microsoft.com/office/drawing/2014/main" id="{4A3FF3E1-8E98-4156-B17A-E33C4D5D3D26}"/>
+              </a:ext>
+            </a:extLst>
+          </p:cNvPr>
+          <p:cNvPicPr>
+            <a:picLocks noChangeAspect="1"/>
+          </p:cNvPicPr>
+          <p:nvPr/>
+        </p:nvPicPr>
+        <p:blipFill>
+          <a:blip r:embed="rId5"/>
+          <a:stretch>
+            <a:fillRect/>
+          </a:stretch>
+        </p:blipFill>
+        <p:spPr>
+          <a:xfrm>
+            <a:off x="4572000" y="2239554"/>
+            <a:ext cx="2692110" cy="1149025"/>
+          </a:xfrm>
+          <a:prstGeom prst="rect">
+            <a:avLst/>
+          </a:prstGeom>
+        </p:spPr>
+      </p:pic>
+    </p:spTree>
+  </p:cSld>
+  <p:clrMapOvr>
+    <a:masterClrMapping/>
+  </p:clrMapOvr>
+</p:sld>
+</file>
+
+<file path=ppt/slides/slide6.xml><?xml version="1.0" encoding="utf-8"?>
+<p:sld xmlns:a="http://schemas.openxmlformats.org/drawingml/2006/main" xmlns:r="http://schemas.openxmlformats.org/officeDocument/2006/relationships" xmlns:p="http://schemas.openxmlformats.org/presentationml/2006/main">
+  <p:cSld>
+    <p:spTree>
+      <p:nvGrpSpPr>
+        <p:cNvPr id="1" name=""/>
         <p:cNvGrpSpPr/>
         <p:nvPr/>
       </p:nvGrpSpPr>
@@ -6330,89 +7652,347 @@
       </p:grpSpPr>
       <p:sp>
         <p:nvSpPr>
-          <p:cNvPr id="78" name="Google Shape;78;p17"/>
-          <p:cNvSpPr txBox="1"/>
+          <p:cNvPr id="2" name="Title 1">
+            <a:extLst>
+              <a:ext uri="{FF2B5EF4-FFF2-40B4-BE49-F238E27FC236}">
+                <a16:creationId xmlns:a16="http://schemas.microsoft.com/office/drawing/2014/main" id="{7E1D0E0A-984F-424D-8C6C-ABB1519401A9}"/>
+              </a:ext>
+            </a:extLst>
+          </p:cNvPr>
+          <p:cNvSpPr>
+            <a:spLocks noGrp="1"/>
+          </p:cNvSpPr>
           <p:nvPr>
             <p:ph type="title"/>
           </p:nvPr>
         </p:nvSpPr>
         <p:spPr>
           <a:xfrm>
-            <a:off x="311700" y="445025"/>
+            <a:off x="311700" y="200476"/>
             <a:ext cx="8520600" cy="572700"/>
+          </a:xfrm>
+        </p:spPr>
+        <p:txBody>
+          <a:bodyPr/>
+          <a:lstStyle/>
+          <a:p>
+            <a:r>
+              <a:rPr lang="en-CA" sz="3200" dirty="0"/>
+              <a:t>Our Code Design</a:t>
+            </a:r>
+          </a:p>
+        </p:txBody>
+      </p:sp>
+      <p:sp>
+        <p:nvSpPr>
+          <p:cNvPr id="3" name="Text Placeholder 2">
+            <a:extLst>
+              <a:ext uri="{FF2B5EF4-FFF2-40B4-BE49-F238E27FC236}">
+                <a16:creationId xmlns:a16="http://schemas.microsoft.com/office/drawing/2014/main" id="{994C2174-9D13-457B-8B62-2B855F5C5FA4}"/>
+              </a:ext>
+            </a:extLst>
+          </p:cNvPr>
+          <p:cNvSpPr>
+            <a:spLocks noGrp="1"/>
+          </p:cNvSpPr>
+          <p:nvPr>
+            <p:ph type="body" idx="1"/>
+          </p:nvPr>
+        </p:nvSpPr>
+        <p:spPr>
+          <a:xfrm>
+            <a:off x="187748" y="1108099"/>
+            <a:ext cx="8768504" cy="3416400"/>
+          </a:xfrm>
+        </p:spPr>
+        <p:txBody>
+          <a:bodyPr/>
+          <a:lstStyle/>
+          <a:p>
+            <a:pPr marL="114300" indent="0">
+              <a:buNone/>
+            </a:pPr>
+            <a:r>
+              <a:rPr lang="en-CA" sz="2400" dirty="0"/>
+              <a:t>Our code design had a massive overhaul compared to our previous code design in our last presentation. </a:t>
+            </a:r>
+          </a:p>
+          <a:p>
+            <a:pPr marL="114300" indent="0">
+              <a:buNone/>
+            </a:pPr>
+            <a:endParaRPr lang="en-CA" sz="2400" dirty="0"/>
+          </a:p>
+          <a:p>
+            <a:pPr marL="114300" indent="0">
+              <a:buNone/>
+            </a:pPr>
+            <a:r>
+              <a:rPr lang="en-CA" sz="2400" dirty="0"/>
+              <a:t>We had learned to adapt the “Agile” methodology of coding for our project. We had been able to progressively adapt slight changes to our class designs and relationships.</a:t>
+            </a:r>
+          </a:p>
+          <a:p>
+            <a:pPr marL="114300" indent="0">
+              <a:buNone/>
+            </a:pPr>
+            <a:endParaRPr lang="en-CA" sz="2400" dirty="0"/>
+          </a:p>
+          <a:p>
+            <a:pPr marL="114300" indent="0">
+              <a:buNone/>
+            </a:pPr>
+            <a:r>
+              <a:rPr lang="en-CA" sz="2400" dirty="0"/>
+              <a:t>This allowed for us to revisit and improve our implementations.</a:t>
+            </a:r>
+          </a:p>
+        </p:txBody>
+      </p:sp>
+    </p:spTree>
+    <p:extLst>
+      <p:ext uri="{BB962C8B-B14F-4D97-AF65-F5344CB8AC3E}">
+        <p14:creationId xmlns:p14="http://schemas.microsoft.com/office/powerpoint/2010/main" val="2487002489"/>
+      </p:ext>
+    </p:extLst>
+  </p:cSld>
+  <p:clrMapOvr>
+    <a:masterClrMapping/>
+  </p:clrMapOvr>
+</p:sld>
+</file>
+
+<file path=ppt/slides/slide7.xml><?xml version="1.0" encoding="utf-8"?>
+<p:sld xmlns:a="http://schemas.openxmlformats.org/drawingml/2006/main" xmlns:r="http://schemas.openxmlformats.org/officeDocument/2006/relationships" xmlns:p="http://schemas.openxmlformats.org/presentationml/2006/main">
+  <p:cSld>
+    <p:spTree>
+      <p:nvGrpSpPr>
+        <p:cNvPr id="1" name=""/>
+        <p:cNvGrpSpPr/>
+        <p:nvPr/>
+      </p:nvGrpSpPr>
+      <p:grpSpPr>
+        <a:xfrm>
+          <a:off x="0" y="0"/>
+          <a:ext cx="0" cy="0"/>
+          <a:chOff x="0" y="0"/>
+          <a:chExt cx="0" cy="0"/>
+        </a:xfrm>
+      </p:grpSpPr>
+      <p:pic>
+        <p:nvPicPr>
+          <p:cNvPr id="5" name="Picture 4">
+            <a:extLst>
+              <a:ext uri="{FF2B5EF4-FFF2-40B4-BE49-F238E27FC236}">
+                <a16:creationId xmlns:a16="http://schemas.microsoft.com/office/drawing/2014/main" id="{804F0C48-F8BF-4415-A15A-70E8E6A8A88A}"/>
+              </a:ext>
+            </a:extLst>
+          </p:cNvPr>
+          <p:cNvPicPr>
+            <a:picLocks noChangeAspect="1"/>
+          </p:cNvPicPr>
+          <p:nvPr/>
+        </p:nvPicPr>
+        <p:blipFill>
+          <a:blip r:embed="rId2"/>
+          <a:stretch>
+            <a:fillRect/>
+          </a:stretch>
+        </p:blipFill>
+        <p:spPr>
+          <a:xfrm>
+            <a:off x="676496" y="481012"/>
+            <a:ext cx="7429500" cy="4181475"/>
           </a:xfrm>
           <a:prstGeom prst="rect">
             <a:avLst/>
           </a:prstGeom>
         </p:spPr>
+      </p:pic>
+      <p:sp>
+        <p:nvSpPr>
+          <p:cNvPr id="6" name="Rectangle 5">
+            <a:extLst>
+              <a:ext uri="{FF2B5EF4-FFF2-40B4-BE49-F238E27FC236}">
+                <a16:creationId xmlns:a16="http://schemas.microsoft.com/office/drawing/2014/main" id="{F52CB0BC-BBA2-4E95-B667-3DC4ADB3E70D}"/>
+              </a:ext>
+            </a:extLst>
+          </p:cNvPr>
+          <p:cNvSpPr/>
+          <p:nvPr/>
+        </p:nvSpPr>
+        <p:spPr>
+          <a:xfrm>
+            <a:off x="1541721" y="2690037"/>
+            <a:ext cx="1158949" cy="786810"/>
+          </a:xfrm>
+          <a:prstGeom prst="rect">
+            <a:avLst/>
+          </a:prstGeom>
+          <a:solidFill>
+            <a:schemeClr val="bg1"/>
+          </a:solidFill>
+          <a:ln>
+            <a:solidFill>
+              <a:schemeClr val="bg1"/>
+            </a:solidFill>
+          </a:ln>
+        </p:spPr>
+        <p:style>
+          <a:lnRef idx="2">
+            <a:schemeClr val="accent1">
+              <a:shade val="50000"/>
+            </a:schemeClr>
+          </a:lnRef>
+          <a:fillRef idx="1">
+            <a:schemeClr val="accent1"/>
+          </a:fillRef>
+          <a:effectRef idx="0">
+            <a:schemeClr val="accent1"/>
+          </a:effectRef>
+          <a:fontRef idx="minor">
+            <a:schemeClr val="lt1"/>
+          </a:fontRef>
+        </p:style>
         <p:txBody>
-          <a:bodyPr anchorCtr="0" anchor="t" bIns="91425" lIns="91425" spcFirstLastPara="1" rIns="91425" wrap="square" tIns="91425">
-            <a:noAutofit/>
-          </a:bodyPr>
+          <a:bodyPr rtlCol="0" anchor="ctr"/>
           <a:lstStyle/>
           <a:p>
-            <a:pPr indent="0" lvl="0" marL="0" rtl="0" algn="l">
-              <a:spcBef>
-                <a:spcPts val="0"/>
-              </a:spcBef>
-              <a:spcAft>
-                <a:spcPts val="0"/>
-              </a:spcAft>
+            <a:pPr algn="ctr"/>
+            <a:endParaRPr lang="en-CA"/>
+          </a:p>
+        </p:txBody>
+      </p:sp>
+    </p:spTree>
+    <p:extLst>
+      <p:ext uri="{BB962C8B-B14F-4D97-AF65-F5344CB8AC3E}">
+        <p14:creationId xmlns:p14="http://schemas.microsoft.com/office/powerpoint/2010/main" val="2892622155"/>
+      </p:ext>
+    </p:extLst>
+  </p:cSld>
+  <p:clrMapOvr>
+    <a:masterClrMapping/>
+  </p:clrMapOvr>
+</p:sld>
+</file>
+
+<file path=ppt/slides/slide8.xml><?xml version="1.0" encoding="utf-8"?>
+<p:sld xmlns:a="http://schemas.openxmlformats.org/drawingml/2006/main" xmlns:r="http://schemas.openxmlformats.org/officeDocument/2006/relationships" xmlns:p="http://schemas.openxmlformats.org/presentationml/2006/main">
+  <p:cSld>
+    <p:spTree>
+      <p:nvGrpSpPr>
+        <p:cNvPr id="1" name=""/>
+        <p:cNvGrpSpPr/>
+        <p:nvPr/>
+      </p:nvGrpSpPr>
+      <p:grpSpPr>
+        <a:xfrm>
+          <a:off x="0" y="0"/>
+          <a:ext cx="0" cy="0"/>
+          <a:chOff x="0" y="0"/>
+          <a:chExt cx="0" cy="0"/>
+        </a:xfrm>
+      </p:grpSpPr>
+      <p:sp>
+        <p:nvSpPr>
+          <p:cNvPr id="3" name="Text Placeholder 2">
+            <a:extLst>
+              <a:ext uri="{FF2B5EF4-FFF2-40B4-BE49-F238E27FC236}">
+                <a16:creationId xmlns:a16="http://schemas.microsoft.com/office/drawing/2014/main" id="{9F3CAC15-8A1A-4020-A25A-896DA4AE9898}"/>
+              </a:ext>
+            </a:extLst>
+          </p:cNvPr>
+          <p:cNvSpPr>
+            <a:spLocks noGrp="1"/>
+          </p:cNvSpPr>
+          <p:nvPr>
+            <p:ph type="body" idx="1"/>
+          </p:nvPr>
+        </p:nvSpPr>
+        <p:spPr>
+          <a:xfrm>
+            <a:off x="77784" y="89219"/>
+            <a:ext cx="8520600" cy="3416400"/>
+          </a:xfrm>
+        </p:spPr>
+        <p:txBody>
+          <a:bodyPr/>
+          <a:lstStyle/>
+          <a:p>
+            <a:pPr marL="114300" indent="0">
               <a:buNone/>
             </a:pPr>
             <a:r>
-              <a:t/>
+              <a:rPr lang="en-CA" sz="3200" dirty="0">
+                <a:solidFill>
+                  <a:schemeClr val="tx1"/>
+                </a:solidFill>
+              </a:rPr>
+              <a:t>Ex.</a:t>
             </a:r>
-            <a:endParaRPr/>
           </a:p>
         </p:txBody>
       </p:sp>
       <p:sp>
         <p:nvSpPr>
-          <p:cNvPr id="79" name="Google Shape;79;p17"/>
-          <p:cNvSpPr txBox="1"/>
-          <p:nvPr>
-            <p:ph idx="1" type="body"/>
-          </p:nvPr>
+          <p:cNvPr id="4" name="Rectangle 3">
+            <a:extLst>
+              <a:ext uri="{FF2B5EF4-FFF2-40B4-BE49-F238E27FC236}">
+                <a16:creationId xmlns:a16="http://schemas.microsoft.com/office/drawing/2014/main" id="{99AF826D-0DE3-4ADC-A80D-2CB77D18DA44}"/>
+              </a:ext>
+            </a:extLst>
+          </p:cNvPr>
+          <p:cNvSpPr/>
+          <p:nvPr/>
         </p:nvSpPr>
         <p:spPr>
           <a:xfrm>
-            <a:off x="311700" y="1152475"/>
-            <a:ext cx="8520600" cy="3416400"/>
+            <a:off x="1041991" y="2126511"/>
+            <a:ext cx="2434855" cy="2551813"/>
           </a:xfrm>
           <a:prstGeom prst="rect">
             <a:avLst/>
           </a:prstGeom>
+          <a:solidFill>
+            <a:schemeClr val="bg1"/>
+          </a:solidFill>
+          <a:ln>
+            <a:solidFill>
+              <a:schemeClr val="tx1"/>
+            </a:solidFill>
+          </a:ln>
         </p:spPr>
+        <p:style>
+          <a:lnRef idx="2">
+            <a:schemeClr val="accent1">
+              <a:shade val="50000"/>
+            </a:schemeClr>
+          </a:lnRef>
+          <a:fillRef idx="1">
+            <a:schemeClr val="accent1"/>
+          </a:fillRef>
+          <a:effectRef idx="0">
+            <a:schemeClr val="accent1"/>
+          </a:effectRef>
+          <a:fontRef idx="minor">
+            <a:schemeClr val="lt1"/>
+          </a:fontRef>
+        </p:style>
         <p:txBody>
-          <a:bodyPr anchorCtr="0" anchor="t" bIns="91425" lIns="91425" spcFirstLastPara="1" rIns="91425" wrap="square" tIns="91425">
-            <a:noAutofit/>
-          </a:bodyPr>
+          <a:bodyPr rtlCol="0" anchor="ctr"/>
           <a:lstStyle/>
           <a:p>
-            <a:pPr indent="0" lvl="0" marL="0" rtl="0" algn="l">
-              <a:spcBef>
-                <a:spcPts val="0"/>
-              </a:spcBef>
-              <a:spcAft>
-                <a:spcPts val="1600"/>
-              </a:spcAft>
-              <a:buClr>
-                <a:schemeClr val="dk1"/>
-              </a:buClr>
-              <a:buSzPts val="1100"/>
-              <a:buFont typeface="Arial"/>
-              <a:buNone/>
-            </a:pPr>
-            <a:r>
-              <a:rPr lang="en"/>
-              <a:t>It was a new challenge that we had to overcome, starting with our basic knowledge of python and the game rules.</a:t>
-            </a:r>
-            <a:endParaRPr/>
+            <a:pPr algn="ctr"/>
+            <a:endParaRPr lang="en-CA"/>
           </a:p>
         </p:txBody>
       </p:sp>
     </p:spTree>
+    <p:extLst>
+      <p:ext uri="{BB962C8B-B14F-4D97-AF65-F5344CB8AC3E}">
+        <p14:creationId xmlns:p14="http://schemas.microsoft.com/office/powerpoint/2010/main" val="1569529818"/>
+      </p:ext>
+    </p:extLst>
   </p:cSld>
   <p:clrMapOvr>
     <a:masterClrMapping/>
@@ -6421,7 +8001,7 @@
 </file>
 
 <file path=ppt/theme/theme1.xml><?xml version="1.0" encoding="utf-8"?>
-<a:theme xmlns:a="http://schemas.openxmlformats.org/drawingml/2006/main" xmlns:r="http://schemas.openxmlformats.org/officeDocument/2006/relationships" name="Simple Light">
+<a:theme xmlns:a="http://schemas.openxmlformats.org/drawingml/2006/main" name="Simple Light">
   <a:themeElements>
     <a:clrScheme name="Simple Light">
       <a:dk1>
@@ -6696,11 +8276,13 @@
       </a:bgFillStyleLst>
     </a:fmtScheme>
   </a:themeElements>
+  <a:objectDefaults/>
+  <a:extraClrSchemeLst/>
 </a:theme>
 </file>
 
 <file path=ppt/theme/theme2.xml><?xml version="1.0" encoding="utf-8"?>
-<a:theme xmlns:a="http://schemas.openxmlformats.org/drawingml/2006/main" xmlns:r="http://schemas.openxmlformats.org/officeDocument/2006/relationships">
+<a:theme xmlns:a="http://schemas.openxmlformats.org/drawingml/2006/main">
   <a:themeElements>
     <a:clrScheme name="Default">
       <a:dk1>
@@ -6975,5 +8557,7 @@
       </a:bgFillStyleLst>
     </a:fmtScheme>
   </a:themeElements>
+  <a:objectDefaults/>
+  <a:extraClrSchemeLst/>
 </a:theme>
 </file>